--- a/Revisions_Statique/Fiche_02_Frottement/images/Figure.pptx
+++ b/Revisions_Statique/Fiche_02_Frottement/images/Figure.pptx
@@ -309,7 +309,7 @@
           <a:p>
             <a:fld id="{AA309A6D-C09C-4548-B29A-6CF363A7E532}" type="datetimeFigureOut">
               <a:rPr lang="fr-FR" smtClean="0"/>
-              <a:t>13/02/2019</a:t>
+              <a:t>14/02/2019</a:t>
             </a:fld>
             <a:endParaRPr lang="fr-BE"/>
           </a:p>
@@ -474,7 +474,7 @@
           <a:p>
             <a:fld id="{AA309A6D-C09C-4548-B29A-6CF363A7E532}" type="datetimeFigureOut">
               <a:rPr lang="fr-FR" smtClean="0"/>
-              <a:t>13/02/2019</a:t>
+              <a:t>14/02/2019</a:t>
             </a:fld>
             <a:endParaRPr lang="fr-BE"/>
           </a:p>
@@ -649,7 +649,7 @@
           <a:p>
             <a:fld id="{AA309A6D-C09C-4548-B29A-6CF363A7E532}" type="datetimeFigureOut">
               <a:rPr lang="fr-FR" smtClean="0"/>
-              <a:t>13/02/2019</a:t>
+              <a:t>14/02/2019</a:t>
             </a:fld>
             <a:endParaRPr lang="fr-BE"/>
           </a:p>
@@ -814,7 +814,7 @@
           <a:p>
             <a:fld id="{AA309A6D-C09C-4548-B29A-6CF363A7E532}" type="datetimeFigureOut">
               <a:rPr lang="fr-FR" smtClean="0"/>
-              <a:t>13/02/2019</a:t>
+              <a:t>14/02/2019</a:t>
             </a:fld>
             <a:endParaRPr lang="fr-BE"/>
           </a:p>
@@ -1055,7 +1055,7 @@
           <a:p>
             <a:fld id="{AA309A6D-C09C-4548-B29A-6CF363A7E532}" type="datetimeFigureOut">
               <a:rPr lang="fr-FR" smtClean="0"/>
-              <a:t>13/02/2019</a:t>
+              <a:t>14/02/2019</a:t>
             </a:fld>
             <a:endParaRPr lang="fr-BE"/>
           </a:p>
@@ -1338,7 +1338,7 @@
           <a:p>
             <a:fld id="{AA309A6D-C09C-4548-B29A-6CF363A7E532}" type="datetimeFigureOut">
               <a:rPr lang="fr-FR" smtClean="0"/>
-              <a:t>13/02/2019</a:t>
+              <a:t>14/02/2019</a:t>
             </a:fld>
             <a:endParaRPr lang="fr-BE"/>
           </a:p>
@@ -1755,7 +1755,7 @@
           <a:p>
             <a:fld id="{AA309A6D-C09C-4548-B29A-6CF363A7E532}" type="datetimeFigureOut">
               <a:rPr lang="fr-FR" smtClean="0"/>
-              <a:t>13/02/2019</a:t>
+              <a:t>14/02/2019</a:t>
             </a:fld>
             <a:endParaRPr lang="fr-BE"/>
           </a:p>
@@ -1868,7 +1868,7 @@
           <a:p>
             <a:fld id="{AA309A6D-C09C-4548-B29A-6CF363A7E532}" type="datetimeFigureOut">
               <a:rPr lang="fr-FR" smtClean="0"/>
-              <a:t>13/02/2019</a:t>
+              <a:t>14/02/2019</a:t>
             </a:fld>
             <a:endParaRPr lang="fr-BE"/>
           </a:p>
@@ -1958,7 +1958,7 @@
           <a:p>
             <a:fld id="{AA309A6D-C09C-4548-B29A-6CF363A7E532}" type="datetimeFigureOut">
               <a:rPr lang="fr-FR" smtClean="0"/>
-              <a:t>13/02/2019</a:t>
+              <a:t>14/02/2019</a:t>
             </a:fld>
             <a:endParaRPr lang="fr-BE"/>
           </a:p>
@@ -2230,7 +2230,7 @@
           <a:p>
             <a:fld id="{AA309A6D-C09C-4548-B29A-6CF363A7E532}" type="datetimeFigureOut">
               <a:rPr lang="fr-FR" smtClean="0"/>
-              <a:t>13/02/2019</a:t>
+              <a:t>14/02/2019</a:t>
             </a:fld>
             <a:endParaRPr lang="fr-BE"/>
           </a:p>
@@ -2478,7 +2478,7 @@
           <a:p>
             <a:fld id="{AA309A6D-C09C-4548-B29A-6CF363A7E532}" type="datetimeFigureOut">
               <a:rPr lang="fr-FR" smtClean="0"/>
-              <a:t>13/02/2019</a:t>
+              <a:t>14/02/2019</a:t>
             </a:fld>
             <a:endParaRPr lang="fr-BE"/>
           </a:p>
@@ -2686,7 +2686,7 @@
           <a:p>
             <a:fld id="{AA309A6D-C09C-4548-B29A-6CF363A7E532}" type="datetimeFigureOut">
               <a:rPr lang="fr-FR" smtClean="0"/>
-              <a:t>13/02/2019</a:t>
+              <a:t>14/02/2019</a:t>
             </a:fld>
             <a:endParaRPr lang="fr-BE"/>
           </a:p>
@@ -3439,8 +3439,8 @@
           </a:p>
         </p:txBody>
       </p:sp>
-      <mc:AlternateContent xmlns:mc="http://schemas.openxmlformats.org/markup-compatibility/2006">
-        <mc:Choice xmlns:a14="http://schemas.microsoft.com/office/drawing/2010/main" Requires="a14">
+      <mc:AlternateContent xmlns:mc="http://schemas.openxmlformats.org/markup-compatibility/2006" xmlns:a14="http://schemas.microsoft.com/office/drawing/2010/main">
+        <mc:Choice Requires="a14">
           <p:sp>
             <p:nvSpPr>
               <p:cNvPr id="11" name="ZoneTexte 10"/>
@@ -3463,6 +3463,7 @@
               </a:bodyPr>
               <a:lstStyle/>
               <a:p>
+                <a:pPr/>
                 <a14:m>
                   <m:oMathPara xmlns:m="http://schemas.openxmlformats.org/officeDocument/2006/math">
                     <m:oMathParaPr>
@@ -3483,7 +3484,7 @@
             </p:txBody>
           </p:sp>
         </mc:Choice>
-        <mc:Fallback>
+        <mc:Fallback xmlns="">
           <p:sp>
             <p:nvSpPr>
               <p:cNvPr id="11" name="ZoneTexte 10"/>
@@ -3609,8 +3610,8 @@
           </p:style>
         </p:cxnSp>
       </p:grpSp>
-      <mc:AlternateContent xmlns:mc="http://schemas.openxmlformats.org/markup-compatibility/2006">
-        <mc:Choice xmlns:a14="http://schemas.microsoft.com/office/drawing/2010/main" Requires="a14">
+      <mc:AlternateContent xmlns:mc="http://schemas.openxmlformats.org/markup-compatibility/2006" xmlns:a14="http://schemas.microsoft.com/office/drawing/2010/main">
+        <mc:Choice Requires="a14">
           <p:sp>
             <p:nvSpPr>
               <p:cNvPr id="25" name="ZoneTexte 24"/>
@@ -3685,7 +3686,7 @@
             </p:txBody>
           </p:sp>
         </mc:Choice>
-        <mc:Fallback>
+        <mc:Fallback xmlns="">
           <p:sp>
             <p:nvSpPr>
               <p:cNvPr id="25" name="ZoneTexte 24"/>
@@ -3724,8 +3725,8 @@
           </p:sp>
         </mc:Fallback>
       </mc:AlternateContent>
-      <mc:AlternateContent xmlns:mc="http://schemas.openxmlformats.org/markup-compatibility/2006">
-        <mc:Choice xmlns:a14="http://schemas.microsoft.com/office/drawing/2010/main" Requires="a14">
+      <mc:AlternateContent xmlns:mc="http://schemas.openxmlformats.org/markup-compatibility/2006" xmlns:a14="http://schemas.microsoft.com/office/drawing/2010/main">
+        <mc:Choice Requires="a14">
           <p:sp>
             <p:nvSpPr>
               <p:cNvPr id="27" name="ZoneTexte 26"/>
@@ -3800,7 +3801,7 @@
             </p:txBody>
           </p:sp>
         </mc:Choice>
-        <mc:Fallback>
+        <mc:Fallback xmlns="">
           <p:sp>
             <p:nvSpPr>
               <p:cNvPr id="27" name="ZoneTexte 26"/>
@@ -3821,6 +3822,255 @@
                 <a:blip r:embed="rId4"/>
                 <a:stretch>
                   <a:fillRect/>
+                </a:stretch>
+              </a:blipFill>
+            </p:spPr>
+            <p:txBody>
+              <a:bodyPr/>
+              <a:lstStyle/>
+              <a:p>
+                <a:r>
+                  <a:rPr lang="fr-FR">
+                    <a:noFill/>
+                  </a:rPr>
+                  <a:t> </a:t>
+                </a:r>
+              </a:p>
+            </p:txBody>
+          </p:sp>
+        </mc:Fallback>
+      </mc:AlternateContent>
+      <p:grpSp>
+        <p:nvGrpSpPr>
+          <p:cNvPr id="18" name="Groupe 17"/>
+          <p:cNvGrpSpPr/>
+          <p:nvPr/>
+        </p:nvGrpSpPr>
+        <p:grpSpPr>
+          <a:xfrm>
+            <a:off x="4283968" y="1458838"/>
+            <a:ext cx="132100" cy="129004"/>
+            <a:chOff x="3275856" y="2276872"/>
+            <a:chExt cx="132100" cy="129004"/>
+          </a:xfrm>
+        </p:grpSpPr>
+        <p:sp>
+          <p:nvSpPr>
+            <p:cNvPr id="15" name="Ellipse 14"/>
+            <p:cNvSpPr/>
+            <p:nvPr/>
+          </p:nvSpPr>
+          <p:spPr>
+            <a:xfrm>
+              <a:off x="3275856" y="2276872"/>
+              <a:ext cx="132100" cy="129004"/>
+            </a:xfrm>
+            <a:prstGeom prst="ellipse">
+              <a:avLst/>
+            </a:prstGeom>
+            <a:solidFill>
+              <a:schemeClr val="bg1"/>
+            </a:solidFill>
+            <a:ln w="19050">
+              <a:solidFill>
+                <a:schemeClr val="tx1"/>
+              </a:solidFill>
+            </a:ln>
+          </p:spPr>
+          <p:style>
+            <a:lnRef idx="2">
+              <a:schemeClr val="accent1">
+                <a:shade val="50000"/>
+              </a:schemeClr>
+            </a:lnRef>
+            <a:fillRef idx="1">
+              <a:schemeClr val="accent1"/>
+            </a:fillRef>
+            <a:effectRef idx="0">
+              <a:schemeClr val="accent1"/>
+            </a:effectRef>
+            <a:fontRef idx="minor">
+              <a:schemeClr val="lt1"/>
+            </a:fontRef>
+          </p:style>
+          <p:txBody>
+            <a:bodyPr lIns="0" tIns="0" rIns="0" bIns="0" rtlCol="0" anchor="ctr"/>
+            <a:lstStyle/>
+            <a:p>
+              <a:pPr algn="ctr"/>
+              <a:endParaRPr lang="fr-FR" b="1" dirty="0">
+                <a:solidFill>
+                  <a:schemeClr val="tx2"/>
+                </a:solidFill>
+              </a:endParaRPr>
+            </a:p>
+          </p:txBody>
+        </p:sp>
+        <p:cxnSp>
+          <p:nvCxnSpPr>
+            <p:cNvPr id="16" name="Connecteur droit 15"/>
+            <p:cNvCxnSpPr>
+              <a:stCxn id="15" idx="1"/>
+              <a:endCxn id="15" idx="5"/>
+            </p:cNvCxnSpPr>
+            <p:nvPr/>
+          </p:nvCxnSpPr>
+          <p:spPr>
+            <a:xfrm>
+              <a:off x="3295202" y="2295764"/>
+              <a:ext cx="93408" cy="91220"/>
+            </a:xfrm>
+            <a:prstGeom prst="line">
+              <a:avLst/>
+            </a:prstGeom>
+            <a:solidFill>
+              <a:schemeClr val="bg1"/>
+            </a:solidFill>
+            <a:ln w="19050">
+              <a:solidFill>
+                <a:schemeClr val="tx1"/>
+              </a:solidFill>
+            </a:ln>
+          </p:spPr>
+          <p:style>
+            <a:lnRef idx="2">
+              <a:schemeClr val="accent1">
+                <a:shade val="50000"/>
+              </a:schemeClr>
+            </a:lnRef>
+            <a:fillRef idx="1">
+              <a:schemeClr val="accent1"/>
+            </a:fillRef>
+            <a:effectRef idx="0">
+              <a:schemeClr val="accent1"/>
+            </a:effectRef>
+            <a:fontRef idx="minor">
+              <a:schemeClr val="lt1"/>
+            </a:fontRef>
+          </p:style>
+        </p:cxnSp>
+        <p:cxnSp>
+          <p:nvCxnSpPr>
+            <p:cNvPr id="17" name="Connecteur droit 16"/>
+            <p:cNvCxnSpPr>
+              <a:stCxn id="15" idx="7"/>
+              <a:endCxn id="15" idx="3"/>
+            </p:cNvCxnSpPr>
+            <p:nvPr/>
+          </p:nvCxnSpPr>
+          <p:spPr>
+            <a:xfrm flipH="1">
+              <a:off x="3295202" y="2295764"/>
+              <a:ext cx="93408" cy="91220"/>
+            </a:xfrm>
+            <a:prstGeom prst="line">
+              <a:avLst/>
+            </a:prstGeom>
+            <a:solidFill>
+              <a:schemeClr val="bg1"/>
+            </a:solidFill>
+            <a:ln w="19050">
+              <a:solidFill>
+                <a:schemeClr val="tx1"/>
+              </a:solidFill>
+            </a:ln>
+          </p:spPr>
+          <p:style>
+            <a:lnRef idx="2">
+              <a:schemeClr val="accent1">
+                <a:shade val="50000"/>
+              </a:schemeClr>
+            </a:lnRef>
+            <a:fillRef idx="1">
+              <a:schemeClr val="accent1"/>
+            </a:fillRef>
+            <a:effectRef idx="0">
+              <a:schemeClr val="accent1"/>
+            </a:effectRef>
+            <a:fontRef idx="minor">
+              <a:schemeClr val="lt1"/>
+            </a:fontRef>
+          </p:style>
+        </p:cxnSp>
+      </p:grpSp>
+      <mc:AlternateContent xmlns:mc="http://schemas.openxmlformats.org/markup-compatibility/2006">
+        <mc:Choice xmlns:a14="http://schemas.microsoft.com/office/drawing/2010/main" Requires="a14">
+          <p:sp>
+            <p:nvSpPr>
+              <p:cNvPr id="21" name="ZoneTexte 20"/>
+              <p:cNvSpPr txBox="1"/>
+              <p:nvPr/>
+            </p:nvSpPr>
+            <p:spPr>
+              <a:xfrm>
+                <a:off x="4204171" y="1247403"/>
+                <a:ext cx="283154" cy="253916"/>
+              </a:xfrm>
+              <a:prstGeom prst="rect">
+                <a:avLst/>
+              </a:prstGeom>
+              <a:noFill/>
+            </p:spPr>
+            <p:txBody>
+              <a:bodyPr wrap="none" rtlCol="0">
+                <a:spAutoFit/>
+              </a:bodyPr>
+              <a:lstStyle/>
+              <a:p>
+                <a:pPr/>
+                <a14:m>
+                  <m:oMathPara xmlns:m="http://schemas.openxmlformats.org/officeDocument/2006/math">
+                    <m:oMathParaPr>
+                      <m:jc m:val="centerGroup"/>
+                    </m:oMathParaPr>
+                    <m:oMath xmlns:m="http://schemas.openxmlformats.org/officeDocument/2006/math">
+                      <m:acc>
+                        <m:accPr>
+                          <m:chr m:val="⃗"/>
+                          <m:ctrlPr>
+                            <a:rPr lang="fr-FR" sz="1050" b="0" i="1" smtClean="0">
+                              <a:latin typeface="Cambria Math" panose="02040503050406030204" pitchFamily="18" charset="0"/>
+                            </a:rPr>
+                          </m:ctrlPr>
+                        </m:accPr>
+                        <m:e>
+                          <m:r>
+                            <a:rPr lang="fr-FR" sz="1050" b="0" i="1" smtClean="0">
+                              <a:latin typeface="Cambria Math" panose="02040503050406030204" pitchFamily="18" charset="0"/>
+                            </a:rPr>
+                            <m:t>𝑧</m:t>
+                          </m:r>
+                        </m:e>
+                      </m:acc>
+                    </m:oMath>
+                  </m:oMathPara>
+                </a14:m>
+                <a:endParaRPr lang="fr-FR" sz="1050" dirty="0"/>
+              </a:p>
+            </p:txBody>
+          </p:sp>
+        </mc:Choice>
+        <mc:Fallback>
+          <p:sp>
+            <p:nvSpPr>
+              <p:cNvPr id="21" name="ZoneTexte 20"/>
+              <p:cNvSpPr txBox="1">
+                <a:spLocks noRot="1" noChangeAspect="1" noMove="1" noResize="1" noEditPoints="1" noAdjustHandles="1" noChangeArrowheads="1" noChangeShapeType="1" noTextEdit="1"/>
+              </p:cNvSpPr>
+              <p:nvPr/>
+            </p:nvSpPr>
+            <p:spPr>
+              <a:xfrm>
+                <a:off x="4204171" y="1247403"/>
+                <a:ext cx="283154" cy="253916"/>
+              </a:xfrm>
+              <a:prstGeom prst="rect">
+                <a:avLst/>
+              </a:prstGeom>
+              <a:blipFill>
+                <a:blip r:embed="rId5"/>
+                <a:stretch>
+                  <a:fillRect t="-2439" r="-2174"/>
                 </a:stretch>
               </a:blipFill>
             </p:spPr>
@@ -4229,8 +4479,8 @@
           </a:p>
         </p:txBody>
       </p:sp>
-      <mc:AlternateContent xmlns:mc="http://schemas.openxmlformats.org/markup-compatibility/2006">
-        <mc:Choice xmlns:a14="http://schemas.microsoft.com/office/drawing/2010/main" Requires="a14">
+      <mc:AlternateContent xmlns:mc="http://schemas.openxmlformats.org/markup-compatibility/2006" xmlns:a14="http://schemas.microsoft.com/office/drawing/2010/main">
+        <mc:Choice Requires="a14">
           <p:sp>
             <p:nvSpPr>
               <p:cNvPr id="19" name="ZoneTexte 18"/>
@@ -4274,7 +4524,7 @@
             </p:txBody>
           </p:sp>
         </mc:Choice>
-        <mc:Fallback>
+        <mc:Fallback xmlns="">
           <p:sp>
             <p:nvSpPr>
               <p:cNvPr id="19" name="ZoneTexte 18"/>
@@ -4764,8 +5014,8 @@
           </a:fontRef>
         </p:style>
       </p:cxnSp>
-      <mc:AlternateContent xmlns:mc="http://schemas.openxmlformats.org/markup-compatibility/2006">
-        <mc:Choice xmlns:a14="http://schemas.microsoft.com/office/drawing/2010/main" Requires="a14">
+      <mc:AlternateContent xmlns:mc="http://schemas.openxmlformats.org/markup-compatibility/2006" xmlns:a14="http://schemas.microsoft.com/office/drawing/2010/main">
+        <mc:Choice Requires="a14">
           <p:sp>
             <p:nvSpPr>
               <p:cNvPr id="11" name="ZoneTexte 10"/>
@@ -4788,6 +5038,7 @@
               </a:bodyPr>
               <a:lstStyle/>
               <a:p>
+                <a:pPr/>
                 <a14:m>
                   <m:oMathPara xmlns:m="http://schemas.openxmlformats.org/officeDocument/2006/math">
                     <m:oMathParaPr>
@@ -4808,7 +5059,7 @@
             </p:txBody>
           </p:sp>
         </mc:Choice>
-        <mc:Fallback>
+        <mc:Fallback xmlns="">
           <p:sp>
             <p:nvSpPr>
               <p:cNvPr id="11" name="ZoneTexte 10"/>
@@ -4934,8 +5185,8 @@
           </p:style>
         </p:cxnSp>
       </p:grpSp>
-      <mc:AlternateContent xmlns:mc="http://schemas.openxmlformats.org/markup-compatibility/2006">
-        <mc:Choice xmlns:a14="http://schemas.microsoft.com/office/drawing/2010/main" Requires="a14">
+      <mc:AlternateContent xmlns:mc="http://schemas.openxmlformats.org/markup-compatibility/2006" xmlns:a14="http://schemas.microsoft.com/office/drawing/2010/main">
+        <mc:Choice Requires="a14">
           <p:sp>
             <p:nvSpPr>
               <p:cNvPr id="25" name="ZoneTexte 24"/>
@@ -5010,7 +5261,7 @@
             </p:txBody>
           </p:sp>
         </mc:Choice>
-        <mc:Fallback>
+        <mc:Fallback xmlns="">
           <p:sp>
             <p:nvSpPr>
               <p:cNvPr id="25" name="ZoneTexte 24"/>
@@ -5049,8 +5300,8 @@
           </p:sp>
         </mc:Fallback>
       </mc:AlternateContent>
-      <mc:AlternateContent xmlns:mc="http://schemas.openxmlformats.org/markup-compatibility/2006">
-        <mc:Choice xmlns:a14="http://schemas.microsoft.com/office/drawing/2010/main" Requires="a14">
+      <mc:AlternateContent xmlns:mc="http://schemas.openxmlformats.org/markup-compatibility/2006" xmlns:a14="http://schemas.microsoft.com/office/drawing/2010/main">
+        <mc:Choice Requires="a14">
           <p:sp>
             <p:nvSpPr>
               <p:cNvPr id="27" name="ZoneTexte 26"/>
@@ -5125,7 +5376,7 @@
             </p:txBody>
           </p:sp>
         </mc:Choice>
-        <mc:Fallback>
+        <mc:Fallback xmlns="">
           <p:sp>
             <p:nvSpPr>
               <p:cNvPr id="27" name="ZoneTexte 26"/>
@@ -5164,8 +5415,8 @@
           </p:sp>
         </mc:Fallback>
       </mc:AlternateContent>
-      <mc:AlternateContent xmlns:mc="http://schemas.openxmlformats.org/markup-compatibility/2006">
-        <mc:Choice xmlns:a14="http://schemas.microsoft.com/office/drawing/2010/main" Requires="a14">
+      <mc:AlternateContent xmlns:mc="http://schemas.openxmlformats.org/markup-compatibility/2006" xmlns:a14="http://schemas.microsoft.com/office/drawing/2010/main">
+        <mc:Choice Requires="a14">
           <p:sp>
             <p:nvSpPr>
               <p:cNvPr id="16" name="ZoneTexte 15"/>
@@ -5270,7 +5521,7 @@
             </p:txBody>
           </p:sp>
         </mc:Choice>
-        <mc:Fallback>
+        <mc:Fallback xmlns="">
           <p:sp>
             <p:nvSpPr>
               <p:cNvPr id="16" name="ZoneTexte 15"/>
@@ -5392,8 +5643,8 @@
           </a:p>
         </p:txBody>
       </p:sp>
-      <mc:AlternateContent xmlns:mc="http://schemas.openxmlformats.org/markup-compatibility/2006">
-        <mc:Choice xmlns:a14="http://schemas.microsoft.com/office/drawing/2010/main" Requires="a14">
+      <mc:AlternateContent xmlns:mc="http://schemas.openxmlformats.org/markup-compatibility/2006" xmlns:a14="http://schemas.microsoft.com/office/drawing/2010/main">
+        <mc:Choice Requires="a14">
           <p:sp>
             <p:nvSpPr>
               <p:cNvPr id="19" name="ZoneTexte 18"/>
@@ -5493,7 +5744,7 @@
             </p:txBody>
           </p:sp>
         </mc:Choice>
-        <mc:Fallback>
+        <mc:Fallback xmlns="">
           <p:sp>
             <p:nvSpPr>
               <p:cNvPr id="19" name="ZoneTexte 18"/>
@@ -5571,8 +5822,8 @@
           </a:fontRef>
         </p:style>
       </p:cxnSp>
-      <mc:AlternateContent xmlns:mc="http://schemas.openxmlformats.org/markup-compatibility/2006">
-        <mc:Choice xmlns:a14="http://schemas.microsoft.com/office/drawing/2010/main" Requires="a14">
+      <mc:AlternateContent xmlns:mc="http://schemas.openxmlformats.org/markup-compatibility/2006" xmlns:a14="http://schemas.microsoft.com/office/drawing/2010/main">
+        <mc:Choice Requires="a14">
           <p:sp>
             <p:nvSpPr>
               <p:cNvPr id="23" name="ZoneTexte 22"/>
@@ -5647,7 +5898,7 @@
             </p:txBody>
           </p:sp>
         </mc:Choice>
-        <mc:Fallback>
+        <mc:Fallback xmlns="">
           <p:sp>
             <p:nvSpPr>
               <p:cNvPr id="23" name="ZoneTexte 22"/>
@@ -5722,8 +5973,8 @@
           </a:fontRef>
         </p:style>
       </p:cxnSp>
-      <mc:AlternateContent xmlns:mc="http://schemas.openxmlformats.org/markup-compatibility/2006">
-        <mc:Choice xmlns:a14="http://schemas.microsoft.com/office/drawing/2010/main" Requires="a14">
+      <mc:AlternateContent xmlns:mc="http://schemas.openxmlformats.org/markup-compatibility/2006" xmlns:a14="http://schemas.microsoft.com/office/drawing/2010/main">
+        <mc:Choice Requires="a14">
           <p:sp>
             <p:nvSpPr>
               <p:cNvPr id="28" name="ZoneTexte 27"/>
@@ -5823,7 +6074,7 @@
             </p:txBody>
           </p:sp>
         </mc:Choice>
-        <mc:Fallback>
+        <mc:Fallback xmlns="">
           <p:sp>
             <p:nvSpPr>
               <p:cNvPr id="28" name="ZoneTexte 27"/>
@@ -5909,8 +6160,8 @@
           </a:p>
         </p:txBody>
       </p:sp>
-      <mc:AlternateContent xmlns:mc="http://schemas.openxmlformats.org/markup-compatibility/2006">
-        <mc:Choice xmlns:a14="http://schemas.microsoft.com/office/drawing/2010/main" Requires="a14">
+      <mc:AlternateContent xmlns:mc="http://schemas.openxmlformats.org/markup-compatibility/2006" xmlns:a14="http://schemas.microsoft.com/office/drawing/2010/main">
+        <mc:Choice Requires="a14">
           <p:sp>
             <p:nvSpPr>
               <p:cNvPr id="30" name="ZoneTexte 29"/>
@@ -5954,7 +6205,7 @@
             </p:txBody>
           </p:sp>
         </mc:Choice>
-        <mc:Fallback>
+        <mc:Fallback xmlns="">
           <p:sp>
             <p:nvSpPr>
               <p:cNvPr id="30" name="ZoneTexte 29"/>

--- a/Revisions_Statique/Fiche_02_Frottement/images/Figure.pptx
+++ b/Revisions_Statique/Fiche_02_Frottement/images/Figure.pptx
@@ -6,11 +6,13 @@
   </p:sldMasterIdLst>
   <p:sldIdLst>
     <p:sldId id="259" r:id="rId2"/>
-    <p:sldId id="260" r:id="rId3"/>
-    <p:sldId id="261" r:id="rId4"/>
-    <p:sldId id="256" r:id="rId5"/>
-    <p:sldId id="258" r:id="rId6"/>
-    <p:sldId id="257" r:id="rId7"/>
+    <p:sldId id="263" r:id="rId3"/>
+    <p:sldId id="262" r:id="rId4"/>
+    <p:sldId id="260" r:id="rId5"/>
+    <p:sldId id="261" r:id="rId6"/>
+    <p:sldId id="256" r:id="rId7"/>
+    <p:sldId id="258" r:id="rId8"/>
+    <p:sldId id="257" r:id="rId9"/>
   </p:sldIdLst>
   <p:sldSz cx="9144000" cy="6858000" type="screen4x3"/>
   <p:notesSz cx="6858000" cy="9144000"/>
@@ -309,7 +311,7 @@
           <a:p>
             <a:fld id="{AA309A6D-C09C-4548-B29A-6CF363A7E532}" type="datetimeFigureOut">
               <a:rPr lang="fr-FR" smtClean="0"/>
-              <a:t>14/02/2019</a:t>
+              <a:t>16/02/2019</a:t>
             </a:fld>
             <a:endParaRPr lang="fr-BE"/>
           </a:p>
@@ -474,7 +476,7 @@
           <a:p>
             <a:fld id="{AA309A6D-C09C-4548-B29A-6CF363A7E532}" type="datetimeFigureOut">
               <a:rPr lang="fr-FR" smtClean="0"/>
-              <a:t>14/02/2019</a:t>
+              <a:t>16/02/2019</a:t>
             </a:fld>
             <a:endParaRPr lang="fr-BE"/>
           </a:p>
@@ -649,7 +651,7 @@
           <a:p>
             <a:fld id="{AA309A6D-C09C-4548-B29A-6CF363A7E532}" type="datetimeFigureOut">
               <a:rPr lang="fr-FR" smtClean="0"/>
-              <a:t>14/02/2019</a:t>
+              <a:t>16/02/2019</a:t>
             </a:fld>
             <a:endParaRPr lang="fr-BE"/>
           </a:p>
@@ -814,7 +816,7 @@
           <a:p>
             <a:fld id="{AA309A6D-C09C-4548-B29A-6CF363A7E532}" type="datetimeFigureOut">
               <a:rPr lang="fr-FR" smtClean="0"/>
-              <a:t>14/02/2019</a:t>
+              <a:t>16/02/2019</a:t>
             </a:fld>
             <a:endParaRPr lang="fr-BE"/>
           </a:p>
@@ -1055,7 +1057,7 @@
           <a:p>
             <a:fld id="{AA309A6D-C09C-4548-B29A-6CF363A7E532}" type="datetimeFigureOut">
               <a:rPr lang="fr-FR" smtClean="0"/>
-              <a:t>14/02/2019</a:t>
+              <a:t>16/02/2019</a:t>
             </a:fld>
             <a:endParaRPr lang="fr-BE"/>
           </a:p>
@@ -1338,7 +1340,7 @@
           <a:p>
             <a:fld id="{AA309A6D-C09C-4548-B29A-6CF363A7E532}" type="datetimeFigureOut">
               <a:rPr lang="fr-FR" smtClean="0"/>
-              <a:t>14/02/2019</a:t>
+              <a:t>16/02/2019</a:t>
             </a:fld>
             <a:endParaRPr lang="fr-BE"/>
           </a:p>
@@ -1755,7 +1757,7 @@
           <a:p>
             <a:fld id="{AA309A6D-C09C-4548-B29A-6CF363A7E532}" type="datetimeFigureOut">
               <a:rPr lang="fr-FR" smtClean="0"/>
-              <a:t>14/02/2019</a:t>
+              <a:t>16/02/2019</a:t>
             </a:fld>
             <a:endParaRPr lang="fr-BE"/>
           </a:p>
@@ -1868,7 +1870,7 @@
           <a:p>
             <a:fld id="{AA309A6D-C09C-4548-B29A-6CF363A7E532}" type="datetimeFigureOut">
               <a:rPr lang="fr-FR" smtClean="0"/>
-              <a:t>14/02/2019</a:t>
+              <a:t>16/02/2019</a:t>
             </a:fld>
             <a:endParaRPr lang="fr-BE"/>
           </a:p>
@@ -1958,7 +1960,7 @@
           <a:p>
             <a:fld id="{AA309A6D-C09C-4548-B29A-6CF363A7E532}" type="datetimeFigureOut">
               <a:rPr lang="fr-FR" smtClean="0"/>
-              <a:t>14/02/2019</a:t>
+              <a:t>16/02/2019</a:t>
             </a:fld>
             <a:endParaRPr lang="fr-BE"/>
           </a:p>
@@ -2230,7 +2232,7 @@
           <a:p>
             <a:fld id="{AA309A6D-C09C-4548-B29A-6CF363A7E532}" type="datetimeFigureOut">
               <a:rPr lang="fr-FR" smtClean="0"/>
-              <a:t>14/02/2019</a:t>
+              <a:t>16/02/2019</a:t>
             </a:fld>
             <a:endParaRPr lang="fr-BE"/>
           </a:p>
@@ -2478,7 +2480,7 @@
           <a:p>
             <a:fld id="{AA309A6D-C09C-4548-B29A-6CF363A7E532}" type="datetimeFigureOut">
               <a:rPr lang="fr-FR" smtClean="0"/>
-              <a:t>14/02/2019</a:t>
+              <a:t>16/02/2019</a:t>
             </a:fld>
             <a:endParaRPr lang="fr-BE"/>
           </a:p>
@@ -2686,7 +2688,7 @@
           <a:p>
             <a:fld id="{AA309A6D-C09C-4548-B29A-6CF363A7E532}" type="datetimeFigureOut">
               <a:rPr lang="fr-FR" smtClean="0"/>
-              <a:t>14/02/2019</a:t>
+              <a:t>16/02/2019</a:t>
             </a:fld>
             <a:endParaRPr lang="fr-BE"/>
           </a:p>
@@ -3360,7 +3362,7 @@
           <a:p>
             <a:pPr algn="ctr"/>
             <a:r>
-              <a:rPr lang="fr-FR" b="1" dirty="0" smtClean="0">
+              <a:rPr lang="fr-FR" b="1" dirty="0">
                 <a:solidFill>
                   <a:schemeClr val="accent6">
                     <a:lumMod val="50000"/>
@@ -3369,13 +3371,6 @@
               </a:rPr>
               <a:t>2</a:t>
             </a:r>
-            <a:endParaRPr lang="fr-FR" b="1" dirty="0">
-              <a:solidFill>
-                <a:schemeClr val="accent6">
-                  <a:lumMod val="50000"/>
-                </a:schemeClr>
-              </a:solidFill>
-            </a:endParaRPr>
           </a:p>
         </p:txBody>
       </p:sp>
@@ -3993,8 +3988,8 @@
           </p:style>
         </p:cxnSp>
       </p:grpSp>
-      <mc:AlternateContent xmlns:mc="http://schemas.openxmlformats.org/markup-compatibility/2006">
-        <mc:Choice xmlns:a14="http://schemas.microsoft.com/office/drawing/2010/main" Requires="a14">
+      <mc:AlternateContent xmlns:mc="http://schemas.openxmlformats.org/markup-compatibility/2006" xmlns:a14="http://schemas.microsoft.com/office/drawing/2010/main">
+        <mc:Choice Requires="a14">
           <p:sp>
             <p:nvSpPr>
               <p:cNvPr id="21" name="ZoneTexte 20"/>
@@ -4050,7 +4045,7 @@
             </p:txBody>
           </p:sp>
         </mc:Choice>
-        <mc:Fallback>
+        <mc:Fallback xmlns="">
           <p:sp>
             <p:nvSpPr>
               <p:cNvPr id="21" name="ZoneTexte 20"/>
@@ -4119,32 +4114,64 @@
           <a:chExt cx="0" cy="0"/>
         </a:xfrm>
       </p:grpSpPr>
+      <p:pic>
+        <p:nvPicPr>
+          <p:cNvPr id="4" name="Image 3">
+            <a:extLst>
+              <a:ext uri="{FF2B5EF4-FFF2-40B4-BE49-F238E27FC236}">
+                <a16:creationId xmlns:a16="http://schemas.microsoft.com/office/drawing/2014/main" id="{A007E6B9-0A89-448F-821B-762EDFA84C98}"/>
+              </a:ext>
+            </a:extLst>
+          </p:cNvPr>
+          <p:cNvPicPr>
+            <a:picLocks noChangeAspect="1"/>
+          </p:cNvPicPr>
+          <p:nvPr/>
+        </p:nvPicPr>
+        <p:blipFill>
+          <a:blip r:embed="rId2"/>
+          <a:stretch>
+            <a:fillRect/>
+          </a:stretch>
+        </p:blipFill>
+        <p:spPr>
+          <a:xfrm>
+            <a:off x="0" y="404664"/>
+            <a:ext cx="2131864" cy="2248305"/>
+          </a:xfrm>
+          <a:prstGeom prst="rect">
+            <a:avLst/>
+          </a:prstGeom>
+        </p:spPr>
+      </p:pic>
       <p:sp>
         <p:nvSpPr>
-          <p:cNvPr id="30" name="Rectangle à coins arrondis 29"/>
+          <p:cNvPr id="5" name="Rectangle à coins arrondis 29">
+            <a:extLst>
+              <a:ext uri="{FF2B5EF4-FFF2-40B4-BE49-F238E27FC236}">
+                <a16:creationId xmlns:a16="http://schemas.microsoft.com/office/drawing/2014/main" id="{F16B3A90-7FF1-4AAB-85E5-6BD399461622}"/>
+              </a:ext>
+            </a:extLst>
+          </p:cNvPr>
           <p:cNvSpPr/>
           <p:nvPr/>
         </p:nvSpPr>
         <p:spPr>
-          <a:xfrm rot="20460000">
-            <a:off x="4543559" y="3338632"/>
-            <a:ext cx="864096" cy="382985"/>
+          <a:xfrm>
+            <a:off x="1547664" y="1337323"/>
+            <a:ext cx="584200" cy="1011557"/>
           </a:xfrm>
           <a:prstGeom prst="roundRect">
             <a:avLst/>
           </a:prstGeom>
-          <a:solidFill>
-            <a:schemeClr val="accent6">
-              <a:lumMod val="20000"/>
-              <a:lumOff val="80000"/>
-            </a:schemeClr>
-          </a:solidFill>
+          <a:noFill/>
           <a:ln w="28575">
             <a:solidFill>
               <a:schemeClr val="accent6">
                 <a:lumMod val="75000"/>
               </a:schemeClr>
             </a:solidFill>
+            <a:prstDash val="sysDash"/>
           </a:ln>
         </p:spPr>
         <p:style>
@@ -4176,105 +4203,22 @@
       </p:sp>
       <p:sp>
         <p:nvSpPr>
-          <p:cNvPr id="16" name="Triangle rectangle 15"/>
-          <p:cNvSpPr/>
-          <p:nvPr/>
-        </p:nvSpPr>
-        <p:spPr>
-          <a:xfrm flipH="1">
-            <a:off x="3851920" y="3409620"/>
-            <a:ext cx="2160240" cy="724461"/>
-          </a:xfrm>
-          <a:prstGeom prst="rtTriangle">
-            <a:avLst/>
-          </a:prstGeom>
-          <a:solidFill>
-            <a:schemeClr val="accent5">
-              <a:lumMod val="20000"/>
-              <a:lumOff val="80000"/>
-            </a:schemeClr>
-          </a:solidFill>
-          <a:ln>
-            <a:noFill/>
-          </a:ln>
-        </p:spPr>
-        <p:style>
-          <a:lnRef idx="2">
-            <a:schemeClr val="accent1">
-              <a:shade val="50000"/>
-            </a:schemeClr>
-          </a:lnRef>
-          <a:fillRef idx="1">
-            <a:schemeClr val="accent1"/>
-          </a:fillRef>
-          <a:effectRef idx="0">
-            <a:schemeClr val="accent1"/>
-          </a:effectRef>
-          <a:fontRef idx="minor">
-            <a:schemeClr val="lt1"/>
-          </a:fontRef>
-        </p:style>
-        <p:txBody>
-          <a:bodyPr rtlCol="0" anchor="ctr"/>
-          <a:lstStyle/>
-          <a:p>
-            <a:pPr algn="ctr"/>
-            <a:endParaRPr lang="fr-FR"/>
-          </a:p>
-        </p:txBody>
-      </p:sp>
-      <p:cxnSp>
-        <p:nvCxnSpPr>
-          <p:cNvPr id="6" name="Connecteur droit 5"/>
-          <p:cNvCxnSpPr>
-            <a:stCxn id="16" idx="4"/>
-            <a:endCxn id="16" idx="2"/>
-          </p:cNvCxnSpPr>
-          <p:nvPr/>
-        </p:nvCxnSpPr>
-        <p:spPr>
-          <a:xfrm>
-            <a:off x="3851920" y="4134081"/>
-            <a:ext cx="2160240" cy="0"/>
-          </a:xfrm>
-          <a:prstGeom prst="line">
-            <a:avLst/>
-          </a:prstGeom>
-          <a:ln w="28575">
-            <a:solidFill>
-              <a:schemeClr val="accent5">
-                <a:lumMod val="50000"/>
-              </a:schemeClr>
-            </a:solidFill>
-          </a:ln>
-        </p:spPr>
-        <p:style>
-          <a:lnRef idx="1">
-            <a:schemeClr val="accent1"/>
-          </a:lnRef>
-          <a:fillRef idx="0">
-            <a:schemeClr val="accent1"/>
-          </a:fillRef>
-          <a:effectRef idx="0">
-            <a:schemeClr val="accent1"/>
-          </a:effectRef>
-          <a:fontRef idx="minor">
-            <a:schemeClr val="tx1"/>
-          </a:fontRef>
-        </p:style>
-      </p:cxnSp>
-      <p:sp>
-        <p:nvSpPr>
-          <p:cNvPr id="9" name="Ellipse 8"/>
+          <p:cNvPr id="6" name="Flèche : droite 5">
+            <a:extLst>
+              <a:ext uri="{FF2B5EF4-FFF2-40B4-BE49-F238E27FC236}">
+                <a16:creationId xmlns:a16="http://schemas.microsoft.com/office/drawing/2014/main" id="{39737E4E-A688-4169-8C50-6246384ED0A0}"/>
+              </a:ext>
+            </a:extLst>
+          </p:cNvPr>
           <p:cNvSpPr/>
           <p:nvPr/>
         </p:nvSpPr>
         <p:spPr>
           <a:xfrm>
-            <a:off x="3966202" y="3284984"/>
-            <a:ext cx="432048" cy="432048"/>
+            <a:off x="2501412" y="1414501"/>
+            <a:ext cx="432048" cy="428600"/>
           </a:xfrm>
-          <a:prstGeom prst="ellipse">
+          <a:prstGeom prst="rightArrow">
             <a:avLst/>
           </a:prstGeom>
           <a:solidFill>
@@ -4292,6 +4236,212 @@
           </a:ln>
         </p:spPr>
         <p:style>
+          <a:lnRef idx="1">
+            <a:schemeClr val="accent1"/>
+          </a:lnRef>
+          <a:fillRef idx="0">
+            <a:schemeClr val="accent1"/>
+          </a:fillRef>
+          <a:effectRef idx="0">
+            <a:schemeClr val="accent1"/>
+          </a:effectRef>
+          <a:fontRef idx="minor">
+            <a:schemeClr val="tx1"/>
+          </a:fontRef>
+        </p:style>
+        <p:txBody>
+          <a:bodyPr rtlCol="0" anchor="ctr"/>
+          <a:lstStyle/>
+          <a:p>
+            <a:pPr algn="ctr"/>
+            <a:endParaRPr lang="fr-FR">
+              <a:solidFill>
+                <a:schemeClr val="tx1"/>
+              </a:solidFill>
+            </a:endParaRPr>
+          </a:p>
+        </p:txBody>
+      </p:sp>
+      <p:cxnSp>
+        <p:nvCxnSpPr>
+          <p:cNvPr id="8" name="Connecteur droit 7">
+            <a:extLst>
+              <a:ext uri="{FF2B5EF4-FFF2-40B4-BE49-F238E27FC236}">
+                <a16:creationId xmlns:a16="http://schemas.microsoft.com/office/drawing/2014/main" id="{1939EC7D-6B0F-4D93-8261-9FD5E4B28915}"/>
+              </a:ext>
+            </a:extLst>
+          </p:cNvPr>
+          <p:cNvCxnSpPr/>
+          <p:nvPr/>
+        </p:nvCxnSpPr>
+        <p:spPr>
+          <a:xfrm>
+            <a:off x="3131840" y="2276872"/>
+            <a:ext cx="1440160" cy="0"/>
+          </a:xfrm>
+          <a:prstGeom prst="line">
+            <a:avLst/>
+          </a:prstGeom>
+          <a:ln w="28575">
+            <a:solidFill>
+              <a:schemeClr val="accent5">
+                <a:lumMod val="50000"/>
+              </a:schemeClr>
+            </a:solidFill>
+          </a:ln>
+        </p:spPr>
+        <p:style>
+          <a:lnRef idx="1">
+            <a:schemeClr val="accent1"/>
+          </a:lnRef>
+          <a:fillRef idx="0">
+            <a:schemeClr val="accent1"/>
+          </a:fillRef>
+          <a:effectRef idx="0">
+            <a:schemeClr val="accent1"/>
+          </a:effectRef>
+          <a:fontRef idx="minor">
+            <a:schemeClr val="tx1"/>
+          </a:fontRef>
+        </p:style>
+      </p:cxnSp>
+      <p:sp>
+        <p:nvSpPr>
+          <p:cNvPr id="9" name="Forme libre 7">
+            <a:extLst>
+              <a:ext uri="{FF2B5EF4-FFF2-40B4-BE49-F238E27FC236}">
+                <a16:creationId xmlns:a16="http://schemas.microsoft.com/office/drawing/2014/main" id="{B7239782-A4BE-4765-A14F-4DB7CCF42B0E}"/>
+              </a:ext>
+            </a:extLst>
+          </p:cNvPr>
+          <p:cNvSpPr/>
+          <p:nvPr/>
+        </p:nvSpPr>
+        <p:spPr>
+          <a:xfrm>
+            <a:off x="3141551" y="2288848"/>
+            <a:ext cx="1421395" cy="193812"/>
+          </a:xfrm>
+          <a:custGeom>
+            <a:avLst/>
+            <a:gdLst>
+              <a:gd name="connsiteX0" fmla="*/ 0 w 1435502"/>
+              <a:gd name="connsiteY0" fmla="*/ 0 h 213325"/>
+              <a:gd name="connsiteX1" fmla="*/ 289711 w 1435502"/>
+              <a:gd name="connsiteY1" fmla="*/ 190123 h 213325"/>
+              <a:gd name="connsiteX2" fmla="*/ 1276539 w 1435502"/>
+              <a:gd name="connsiteY2" fmla="*/ 190123 h 213325"/>
+              <a:gd name="connsiteX3" fmla="*/ 1421395 w 1435502"/>
+              <a:gd name="connsiteY3" fmla="*/ 9053 h 213325"/>
+              <a:gd name="connsiteX0" fmla="*/ 0 w 1421395"/>
+              <a:gd name="connsiteY0" fmla="*/ 0 h 190134"/>
+              <a:gd name="connsiteX1" fmla="*/ 289711 w 1421395"/>
+              <a:gd name="connsiteY1" fmla="*/ 190123 h 190134"/>
+              <a:gd name="connsiteX2" fmla="*/ 1421395 w 1421395"/>
+              <a:gd name="connsiteY2" fmla="*/ 9053 h 190134"/>
+              <a:gd name="connsiteX0" fmla="*/ 0 w 1421395"/>
+              <a:gd name="connsiteY0" fmla="*/ 0 h 9053"/>
+              <a:gd name="connsiteX1" fmla="*/ 1421395 w 1421395"/>
+              <a:gd name="connsiteY1" fmla="*/ 9053 h 9053"/>
+              <a:gd name="connsiteX0" fmla="*/ 0 w 10000"/>
+              <a:gd name="connsiteY0" fmla="*/ 0 h 221139"/>
+              <a:gd name="connsiteX1" fmla="*/ 10000 w 10000"/>
+              <a:gd name="connsiteY1" fmla="*/ 10000 h 221139"/>
+              <a:gd name="connsiteX0" fmla="*/ 0 w 10000"/>
+              <a:gd name="connsiteY0" fmla="*/ 0 h 339383"/>
+              <a:gd name="connsiteX1" fmla="*/ 10000 w 10000"/>
+              <a:gd name="connsiteY1" fmla="*/ 10000 h 339383"/>
+              <a:gd name="connsiteX0" fmla="*/ 0 w 10000"/>
+              <a:gd name="connsiteY0" fmla="*/ 0 h 282505"/>
+              <a:gd name="connsiteX1" fmla="*/ 10000 w 10000"/>
+              <a:gd name="connsiteY1" fmla="*/ 10000 h 282505"/>
+              <a:gd name="connsiteX0" fmla="*/ 0 w 10000"/>
+              <a:gd name="connsiteY0" fmla="*/ 0 h 295242"/>
+              <a:gd name="connsiteX1" fmla="*/ 10000 w 10000"/>
+              <a:gd name="connsiteY1" fmla="*/ 10000 h 295242"/>
+              <a:gd name="connsiteX0" fmla="*/ 0 w 10000"/>
+              <a:gd name="connsiteY0" fmla="*/ 0 h 376767"/>
+              <a:gd name="connsiteX1" fmla="*/ 4968 w 10000"/>
+              <a:gd name="connsiteY1" fmla="*/ 290015 h 376767"/>
+              <a:gd name="connsiteX2" fmla="*/ 10000 w 10000"/>
+              <a:gd name="connsiteY2" fmla="*/ 10000 h 376767"/>
+              <a:gd name="connsiteX0" fmla="*/ 0 w 10000"/>
+              <a:gd name="connsiteY0" fmla="*/ 0 h 319857"/>
+              <a:gd name="connsiteX1" fmla="*/ 4968 w 10000"/>
+              <a:gd name="connsiteY1" fmla="*/ 290015 h 319857"/>
+              <a:gd name="connsiteX2" fmla="*/ 10000 w 10000"/>
+              <a:gd name="connsiteY2" fmla="*/ 10000 h 319857"/>
+              <a:gd name="connsiteX0" fmla="*/ 0 w 10000"/>
+              <a:gd name="connsiteY0" fmla="*/ 0 h 290056"/>
+              <a:gd name="connsiteX1" fmla="*/ 4968 w 10000"/>
+              <a:gd name="connsiteY1" fmla="*/ 290015 h 290056"/>
+              <a:gd name="connsiteX2" fmla="*/ 10000 w 10000"/>
+              <a:gd name="connsiteY2" fmla="*/ 10000 h 290056"/>
+              <a:gd name="connsiteX0" fmla="*/ 0 w 10000"/>
+              <a:gd name="connsiteY0" fmla="*/ 0 h 164894"/>
+              <a:gd name="connsiteX1" fmla="*/ 5159 w 10000"/>
+              <a:gd name="connsiteY1" fmla="*/ 150007 h 164894"/>
+              <a:gd name="connsiteX2" fmla="*/ 10000 w 10000"/>
+              <a:gd name="connsiteY2" fmla="*/ 10000 h 164894"/>
+              <a:gd name="connsiteX0" fmla="*/ 0 w 10000"/>
+              <a:gd name="connsiteY0" fmla="*/ 0 h 183850"/>
+              <a:gd name="connsiteX1" fmla="*/ 5159 w 10000"/>
+              <a:gd name="connsiteY1" fmla="*/ 150007 h 183850"/>
+              <a:gd name="connsiteX2" fmla="*/ 10000 w 10000"/>
+              <a:gd name="connsiteY2" fmla="*/ 10000 h 183850"/>
+              <a:gd name="connsiteX0" fmla="*/ 0 w 10000"/>
+              <a:gd name="connsiteY0" fmla="*/ 0 h 214086"/>
+              <a:gd name="connsiteX1" fmla="*/ 5159 w 10000"/>
+              <a:gd name="connsiteY1" fmla="*/ 150007 h 214086"/>
+              <a:gd name="connsiteX2" fmla="*/ 10000 w 10000"/>
+              <a:gd name="connsiteY2" fmla="*/ 10000 h 214086"/>
+            </a:gdLst>
+            <a:ahLst/>
+            <a:cxnLst>
+              <a:cxn ang="0">
+                <a:pos x="connsiteX0" y="connsiteY0"/>
+              </a:cxn>
+              <a:cxn ang="0">
+                <a:pos x="connsiteX1" y="connsiteY1"/>
+              </a:cxn>
+              <a:cxn ang="0">
+                <a:pos x="connsiteX2" y="connsiteY2"/>
+              </a:cxn>
+            </a:cxnLst>
+            <a:rect l="l" t="t" r="r" b="b"/>
+            <a:pathLst>
+              <a:path w="10000" h="214086">
+                <a:moveTo>
+                  <a:pt x="0" y="0"/>
+                </a:moveTo>
+                <a:cubicBezTo>
+                  <a:pt x="0" y="286683"/>
+                  <a:pt x="3057" y="153340"/>
+                  <a:pt x="5159" y="150007"/>
+                </a:cubicBezTo>
+                <a:cubicBezTo>
+                  <a:pt x="7261" y="146674"/>
+                  <a:pt x="10043" y="366688"/>
+                  <a:pt x="10000" y="10000"/>
+                </a:cubicBezTo>
+              </a:path>
+            </a:pathLst>
+          </a:custGeom>
+          <a:solidFill>
+            <a:schemeClr val="accent5">
+              <a:lumMod val="20000"/>
+              <a:lumOff val="80000"/>
+            </a:schemeClr>
+          </a:solidFill>
+          <a:ln w="12700">
+            <a:solidFill>
+              <a:schemeClr val="accent5">
+                <a:lumMod val="50000"/>
+              </a:schemeClr>
+            </a:solidFill>
+          </a:ln>
+        </p:spPr>
+        <p:style>
           <a:lnRef idx="2">
             <a:schemeClr val="accent1">
               <a:shade val="50000"/>
@@ -4308,40 +4458,38 @@
           </a:fontRef>
         </p:style>
         <p:txBody>
-          <a:bodyPr lIns="0" tIns="0" rIns="0" bIns="0" rtlCol="0" anchor="ctr"/>
+          <a:bodyPr rtlCol="0" anchor="ctr"/>
           <a:lstStyle/>
           <a:p>
             <a:pPr algn="ctr"/>
-            <a:r>
-              <a:rPr lang="fr-FR" b="1" dirty="0" smtClean="0">
+            <a:endParaRPr lang="fr-FR">
+              <a:ln>
                 <a:solidFill>
-                  <a:schemeClr val="accent6">
+                  <a:schemeClr val="accent5">
                     <a:lumMod val="50000"/>
                   </a:schemeClr>
                 </a:solidFill>
-              </a:rPr>
-              <a:t>2</a:t>
-            </a:r>
-            <a:endParaRPr lang="fr-FR" b="1" dirty="0">
-              <a:solidFill>
-                <a:schemeClr val="accent6">
-                  <a:lumMod val="50000"/>
-                </a:schemeClr>
-              </a:solidFill>
+              </a:ln>
             </a:endParaRPr>
           </a:p>
         </p:txBody>
       </p:sp>
       <p:sp>
         <p:nvSpPr>
-          <p:cNvPr id="10" name="Ellipse 9"/>
+          <p:cNvPr id="10" name="Ellipse 9">
+            <a:extLst>
+              <a:ext uri="{FF2B5EF4-FFF2-40B4-BE49-F238E27FC236}">
+                <a16:creationId xmlns:a16="http://schemas.microsoft.com/office/drawing/2014/main" id="{A97DC216-E14F-4F1D-8298-7D1827C109CF}"/>
+              </a:ext>
+            </a:extLst>
+          </p:cNvPr>
           <p:cNvSpPr/>
           <p:nvPr/>
         </p:nvSpPr>
         <p:spPr>
           <a:xfrm>
-            <a:off x="5580112" y="3635822"/>
-            <a:ext cx="432048" cy="432048"/>
+            <a:off x="3707920" y="2496695"/>
+            <a:ext cx="288000" cy="288000"/>
           </a:xfrm>
           <a:prstGeom prst="ellipse">
             <a:avLst/>
@@ -4382,7 +4530,7 @@
           <a:p>
             <a:pPr algn="ctr"/>
             <a:r>
-              <a:rPr lang="fr-FR" b="1" dirty="0">
+              <a:rPr lang="fr-FR" sz="1400" b="1" dirty="0">
                 <a:solidFill>
                   <a:schemeClr val="tx2"/>
                 </a:solidFill>
@@ -4394,17 +4542,22 @@
       </p:sp>
       <p:cxnSp>
         <p:nvCxnSpPr>
-          <p:cNvPr id="15" name="Connecteur droit 14"/>
+          <p:cNvPr id="11" name="Connecteur droit 10">
+            <a:extLst>
+              <a:ext uri="{FF2B5EF4-FFF2-40B4-BE49-F238E27FC236}">
+                <a16:creationId xmlns:a16="http://schemas.microsoft.com/office/drawing/2014/main" id="{C2AE5590-8BEB-4BF2-A266-C10B1F31421F}"/>
+              </a:ext>
+            </a:extLst>
+          </p:cNvPr>
           <p:cNvCxnSpPr>
-            <a:stCxn id="16" idx="4"/>
-            <a:endCxn id="16" idx="0"/>
+            <a:cxnSpLocks/>
           </p:cNvCxnSpPr>
           <p:nvPr/>
         </p:nvCxnSpPr>
         <p:spPr>
-          <a:xfrm flipV="1">
-            <a:off x="3851920" y="3409620"/>
-            <a:ext cx="2160240" cy="724461"/>
+          <a:xfrm rot="5400000">
+            <a:off x="2771800" y="1556792"/>
+            <a:ext cx="1440160" cy="0"/>
           </a:xfrm>
           <a:prstGeom prst="line">
             <a:avLst/>
@@ -4432,28 +4585,79 @@
           </a:fontRef>
         </p:style>
       </p:cxnSp>
+      <p:cxnSp>
+        <p:nvCxnSpPr>
+          <p:cNvPr id="12" name="Connecteur droit 11">
+            <a:extLst>
+              <a:ext uri="{FF2B5EF4-FFF2-40B4-BE49-F238E27FC236}">
+                <a16:creationId xmlns:a16="http://schemas.microsoft.com/office/drawing/2014/main" id="{545C479B-1588-472A-A9C5-B3908A950B58}"/>
+              </a:ext>
+            </a:extLst>
+          </p:cNvPr>
+          <p:cNvCxnSpPr>
+            <a:cxnSpLocks/>
+            <a:stCxn id="14" idx="2"/>
+          </p:cNvCxnSpPr>
+          <p:nvPr/>
+        </p:nvCxnSpPr>
+        <p:spPr>
+          <a:xfrm>
+            <a:off x="4211960" y="1797929"/>
+            <a:ext cx="0" cy="478943"/>
+          </a:xfrm>
+          <a:prstGeom prst="line">
+            <a:avLst/>
+          </a:prstGeom>
+          <a:ln w="28575">
+            <a:solidFill>
+              <a:schemeClr val="accent5">
+                <a:lumMod val="50000"/>
+              </a:schemeClr>
+            </a:solidFill>
+          </a:ln>
+        </p:spPr>
+        <p:style>
+          <a:lnRef idx="1">
+            <a:schemeClr val="accent1"/>
+          </a:lnRef>
+          <a:fillRef idx="0">
+            <a:schemeClr val="accent1"/>
+          </a:fillRef>
+          <a:effectRef idx="0">
+            <a:schemeClr val="accent1"/>
+          </a:effectRef>
+          <a:fontRef idx="minor">
+            <a:schemeClr val="tx1"/>
+          </a:fontRef>
+        </p:style>
+      </p:cxnSp>
       <p:sp>
         <p:nvSpPr>
-          <p:cNvPr id="18" name="Arc 17"/>
+          <p:cNvPr id="13" name="Rectangle 12">
+            <a:extLst>
+              <a:ext uri="{FF2B5EF4-FFF2-40B4-BE49-F238E27FC236}">
+                <a16:creationId xmlns:a16="http://schemas.microsoft.com/office/drawing/2014/main" id="{3E300840-B5A5-4263-B9E2-CDE1AD51D72F}"/>
+              </a:ext>
+            </a:extLst>
+          </p:cNvPr>
           <p:cNvSpPr/>
           <p:nvPr/>
         </p:nvSpPr>
         <p:spPr>
           <a:xfrm>
-            <a:off x="3131840" y="3425461"/>
-            <a:ext cx="1440160" cy="1440160"/>
+            <a:off x="3383880" y="1365929"/>
+            <a:ext cx="216000" cy="432000"/>
           </a:xfrm>
-          <a:prstGeom prst="arc">
-            <a:avLst>
-              <a:gd name="adj1" fmla="val 20411115"/>
-              <a:gd name="adj2" fmla="val 0"/>
-            </a:avLst>
+          <a:prstGeom prst="rect">
+            <a:avLst/>
           </a:prstGeom>
-          <a:ln w="12700">
+          <a:noFill/>
+          <a:ln w="28575">
             <a:solidFill>
-              <a:schemeClr val="tx1"/>
+              <a:schemeClr val="accent6">
+                <a:lumMod val="75000"/>
+              </a:schemeClr>
             </a:solidFill>
-            <a:headEnd type="stealth" w="sm" len="med"/>
           </a:ln>
         </p:spPr>
         <p:style>
@@ -4475,22 +4679,2520 @@
           <a:lstStyle/>
           <a:p>
             <a:pPr algn="ctr"/>
-            <a:endParaRPr lang="fr-FR"/>
+            <a:endParaRPr lang="fr-FR">
+              <a:solidFill>
+                <a:schemeClr val="tx1"/>
+              </a:solidFill>
+            </a:endParaRPr>
           </a:p>
         </p:txBody>
       </p:sp>
+      <p:sp>
+        <p:nvSpPr>
+          <p:cNvPr id="14" name="Rectangle 13">
+            <a:extLst>
+              <a:ext uri="{FF2B5EF4-FFF2-40B4-BE49-F238E27FC236}">
+                <a16:creationId xmlns:a16="http://schemas.microsoft.com/office/drawing/2014/main" id="{12FE17C3-4C93-4B9C-9266-9F903CC5D632}"/>
+              </a:ext>
+            </a:extLst>
+          </p:cNvPr>
+          <p:cNvSpPr/>
+          <p:nvPr/>
+        </p:nvSpPr>
+        <p:spPr>
+          <a:xfrm>
+            <a:off x="4103960" y="1365929"/>
+            <a:ext cx="216000" cy="432000"/>
+          </a:xfrm>
+          <a:prstGeom prst="rect">
+            <a:avLst/>
+          </a:prstGeom>
+          <a:solidFill>
+            <a:schemeClr val="bg1"/>
+          </a:solidFill>
+          <a:ln w="28575">
+            <a:solidFill>
+              <a:schemeClr val="accent6">
+                <a:lumMod val="75000"/>
+              </a:schemeClr>
+            </a:solidFill>
+          </a:ln>
+        </p:spPr>
+        <p:style>
+          <a:lnRef idx="1">
+            <a:schemeClr val="accent1"/>
+          </a:lnRef>
+          <a:fillRef idx="0">
+            <a:schemeClr val="accent1"/>
+          </a:fillRef>
+          <a:effectRef idx="0">
+            <a:schemeClr val="accent1"/>
+          </a:effectRef>
+          <a:fontRef idx="minor">
+            <a:schemeClr val="tx1"/>
+          </a:fontRef>
+        </p:style>
+        <p:txBody>
+          <a:bodyPr rtlCol="0" anchor="ctr"/>
+          <a:lstStyle/>
+          <a:p>
+            <a:pPr algn="ctr"/>
+            <a:endParaRPr lang="fr-FR">
+              <a:solidFill>
+                <a:schemeClr val="tx1"/>
+              </a:solidFill>
+            </a:endParaRPr>
+          </a:p>
+        </p:txBody>
+      </p:sp>
+      <p:cxnSp>
+        <p:nvCxnSpPr>
+          <p:cNvPr id="16" name="Connecteur droit 15">
+            <a:extLst>
+              <a:ext uri="{FF2B5EF4-FFF2-40B4-BE49-F238E27FC236}">
+                <a16:creationId xmlns:a16="http://schemas.microsoft.com/office/drawing/2014/main" id="{1D208CD6-45FE-429B-8EEE-3F1DF39B920D}"/>
+              </a:ext>
+            </a:extLst>
+          </p:cNvPr>
+          <p:cNvCxnSpPr>
+            <a:cxnSpLocks/>
+          </p:cNvCxnSpPr>
+          <p:nvPr/>
+        </p:nvCxnSpPr>
+        <p:spPr>
+          <a:xfrm>
+            <a:off x="4211960" y="886986"/>
+            <a:ext cx="0" cy="478943"/>
+          </a:xfrm>
+          <a:prstGeom prst="line">
+            <a:avLst/>
+          </a:prstGeom>
+          <a:ln w="28575">
+            <a:solidFill>
+              <a:schemeClr val="accent5">
+                <a:lumMod val="50000"/>
+              </a:schemeClr>
+            </a:solidFill>
+          </a:ln>
+        </p:spPr>
+        <p:style>
+          <a:lnRef idx="1">
+            <a:schemeClr val="accent1"/>
+          </a:lnRef>
+          <a:fillRef idx="0">
+            <a:schemeClr val="accent1"/>
+          </a:fillRef>
+          <a:effectRef idx="0">
+            <a:schemeClr val="accent1"/>
+          </a:effectRef>
+          <a:fontRef idx="minor">
+            <a:schemeClr val="tx1"/>
+          </a:fontRef>
+        </p:style>
+      </p:cxnSp>
+      <p:grpSp>
+        <p:nvGrpSpPr>
+          <p:cNvPr id="21" name="Groupe 20">
+            <a:extLst>
+              <a:ext uri="{FF2B5EF4-FFF2-40B4-BE49-F238E27FC236}">
+                <a16:creationId xmlns:a16="http://schemas.microsoft.com/office/drawing/2014/main" id="{0C0A66D0-C5C8-4164-A0AC-1850620F31C8}"/>
+              </a:ext>
+            </a:extLst>
+          </p:cNvPr>
+          <p:cNvGrpSpPr/>
+          <p:nvPr/>
+        </p:nvGrpSpPr>
+        <p:grpSpPr>
+          <a:xfrm rot="16200000">
+            <a:off x="3995959" y="1532563"/>
+            <a:ext cx="432000" cy="99941"/>
+            <a:chOff x="5562680" y="1813602"/>
+            <a:chExt cx="2127814" cy="563211"/>
+          </a:xfrm>
+        </p:grpSpPr>
+        <p:sp>
+          <p:nvSpPr>
+            <p:cNvPr id="17" name="Arc 16">
+              <a:extLst>
+                <a:ext uri="{FF2B5EF4-FFF2-40B4-BE49-F238E27FC236}">
+                  <a16:creationId xmlns:a16="http://schemas.microsoft.com/office/drawing/2014/main" id="{0A71756F-2F09-490B-9777-68E770AEFFAF}"/>
+                </a:ext>
+              </a:extLst>
+            </p:cNvPr>
+            <p:cNvSpPr/>
+            <p:nvPr/>
+          </p:nvSpPr>
+          <p:spPr>
+            <a:xfrm>
+              <a:off x="5562680" y="1841535"/>
+              <a:ext cx="535278" cy="535278"/>
+            </a:xfrm>
+            <a:prstGeom prst="arc">
+              <a:avLst>
+                <a:gd name="adj1" fmla="val 10832709"/>
+                <a:gd name="adj2" fmla="val 0"/>
+              </a:avLst>
+            </a:prstGeom>
+            <a:ln w="28575">
+              <a:solidFill>
+                <a:schemeClr val="accent5">
+                  <a:lumMod val="50000"/>
+                </a:schemeClr>
+              </a:solidFill>
+            </a:ln>
+          </p:spPr>
+          <p:style>
+            <a:lnRef idx="1">
+              <a:schemeClr val="accent1"/>
+            </a:lnRef>
+            <a:fillRef idx="0">
+              <a:schemeClr val="accent1"/>
+            </a:fillRef>
+            <a:effectRef idx="0">
+              <a:schemeClr val="accent1"/>
+            </a:effectRef>
+            <a:fontRef idx="minor">
+              <a:schemeClr val="tx1"/>
+            </a:fontRef>
+          </p:style>
+          <p:txBody>
+            <a:bodyPr rtlCol="0" anchor="ctr"/>
+            <a:lstStyle/>
+            <a:p>
+              <a:pPr algn="ctr"/>
+              <a:endParaRPr lang="fr-FR"/>
+            </a:p>
+          </p:txBody>
+        </p:sp>
+        <p:sp>
+          <p:nvSpPr>
+            <p:cNvPr id="18" name="Arc 17">
+              <a:extLst>
+                <a:ext uri="{FF2B5EF4-FFF2-40B4-BE49-F238E27FC236}">
+                  <a16:creationId xmlns:a16="http://schemas.microsoft.com/office/drawing/2014/main" id="{F1B9D97D-7DDE-4C97-A4FD-B368D6DFDE2D}"/>
+                </a:ext>
+              </a:extLst>
+            </p:cNvPr>
+            <p:cNvSpPr/>
+            <p:nvPr/>
+          </p:nvSpPr>
+          <p:spPr>
+            <a:xfrm rot="10800000">
+              <a:off x="6093525" y="1813602"/>
+              <a:ext cx="535278" cy="535278"/>
+            </a:xfrm>
+            <a:prstGeom prst="arc">
+              <a:avLst>
+                <a:gd name="adj1" fmla="val 10832709"/>
+                <a:gd name="adj2" fmla="val 0"/>
+              </a:avLst>
+            </a:prstGeom>
+            <a:ln w="28575">
+              <a:solidFill>
+                <a:schemeClr val="accent5">
+                  <a:lumMod val="50000"/>
+                </a:schemeClr>
+              </a:solidFill>
+            </a:ln>
+          </p:spPr>
+          <p:style>
+            <a:lnRef idx="1">
+              <a:schemeClr val="accent1"/>
+            </a:lnRef>
+            <a:fillRef idx="0">
+              <a:schemeClr val="accent1"/>
+            </a:fillRef>
+            <a:effectRef idx="0">
+              <a:schemeClr val="accent1"/>
+            </a:effectRef>
+            <a:fontRef idx="minor">
+              <a:schemeClr val="tx1"/>
+            </a:fontRef>
+          </p:style>
+          <p:txBody>
+            <a:bodyPr rtlCol="0" anchor="ctr"/>
+            <a:lstStyle/>
+            <a:p>
+              <a:pPr algn="ctr"/>
+              <a:endParaRPr lang="fr-FR"/>
+            </a:p>
+          </p:txBody>
+        </p:sp>
+        <p:sp>
+          <p:nvSpPr>
+            <p:cNvPr id="19" name="Arc 18">
+              <a:extLst>
+                <a:ext uri="{FF2B5EF4-FFF2-40B4-BE49-F238E27FC236}">
+                  <a16:creationId xmlns:a16="http://schemas.microsoft.com/office/drawing/2014/main" id="{FF222049-21B7-4BBA-B1AA-AC93572A823F}"/>
+                </a:ext>
+              </a:extLst>
+            </p:cNvPr>
+            <p:cNvSpPr/>
+            <p:nvPr/>
+          </p:nvSpPr>
+          <p:spPr>
+            <a:xfrm>
+              <a:off x="6624370" y="1841535"/>
+              <a:ext cx="535278" cy="535278"/>
+            </a:xfrm>
+            <a:prstGeom prst="arc">
+              <a:avLst>
+                <a:gd name="adj1" fmla="val 10832709"/>
+                <a:gd name="adj2" fmla="val 0"/>
+              </a:avLst>
+            </a:prstGeom>
+            <a:ln w="28575">
+              <a:solidFill>
+                <a:schemeClr val="accent5">
+                  <a:lumMod val="50000"/>
+                </a:schemeClr>
+              </a:solidFill>
+            </a:ln>
+          </p:spPr>
+          <p:style>
+            <a:lnRef idx="1">
+              <a:schemeClr val="accent1"/>
+            </a:lnRef>
+            <a:fillRef idx="0">
+              <a:schemeClr val="accent1"/>
+            </a:fillRef>
+            <a:effectRef idx="0">
+              <a:schemeClr val="accent1"/>
+            </a:effectRef>
+            <a:fontRef idx="minor">
+              <a:schemeClr val="tx1"/>
+            </a:fontRef>
+          </p:style>
+          <p:txBody>
+            <a:bodyPr rtlCol="0" anchor="ctr"/>
+            <a:lstStyle/>
+            <a:p>
+              <a:pPr algn="ctr"/>
+              <a:endParaRPr lang="fr-FR"/>
+            </a:p>
+          </p:txBody>
+        </p:sp>
+        <p:sp>
+          <p:nvSpPr>
+            <p:cNvPr id="20" name="Arc 19">
+              <a:extLst>
+                <a:ext uri="{FF2B5EF4-FFF2-40B4-BE49-F238E27FC236}">
+                  <a16:creationId xmlns:a16="http://schemas.microsoft.com/office/drawing/2014/main" id="{C33140CF-1AB2-462E-9F0B-E2B1D5380080}"/>
+                </a:ext>
+              </a:extLst>
+            </p:cNvPr>
+            <p:cNvSpPr/>
+            <p:nvPr/>
+          </p:nvSpPr>
+          <p:spPr>
+            <a:xfrm rot="10800000">
+              <a:off x="7155216" y="1813602"/>
+              <a:ext cx="535278" cy="535278"/>
+            </a:xfrm>
+            <a:prstGeom prst="arc">
+              <a:avLst>
+                <a:gd name="adj1" fmla="val 10832709"/>
+                <a:gd name="adj2" fmla="val 0"/>
+              </a:avLst>
+            </a:prstGeom>
+            <a:ln w="28575">
+              <a:solidFill>
+                <a:schemeClr val="accent5">
+                  <a:lumMod val="50000"/>
+                </a:schemeClr>
+              </a:solidFill>
+            </a:ln>
+          </p:spPr>
+          <p:style>
+            <a:lnRef idx="1">
+              <a:schemeClr val="accent1"/>
+            </a:lnRef>
+            <a:fillRef idx="0">
+              <a:schemeClr val="accent1"/>
+            </a:fillRef>
+            <a:effectRef idx="0">
+              <a:schemeClr val="accent1"/>
+            </a:effectRef>
+            <a:fontRef idx="minor">
+              <a:schemeClr val="tx1"/>
+            </a:fontRef>
+          </p:style>
+          <p:txBody>
+            <a:bodyPr rtlCol="0" anchor="ctr"/>
+            <a:lstStyle/>
+            <a:p>
+              <a:pPr algn="ctr"/>
+              <a:endParaRPr lang="fr-FR"/>
+            </a:p>
+          </p:txBody>
+        </p:sp>
+      </p:grpSp>
+      <p:cxnSp>
+        <p:nvCxnSpPr>
+          <p:cNvPr id="23" name="Connecteur droit 22">
+            <a:extLst>
+              <a:ext uri="{FF2B5EF4-FFF2-40B4-BE49-F238E27FC236}">
+                <a16:creationId xmlns:a16="http://schemas.microsoft.com/office/drawing/2014/main" id="{6CD374C0-39E2-4F40-837A-70724EAAA9FB}"/>
+              </a:ext>
+            </a:extLst>
+          </p:cNvPr>
+          <p:cNvCxnSpPr>
+            <a:stCxn id="13" idx="3"/>
+            <a:endCxn id="14" idx="1"/>
+          </p:cNvCxnSpPr>
+          <p:nvPr/>
+        </p:nvCxnSpPr>
+        <p:spPr>
+          <a:xfrm>
+            <a:off x="3599880" y="1581929"/>
+            <a:ext cx="504080" cy="0"/>
+          </a:xfrm>
+          <a:prstGeom prst="line">
+            <a:avLst/>
+          </a:prstGeom>
+          <a:noFill/>
+          <a:ln w="28575">
+            <a:solidFill>
+              <a:schemeClr val="accent6">
+                <a:lumMod val="75000"/>
+              </a:schemeClr>
+            </a:solidFill>
+          </a:ln>
+        </p:spPr>
+        <p:style>
+          <a:lnRef idx="1">
+            <a:schemeClr val="accent1"/>
+          </a:lnRef>
+          <a:fillRef idx="0">
+            <a:schemeClr val="accent1"/>
+          </a:fillRef>
+          <a:effectRef idx="0">
+            <a:schemeClr val="accent1"/>
+          </a:effectRef>
+          <a:fontRef idx="minor">
+            <a:schemeClr val="tx1"/>
+          </a:fontRef>
+        </p:style>
+      </p:cxnSp>
+      <p:sp>
+        <p:nvSpPr>
+          <p:cNvPr id="24" name="Ellipse 23">
+            <a:extLst>
+              <a:ext uri="{FF2B5EF4-FFF2-40B4-BE49-F238E27FC236}">
+                <a16:creationId xmlns:a16="http://schemas.microsoft.com/office/drawing/2014/main" id="{F24E732F-58EC-4808-AD0C-410B4F0301ED}"/>
+              </a:ext>
+            </a:extLst>
+          </p:cNvPr>
+          <p:cNvSpPr/>
+          <p:nvPr/>
+        </p:nvSpPr>
+        <p:spPr>
+          <a:xfrm>
+            <a:off x="3784848" y="1146215"/>
+            <a:ext cx="288000" cy="288000"/>
+          </a:xfrm>
+          <a:prstGeom prst="ellipse">
+            <a:avLst/>
+          </a:prstGeom>
+          <a:noFill/>
+          <a:ln w="28575">
+            <a:solidFill>
+              <a:schemeClr val="accent6">
+                <a:lumMod val="75000"/>
+              </a:schemeClr>
+            </a:solidFill>
+          </a:ln>
+        </p:spPr>
+        <p:style>
+          <a:lnRef idx="2">
+            <a:schemeClr val="accent1">
+              <a:shade val="50000"/>
+            </a:schemeClr>
+          </a:lnRef>
+          <a:fillRef idx="1">
+            <a:schemeClr val="accent1"/>
+          </a:fillRef>
+          <a:effectRef idx="0">
+            <a:schemeClr val="accent1"/>
+          </a:effectRef>
+          <a:fontRef idx="minor">
+            <a:schemeClr val="lt1"/>
+          </a:fontRef>
+        </p:style>
+        <p:txBody>
+          <a:bodyPr lIns="0" tIns="0" rIns="0" bIns="0" rtlCol="0" anchor="ctr"/>
+          <a:lstStyle/>
+          <a:p>
+            <a:pPr algn="ctr"/>
+            <a:r>
+              <a:rPr lang="fr-FR" sz="1400" b="1" dirty="0">
+                <a:solidFill>
+                  <a:schemeClr val="accent6">
+                    <a:lumMod val="75000"/>
+                  </a:schemeClr>
+                </a:solidFill>
+              </a:rPr>
+              <a:t>2</a:t>
+            </a:r>
+          </a:p>
+        </p:txBody>
+      </p:sp>
+      <p:sp>
+        <p:nvSpPr>
+          <p:cNvPr id="25" name="Rectangle à coins arrondis 29">
+            <a:extLst>
+              <a:ext uri="{FF2B5EF4-FFF2-40B4-BE49-F238E27FC236}">
+                <a16:creationId xmlns:a16="http://schemas.microsoft.com/office/drawing/2014/main" id="{C78AB8D9-B327-439B-8C03-4F7B352B93EE}"/>
+              </a:ext>
+            </a:extLst>
+          </p:cNvPr>
+          <p:cNvSpPr/>
+          <p:nvPr/>
+        </p:nvSpPr>
+        <p:spPr>
+          <a:xfrm>
+            <a:off x="3221491" y="1198456"/>
+            <a:ext cx="503957" cy="766946"/>
+          </a:xfrm>
+          <a:prstGeom prst="roundRect">
+            <a:avLst/>
+          </a:prstGeom>
+          <a:noFill/>
+          <a:ln w="12700">
+            <a:solidFill>
+              <a:schemeClr val="accent6">
+                <a:lumMod val="75000"/>
+              </a:schemeClr>
+            </a:solidFill>
+            <a:prstDash val="sysDash"/>
+          </a:ln>
+        </p:spPr>
+        <p:style>
+          <a:lnRef idx="1">
+            <a:schemeClr val="accent1"/>
+          </a:lnRef>
+          <a:fillRef idx="0">
+            <a:schemeClr val="accent1"/>
+          </a:fillRef>
+          <a:effectRef idx="0">
+            <a:schemeClr val="accent1"/>
+          </a:effectRef>
+          <a:fontRef idx="minor">
+            <a:schemeClr val="tx1"/>
+          </a:fontRef>
+        </p:style>
+        <p:txBody>
+          <a:bodyPr rtlCol="0" anchor="ctr"/>
+          <a:lstStyle/>
+          <a:p>
+            <a:pPr algn="ctr"/>
+            <a:endParaRPr lang="fr-FR">
+              <a:solidFill>
+                <a:schemeClr val="tx1"/>
+              </a:solidFill>
+            </a:endParaRPr>
+          </a:p>
+        </p:txBody>
+      </p:sp>
+      <p:sp>
+        <p:nvSpPr>
+          <p:cNvPr id="26" name="Flèche : droite 25">
+            <a:extLst>
+              <a:ext uri="{FF2B5EF4-FFF2-40B4-BE49-F238E27FC236}">
+                <a16:creationId xmlns:a16="http://schemas.microsoft.com/office/drawing/2014/main" id="{C68BE4CA-6466-40AC-9241-845300953FA5}"/>
+              </a:ext>
+            </a:extLst>
+          </p:cNvPr>
+          <p:cNvSpPr/>
+          <p:nvPr/>
+        </p:nvSpPr>
+        <p:spPr>
+          <a:xfrm>
+            <a:off x="4851897" y="1369329"/>
+            <a:ext cx="432048" cy="428600"/>
+          </a:xfrm>
+          <a:prstGeom prst="rightArrow">
+            <a:avLst/>
+          </a:prstGeom>
+          <a:solidFill>
+            <a:schemeClr val="accent6">
+              <a:lumMod val="20000"/>
+              <a:lumOff val="80000"/>
+            </a:schemeClr>
+          </a:solidFill>
+          <a:ln w="28575">
+            <a:solidFill>
+              <a:schemeClr val="accent6">
+                <a:lumMod val="75000"/>
+              </a:schemeClr>
+            </a:solidFill>
+          </a:ln>
+        </p:spPr>
+        <p:style>
+          <a:lnRef idx="1">
+            <a:schemeClr val="accent1"/>
+          </a:lnRef>
+          <a:fillRef idx="0">
+            <a:schemeClr val="accent1"/>
+          </a:fillRef>
+          <a:effectRef idx="0">
+            <a:schemeClr val="accent1"/>
+          </a:effectRef>
+          <a:fontRef idx="minor">
+            <a:schemeClr val="tx1"/>
+          </a:fontRef>
+        </p:style>
+        <p:txBody>
+          <a:bodyPr rtlCol="0" anchor="ctr"/>
+          <a:lstStyle/>
+          <a:p>
+            <a:pPr algn="ctr"/>
+            <a:endParaRPr lang="fr-FR">
+              <a:solidFill>
+                <a:schemeClr val="tx1"/>
+              </a:solidFill>
+            </a:endParaRPr>
+          </a:p>
+        </p:txBody>
+      </p:sp>
+      <p:grpSp>
+        <p:nvGrpSpPr>
+          <p:cNvPr id="58" name="Groupe 57">
+            <a:extLst>
+              <a:ext uri="{FF2B5EF4-FFF2-40B4-BE49-F238E27FC236}">
+                <a16:creationId xmlns:a16="http://schemas.microsoft.com/office/drawing/2014/main" id="{147AF608-1717-42B8-8BEA-44F17C8CA927}"/>
+              </a:ext>
+            </a:extLst>
+          </p:cNvPr>
+          <p:cNvGrpSpPr/>
+          <p:nvPr/>
+        </p:nvGrpSpPr>
+        <p:grpSpPr>
+          <a:xfrm>
+            <a:off x="5868144" y="140103"/>
+            <a:ext cx="1857377" cy="1606401"/>
+            <a:chOff x="5954985" y="836712"/>
+            <a:chExt cx="1857377" cy="1606401"/>
+          </a:xfrm>
+        </p:grpSpPr>
+        <p:grpSp>
+          <p:nvGrpSpPr>
+            <p:cNvPr id="40" name="Groupe 39">
+              <a:extLst>
+                <a:ext uri="{FF2B5EF4-FFF2-40B4-BE49-F238E27FC236}">
+                  <a16:creationId xmlns:a16="http://schemas.microsoft.com/office/drawing/2014/main" id="{BBEA541A-1C35-46DA-AF90-F2E160C421D5}"/>
+                </a:ext>
+              </a:extLst>
+            </p:cNvPr>
+            <p:cNvGrpSpPr/>
+            <p:nvPr/>
+          </p:nvGrpSpPr>
+          <p:grpSpPr>
+            <a:xfrm rot="300000">
+              <a:off x="5954985" y="1365963"/>
+              <a:ext cx="1728193" cy="865821"/>
+              <a:chOff x="5283945" y="548680"/>
+              <a:chExt cx="1728193" cy="865821"/>
+            </a:xfrm>
+          </p:grpSpPr>
+          <p:grpSp>
+            <p:nvGrpSpPr>
+              <p:cNvPr id="33" name="Groupe 32">
+                <a:extLst>
+                  <a:ext uri="{FF2B5EF4-FFF2-40B4-BE49-F238E27FC236}">
+                    <a16:creationId xmlns:a16="http://schemas.microsoft.com/office/drawing/2014/main" id="{E2D2B3FD-78AE-4AE9-B74F-70CC89BB83BF}"/>
+                  </a:ext>
+                </a:extLst>
+              </p:cNvPr>
+              <p:cNvGrpSpPr/>
+              <p:nvPr/>
+            </p:nvGrpSpPr>
+            <p:grpSpPr>
+              <a:xfrm>
+                <a:off x="5283945" y="646582"/>
+                <a:ext cx="1728193" cy="696642"/>
+                <a:chOff x="6012159" y="1268760"/>
+                <a:chExt cx="1728193" cy="696642"/>
+              </a:xfrm>
+            </p:grpSpPr>
+            <p:sp>
+              <p:nvSpPr>
+                <p:cNvPr id="28" name="Rectangle 27">
+                  <a:extLst>
+                    <a:ext uri="{FF2B5EF4-FFF2-40B4-BE49-F238E27FC236}">
+                      <a16:creationId xmlns:a16="http://schemas.microsoft.com/office/drawing/2014/main" id="{5AD601B7-54A0-436A-AD0D-CFA15BFF993F}"/>
+                    </a:ext>
+                  </a:extLst>
+                </p:cNvPr>
+                <p:cNvSpPr/>
+                <p:nvPr/>
+              </p:nvSpPr>
+              <p:spPr>
+                <a:xfrm>
+                  <a:off x="6012159" y="1268760"/>
+                  <a:ext cx="720073" cy="696642"/>
+                </a:xfrm>
+                <a:prstGeom prst="rect">
+                  <a:avLst/>
+                </a:prstGeom>
+                <a:solidFill>
+                  <a:schemeClr val="accent6">
+                    <a:lumMod val="20000"/>
+                    <a:lumOff val="80000"/>
+                  </a:schemeClr>
+                </a:solidFill>
+                <a:ln w="28575">
+                  <a:solidFill>
+                    <a:schemeClr val="accent6">
+                      <a:lumMod val="75000"/>
+                    </a:schemeClr>
+                  </a:solidFill>
+                </a:ln>
+              </p:spPr>
+              <p:style>
+                <a:lnRef idx="1">
+                  <a:schemeClr val="accent1"/>
+                </a:lnRef>
+                <a:fillRef idx="0">
+                  <a:schemeClr val="accent1"/>
+                </a:fillRef>
+                <a:effectRef idx="0">
+                  <a:schemeClr val="accent1"/>
+                </a:effectRef>
+                <a:fontRef idx="minor">
+                  <a:schemeClr val="tx1"/>
+                </a:fontRef>
+              </p:style>
+              <p:txBody>
+                <a:bodyPr rot="0" spcFirstLastPara="0" vertOverflow="overflow" horzOverflow="overflow" vert="horz" wrap="square" lIns="91440" tIns="45720" rIns="91440" bIns="45720" numCol="1" spcCol="0" rtlCol="0" fromWordArt="0" anchor="ctr" anchorCtr="0" forceAA="0" compatLnSpc="1">
+                  <a:prstTxWarp prst="textNoShape">
+                    <a:avLst/>
+                  </a:prstTxWarp>
+                  <a:noAutofit/>
+                </a:bodyPr>
+                <a:lstStyle/>
+                <a:p>
+                  <a:pPr algn="ctr"/>
+                  <a:endParaRPr lang="fr-FR"/>
+                </a:p>
+              </p:txBody>
+            </p:sp>
+            <p:sp>
+              <p:nvSpPr>
+                <p:cNvPr id="29" name="Rectangle 28">
+                  <a:extLst>
+                    <a:ext uri="{FF2B5EF4-FFF2-40B4-BE49-F238E27FC236}">
+                      <a16:creationId xmlns:a16="http://schemas.microsoft.com/office/drawing/2014/main" id="{4FF47800-9EF7-44DD-9B2C-73250D45AC67}"/>
+                    </a:ext>
+                  </a:extLst>
+                </p:cNvPr>
+                <p:cNvSpPr/>
+                <p:nvPr/>
+              </p:nvSpPr>
+              <p:spPr>
+                <a:xfrm>
+                  <a:off x="6196284" y="1268760"/>
+                  <a:ext cx="356782" cy="696642"/>
+                </a:xfrm>
+                <a:prstGeom prst="rect">
+                  <a:avLst/>
+                </a:prstGeom>
+                <a:solidFill>
+                  <a:schemeClr val="bg1"/>
+                </a:solidFill>
+                <a:ln w="28575">
+                  <a:solidFill>
+                    <a:schemeClr val="accent6">
+                      <a:lumMod val="75000"/>
+                    </a:schemeClr>
+                  </a:solidFill>
+                </a:ln>
+              </p:spPr>
+              <p:style>
+                <a:lnRef idx="1">
+                  <a:schemeClr val="accent1"/>
+                </a:lnRef>
+                <a:fillRef idx="0">
+                  <a:schemeClr val="accent1"/>
+                </a:fillRef>
+                <a:effectRef idx="0">
+                  <a:schemeClr val="accent1"/>
+                </a:effectRef>
+                <a:fontRef idx="minor">
+                  <a:schemeClr val="tx1"/>
+                </a:fontRef>
+              </p:style>
+              <p:txBody>
+                <a:bodyPr rot="0" spcFirstLastPara="0" vertOverflow="overflow" horzOverflow="overflow" vert="horz" wrap="square" lIns="91440" tIns="45720" rIns="91440" bIns="45720" numCol="1" spcCol="0" rtlCol="0" fromWordArt="0" anchor="ctr" anchorCtr="0" forceAA="0" compatLnSpc="1">
+                  <a:prstTxWarp prst="textNoShape">
+                    <a:avLst/>
+                  </a:prstTxWarp>
+                  <a:noAutofit/>
+                </a:bodyPr>
+                <a:lstStyle/>
+                <a:p>
+                  <a:pPr algn="ctr"/>
+                  <a:endParaRPr lang="fr-FR"/>
+                </a:p>
+              </p:txBody>
+            </p:sp>
+            <p:sp>
+              <p:nvSpPr>
+                <p:cNvPr id="31" name="Rectangle 30">
+                  <a:extLst>
+                    <a:ext uri="{FF2B5EF4-FFF2-40B4-BE49-F238E27FC236}">
+                      <a16:creationId xmlns:a16="http://schemas.microsoft.com/office/drawing/2014/main" id="{F3A297C2-837E-4A88-8985-7CB0A827BAF4}"/>
+                    </a:ext>
+                  </a:extLst>
+                </p:cNvPr>
+                <p:cNvSpPr/>
+                <p:nvPr/>
+              </p:nvSpPr>
+              <p:spPr>
+                <a:xfrm>
+                  <a:off x="6734023" y="1507274"/>
+                  <a:ext cx="1006329" cy="182584"/>
+                </a:xfrm>
+                <a:prstGeom prst="rect">
+                  <a:avLst/>
+                </a:prstGeom>
+                <a:solidFill>
+                  <a:schemeClr val="accent6">
+                    <a:lumMod val="20000"/>
+                    <a:lumOff val="80000"/>
+                  </a:schemeClr>
+                </a:solidFill>
+                <a:ln w="28575">
+                  <a:solidFill>
+                    <a:schemeClr val="accent6">
+                      <a:lumMod val="75000"/>
+                    </a:schemeClr>
+                  </a:solidFill>
+                </a:ln>
+              </p:spPr>
+              <p:style>
+                <a:lnRef idx="1">
+                  <a:schemeClr val="accent1"/>
+                </a:lnRef>
+                <a:fillRef idx="0">
+                  <a:schemeClr val="accent1"/>
+                </a:fillRef>
+                <a:effectRef idx="0">
+                  <a:schemeClr val="accent1"/>
+                </a:effectRef>
+                <a:fontRef idx="minor">
+                  <a:schemeClr val="tx1"/>
+                </a:fontRef>
+              </p:style>
+              <p:txBody>
+                <a:bodyPr rot="0" spcFirstLastPara="0" vertOverflow="overflow" horzOverflow="overflow" vert="horz" wrap="square" lIns="91440" tIns="45720" rIns="91440" bIns="45720" numCol="1" spcCol="0" rtlCol="0" fromWordArt="0" anchor="ctr" anchorCtr="0" forceAA="0" compatLnSpc="1">
+                  <a:prstTxWarp prst="textNoShape">
+                    <a:avLst/>
+                  </a:prstTxWarp>
+                  <a:noAutofit/>
+                </a:bodyPr>
+                <a:lstStyle/>
+                <a:p>
+                  <a:pPr algn="ctr"/>
+                  <a:endParaRPr lang="fr-FR"/>
+                </a:p>
+              </p:txBody>
+            </p:sp>
+            <p:sp>
+              <p:nvSpPr>
+                <p:cNvPr id="32" name="Rectangle 31">
+                  <a:extLst>
+                    <a:ext uri="{FF2B5EF4-FFF2-40B4-BE49-F238E27FC236}">
+                      <a16:creationId xmlns:a16="http://schemas.microsoft.com/office/drawing/2014/main" id="{A8F44343-4CAB-48F5-A61E-743041261F1E}"/>
+                    </a:ext>
+                  </a:extLst>
+                </p:cNvPr>
+                <p:cNvSpPr/>
+                <p:nvPr/>
+              </p:nvSpPr>
+              <p:spPr>
+                <a:xfrm>
+                  <a:off x="6660232" y="1522762"/>
+                  <a:ext cx="315912" cy="151200"/>
+                </a:xfrm>
+                <a:prstGeom prst="rect">
+                  <a:avLst/>
+                </a:prstGeom>
+                <a:solidFill>
+                  <a:schemeClr val="accent6">
+                    <a:lumMod val="20000"/>
+                    <a:lumOff val="80000"/>
+                  </a:schemeClr>
+                </a:solidFill>
+                <a:ln w="28575">
+                  <a:noFill/>
+                </a:ln>
+              </p:spPr>
+              <p:style>
+                <a:lnRef idx="1">
+                  <a:schemeClr val="accent1"/>
+                </a:lnRef>
+                <a:fillRef idx="0">
+                  <a:schemeClr val="accent1"/>
+                </a:fillRef>
+                <a:effectRef idx="0">
+                  <a:schemeClr val="accent1"/>
+                </a:effectRef>
+                <a:fontRef idx="minor">
+                  <a:schemeClr val="tx1"/>
+                </a:fontRef>
+              </p:style>
+              <p:txBody>
+                <a:bodyPr rot="0" spcFirstLastPara="0" vertOverflow="overflow" horzOverflow="overflow" vert="horz" wrap="square" lIns="91440" tIns="45720" rIns="91440" bIns="45720" numCol="1" spcCol="0" rtlCol="0" fromWordArt="0" anchor="ctr" anchorCtr="0" forceAA="0" compatLnSpc="1">
+                  <a:prstTxWarp prst="textNoShape">
+                    <a:avLst/>
+                  </a:prstTxWarp>
+                  <a:noAutofit/>
+                </a:bodyPr>
+                <a:lstStyle/>
+                <a:p>
+                  <a:pPr algn="ctr"/>
+                  <a:endParaRPr lang="fr-FR"/>
+                </a:p>
+              </p:txBody>
+            </p:sp>
+          </p:grpSp>
+          <p:sp>
+            <p:nvSpPr>
+              <p:cNvPr id="39" name="Rectangle 38">
+                <a:extLst>
+                  <a:ext uri="{FF2B5EF4-FFF2-40B4-BE49-F238E27FC236}">
+                    <a16:creationId xmlns:a16="http://schemas.microsoft.com/office/drawing/2014/main" id="{DDD55A76-85CE-4282-81FD-D2E88FC059EC}"/>
+                  </a:ext>
+                </a:extLst>
+              </p:cNvPr>
+              <p:cNvSpPr/>
+              <p:nvPr/>
+            </p:nvSpPr>
+            <p:spPr>
+              <a:xfrm>
+                <a:off x="5483224" y="548680"/>
+                <a:ext cx="332655" cy="865821"/>
+              </a:xfrm>
+              <a:prstGeom prst="rect">
+                <a:avLst/>
+              </a:prstGeom>
+              <a:solidFill>
+                <a:schemeClr val="bg1"/>
+              </a:solidFill>
+              <a:ln>
+                <a:noFill/>
+              </a:ln>
+            </p:spPr>
+            <p:style>
+              <a:lnRef idx="2">
+                <a:schemeClr val="accent1">
+                  <a:shade val="50000"/>
+                </a:schemeClr>
+              </a:lnRef>
+              <a:fillRef idx="1">
+                <a:schemeClr val="accent1"/>
+              </a:fillRef>
+              <a:effectRef idx="0">
+                <a:schemeClr val="accent1"/>
+              </a:effectRef>
+              <a:fontRef idx="minor">
+                <a:schemeClr val="lt1"/>
+              </a:fontRef>
+            </p:style>
+            <p:txBody>
+              <a:bodyPr rtlCol="0" anchor="ctr"/>
+              <a:lstStyle/>
+              <a:p>
+                <a:pPr algn="ctr"/>
+                <a:endParaRPr lang="fr-FR" dirty="0"/>
+              </a:p>
+            </p:txBody>
+          </p:sp>
+        </p:grpSp>
+        <p:cxnSp>
+          <p:nvCxnSpPr>
+            <p:cNvPr id="34" name="Connecteur droit 33">
+              <a:extLst>
+                <a:ext uri="{FF2B5EF4-FFF2-40B4-BE49-F238E27FC236}">
+                  <a16:creationId xmlns:a16="http://schemas.microsoft.com/office/drawing/2014/main" id="{BC76AB77-E37D-4BB6-81BD-6FB435D7C6BF}"/>
+                </a:ext>
+              </a:extLst>
+            </p:cNvPr>
+            <p:cNvCxnSpPr>
+              <a:cxnSpLocks/>
+            </p:cNvCxnSpPr>
+            <p:nvPr/>
+          </p:nvCxnSpPr>
+          <p:spPr>
+            <a:xfrm>
+              <a:off x="6196284" y="1146215"/>
+              <a:ext cx="0" cy="1249560"/>
+            </a:xfrm>
+            <a:prstGeom prst="line">
+              <a:avLst/>
+            </a:prstGeom>
+            <a:ln w="28575">
+              <a:solidFill>
+                <a:schemeClr val="accent5">
+                  <a:lumMod val="50000"/>
+                </a:schemeClr>
+              </a:solidFill>
+            </a:ln>
+          </p:spPr>
+          <p:style>
+            <a:lnRef idx="1">
+              <a:schemeClr val="accent1"/>
+            </a:lnRef>
+            <a:fillRef idx="0">
+              <a:schemeClr val="accent1"/>
+            </a:fillRef>
+            <a:effectRef idx="0">
+              <a:schemeClr val="accent1"/>
+            </a:effectRef>
+            <a:fontRef idx="minor">
+              <a:schemeClr val="tx1"/>
+            </a:fontRef>
+          </p:style>
+        </p:cxnSp>
+        <p:cxnSp>
+          <p:nvCxnSpPr>
+            <p:cNvPr id="36" name="Connecteur droit 35">
+              <a:extLst>
+                <a:ext uri="{FF2B5EF4-FFF2-40B4-BE49-F238E27FC236}">
+                  <a16:creationId xmlns:a16="http://schemas.microsoft.com/office/drawing/2014/main" id="{CA374DEB-4666-4674-A62E-3B94CFC9267A}"/>
+                </a:ext>
+              </a:extLst>
+            </p:cNvPr>
+            <p:cNvCxnSpPr>
+              <a:cxnSpLocks/>
+            </p:cNvCxnSpPr>
+            <p:nvPr/>
+          </p:nvCxnSpPr>
+          <p:spPr>
+            <a:xfrm>
+              <a:off x="6444208" y="1143719"/>
+              <a:ext cx="0" cy="1249560"/>
+            </a:xfrm>
+            <a:prstGeom prst="line">
+              <a:avLst/>
+            </a:prstGeom>
+            <a:ln w="28575">
+              <a:solidFill>
+                <a:schemeClr val="accent5">
+                  <a:lumMod val="50000"/>
+                </a:schemeClr>
+              </a:solidFill>
+            </a:ln>
+          </p:spPr>
+          <p:style>
+            <a:lnRef idx="1">
+              <a:schemeClr val="accent1"/>
+            </a:lnRef>
+            <a:fillRef idx="0">
+              <a:schemeClr val="accent1"/>
+            </a:fillRef>
+            <a:effectRef idx="0">
+              <a:schemeClr val="accent1"/>
+            </a:effectRef>
+            <a:fontRef idx="minor">
+              <a:schemeClr val="tx1"/>
+            </a:fontRef>
+          </p:style>
+        </p:cxnSp>
+        <p:sp>
+          <p:nvSpPr>
+            <p:cNvPr id="37" name="Forme libre : forme 36">
+              <a:extLst>
+                <a:ext uri="{FF2B5EF4-FFF2-40B4-BE49-F238E27FC236}">
+                  <a16:creationId xmlns:a16="http://schemas.microsoft.com/office/drawing/2014/main" id="{26E6DB2B-0BA2-4691-9B47-03CD9865B5C9}"/>
+                </a:ext>
+              </a:extLst>
+            </p:cNvPr>
+            <p:cNvSpPr/>
+            <p:nvPr/>
+          </p:nvSpPr>
+          <p:spPr>
+            <a:xfrm>
+              <a:off x="6196284" y="1094004"/>
+              <a:ext cx="247924" cy="64905"/>
+            </a:xfrm>
+            <a:custGeom>
+              <a:avLst/>
+              <a:gdLst>
+                <a:gd name="connsiteX0" fmla="*/ 0 w 247311"/>
+                <a:gd name="connsiteY0" fmla="*/ 111704 h 115229"/>
+                <a:gd name="connsiteX1" fmla="*/ 85725 w 247311"/>
+                <a:gd name="connsiteY1" fmla="*/ 38679 h 115229"/>
+                <a:gd name="connsiteX2" fmla="*/ 234950 w 247311"/>
+                <a:gd name="connsiteY2" fmla="*/ 114879 h 115229"/>
+                <a:gd name="connsiteX3" fmla="*/ 228600 w 247311"/>
+                <a:gd name="connsiteY3" fmla="*/ 579 h 115229"/>
+                <a:gd name="connsiteX4" fmla="*/ 146050 w 247311"/>
+                <a:gd name="connsiteY4" fmla="*/ 67254 h 115229"/>
+                <a:gd name="connsiteX0" fmla="*/ 0 w 250064"/>
+                <a:gd name="connsiteY0" fmla="*/ 80326 h 83511"/>
+                <a:gd name="connsiteX1" fmla="*/ 85725 w 250064"/>
+                <a:gd name="connsiteY1" fmla="*/ 7301 h 83511"/>
+                <a:gd name="connsiteX2" fmla="*/ 234950 w 250064"/>
+                <a:gd name="connsiteY2" fmla="*/ 83501 h 83511"/>
+                <a:gd name="connsiteX3" fmla="*/ 234950 w 250064"/>
+                <a:gd name="connsiteY3" fmla="*/ 951 h 83511"/>
+                <a:gd name="connsiteX4" fmla="*/ 146050 w 250064"/>
+                <a:gd name="connsiteY4" fmla="*/ 35876 h 83511"/>
+                <a:gd name="connsiteX0" fmla="*/ 0 w 250064"/>
+                <a:gd name="connsiteY0" fmla="*/ 80326 h 83856"/>
+                <a:gd name="connsiteX1" fmla="*/ 85725 w 250064"/>
+                <a:gd name="connsiteY1" fmla="*/ 32701 h 83856"/>
+                <a:gd name="connsiteX2" fmla="*/ 234950 w 250064"/>
+                <a:gd name="connsiteY2" fmla="*/ 83501 h 83856"/>
+                <a:gd name="connsiteX3" fmla="*/ 234950 w 250064"/>
+                <a:gd name="connsiteY3" fmla="*/ 951 h 83856"/>
+                <a:gd name="connsiteX4" fmla="*/ 146050 w 250064"/>
+                <a:gd name="connsiteY4" fmla="*/ 35876 h 83856"/>
+                <a:gd name="connsiteX0" fmla="*/ 0 w 250064"/>
+                <a:gd name="connsiteY0" fmla="*/ 80326 h 83856"/>
+                <a:gd name="connsiteX1" fmla="*/ 85725 w 250064"/>
+                <a:gd name="connsiteY1" fmla="*/ 32701 h 83856"/>
+                <a:gd name="connsiteX2" fmla="*/ 234950 w 250064"/>
+                <a:gd name="connsiteY2" fmla="*/ 83501 h 83856"/>
+                <a:gd name="connsiteX3" fmla="*/ 234950 w 250064"/>
+                <a:gd name="connsiteY3" fmla="*/ 951 h 83856"/>
+                <a:gd name="connsiteX4" fmla="*/ 146050 w 250064"/>
+                <a:gd name="connsiteY4" fmla="*/ 35876 h 83856"/>
+                <a:gd name="connsiteX0" fmla="*/ 0 w 247312"/>
+                <a:gd name="connsiteY0" fmla="*/ 58869 h 62079"/>
+                <a:gd name="connsiteX1" fmla="*/ 85725 w 247312"/>
+                <a:gd name="connsiteY1" fmla="*/ 11244 h 62079"/>
+                <a:gd name="connsiteX2" fmla="*/ 234950 w 247312"/>
+                <a:gd name="connsiteY2" fmla="*/ 62044 h 62079"/>
+                <a:gd name="connsiteX3" fmla="*/ 228600 w 247312"/>
+                <a:gd name="connsiteY3" fmla="*/ 1719 h 62079"/>
+                <a:gd name="connsiteX4" fmla="*/ 146050 w 247312"/>
+                <a:gd name="connsiteY4" fmla="*/ 14419 h 62079"/>
+                <a:gd name="connsiteX0" fmla="*/ 0 w 247886"/>
+                <a:gd name="connsiteY0" fmla="*/ 58138 h 61348"/>
+                <a:gd name="connsiteX1" fmla="*/ 85725 w 247886"/>
+                <a:gd name="connsiteY1" fmla="*/ 10513 h 61348"/>
+                <a:gd name="connsiteX2" fmla="*/ 234950 w 247886"/>
+                <a:gd name="connsiteY2" fmla="*/ 61313 h 61348"/>
+                <a:gd name="connsiteX3" fmla="*/ 228600 w 247886"/>
+                <a:gd name="connsiteY3" fmla="*/ 988 h 61348"/>
+                <a:gd name="connsiteX4" fmla="*/ 133350 w 247886"/>
+                <a:gd name="connsiteY4" fmla="*/ 21626 h 61348"/>
+                <a:gd name="connsiteX0" fmla="*/ 0 w 247886"/>
+                <a:gd name="connsiteY0" fmla="*/ 58138 h 61348"/>
+                <a:gd name="connsiteX1" fmla="*/ 85725 w 247886"/>
+                <a:gd name="connsiteY1" fmla="*/ 10513 h 61348"/>
+                <a:gd name="connsiteX2" fmla="*/ 234950 w 247886"/>
+                <a:gd name="connsiteY2" fmla="*/ 61313 h 61348"/>
+                <a:gd name="connsiteX3" fmla="*/ 228600 w 247886"/>
+                <a:gd name="connsiteY3" fmla="*/ 988 h 61348"/>
+                <a:gd name="connsiteX4" fmla="*/ 133350 w 247886"/>
+                <a:gd name="connsiteY4" fmla="*/ 21626 h 61348"/>
+                <a:gd name="connsiteX0" fmla="*/ 0 w 253610"/>
+                <a:gd name="connsiteY0" fmla="*/ 61695 h 64905"/>
+                <a:gd name="connsiteX1" fmla="*/ 85725 w 253610"/>
+                <a:gd name="connsiteY1" fmla="*/ 14070 h 64905"/>
+                <a:gd name="connsiteX2" fmla="*/ 234950 w 253610"/>
+                <a:gd name="connsiteY2" fmla="*/ 64870 h 64905"/>
+                <a:gd name="connsiteX3" fmla="*/ 228600 w 253610"/>
+                <a:gd name="connsiteY3" fmla="*/ 4545 h 64905"/>
+                <a:gd name="connsiteX4" fmla="*/ 133350 w 253610"/>
+                <a:gd name="connsiteY4" fmla="*/ 25183 h 64905"/>
+              </a:gdLst>
+              <a:ahLst/>
+              <a:cxnLst>
+                <a:cxn ang="0">
+                  <a:pos x="connsiteX0" y="connsiteY0"/>
+                </a:cxn>
+                <a:cxn ang="0">
+                  <a:pos x="connsiteX1" y="connsiteY1"/>
+                </a:cxn>
+                <a:cxn ang="0">
+                  <a:pos x="connsiteX2" y="connsiteY2"/>
+                </a:cxn>
+                <a:cxn ang="0">
+                  <a:pos x="connsiteX3" y="connsiteY3"/>
+                </a:cxn>
+                <a:cxn ang="0">
+                  <a:pos x="connsiteX4" y="connsiteY4"/>
+                </a:cxn>
+              </a:cxnLst>
+              <a:rect l="l" t="t" r="r" b="b"/>
+              <a:pathLst>
+                <a:path w="253610" h="64905">
+                  <a:moveTo>
+                    <a:pt x="0" y="61695"/>
+                  </a:moveTo>
+                  <a:cubicBezTo>
+                    <a:pt x="23283" y="24918"/>
+                    <a:pt x="46567" y="13541"/>
+                    <a:pt x="85725" y="14070"/>
+                  </a:cubicBezTo>
+                  <a:cubicBezTo>
+                    <a:pt x="124883" y="14599"/>
+                    <a:pt x="211137" y="66458"/>
+                    <a:pt x="234950" y="64870"/>
+                  </a:cubicBezTo>
+                  <a:cubicBezTo>
+                    <a:pt x="258763" y="63282"/>
+                    <a:pt x="262995" y="22272"/>
+                    <a:pt x="228600" y="4545"/>
+                  </a:cubicBezTo>
+                  <a:cubicBezTo>
+                    <a:pt x="194205" y="-13182"/>
+                    <a:pt x="101071" y="26770"/>
+                    <a:pt x="133350" y="25183"/>
+                  </a:cubicBezTo>
+                </a:path>
+              </a:pathLst>
+            </a:custGeom>
+            <a:ln w="28575">
+              <a:solidFill>
+                <a:schemeClr val="accent5">
+                  <a:lumMod val="50000"/>
+                </a:schemeClr>
+              </a:solidFill>
+            </a:ln>
+          </p:spPr>
+          <p:style>
+            <a:lnRef idx="1">
+              <a:schemeClr val="accent1"/>
+            </a:lnRef>
+            <a:fillRef idx="0">
+              <a:schemeClr val="accent1"/>
+            </a:fillRef>
+            <a:effectRef idx="0">
+              <a:schemeClr val="accent1"/>
+            </a:effectRef>
+            <a:fontRef idx="minor">
+              <a:schemeClr val="tx1"/>
+            </a:fontRef>
+          </p:style>
+          <p:txBody>
+            <a:bodyPr rtlCol="0" anchor="ctr"/>
+            <a:lstStyle/>
+            <a:p>
+              <a:pPr algn="ctr"/>
+              <a:endParaRPr lang="fr-FR"/>
+            </a:p>
+          </p:txBody>
+        </p:sp>
+        <p:sp>
+          <p:nvSpPr>
+            <p:cNvPr id="38" name="Forme libre : forme 37">
+              <a:extLst>
+                <a:ext uri="{FF2B5EF4-FFF2-40B4-BE49-F238E27FC236}">
+                  <a16:creationId xmlns:a16="http://schemas.microsoft.com/office/drawing/2014/main" id="{BCCE8D89-0D37-4228-A235-2A2AD8108000}"/>
+                </a:ext>
+              </a:extLst>
+            </p:cNvPr>
+            <p:cNvSpPr/>
+            <p:nvPr/>
+          </p:nvSpPr>
+          <p:spPr>
+            <a:xfrm flipV="1">
+              <a:off x="6197871" y="2378208"/>
+              <a:ext cx="247924" cy="64905"/>
+            </a:xfrm>
+            <a:custGeom>
+              <a:avLst/>
+              <a:gdLst>
+                <a:gd name="connsiteX0" fmla="*/ 0 w 247311"/>
+                <a:gd name="connsiteY0" fmla="*/ 111704 h 115229"/>
+                <a:gd name="connsiteX1" fmla="*/ 85725 w 247311"/>
+                <a:gd name="connsiteY1" fmla="*/ 38679 h 115229"/>
+                <a:gd name="connsiteX2" fmla="*/ 234950 w 247311"/>
+                <a:gd name="connsiteY2" fmla="*/ 114879 h 115229"/>
+                <a:gd name="connsiteX3" fmla="*/ 228600 w 247311"/>
+                <a:gd name="connsiteY3" fmla="*/ 579 h 115229"/>
+                <a:gd name="connsiteX4" fmla="*/ 146050 w 247311"/>
+                <a:gd name="connsiteY4" fmla="*/ 67254 h 115229"/>
+                <a:gd name="connsiteX0" fmla="*/ 0 w 250064"/>
+                <a:gd name="connsiteY0" fmla="*/ 80326 h 83511"/>
+                <a:gd name="connsiteX1" fmla="*/ 85725 w 250064"/>
+                <a:gd name="connsiteY1" fmla="*/ 7301 h 83511"/>
+                <a:gd name="connsiteX2" fmla="*/ 234950 w 250064"/>
+                <a:gd name="connsiteY2" fmla="*/ 83501 h 83511"/>
+                <a:gd name="connsiteX3" fmla="*/ 234950 w 250064"/>
+                <a:gd name="connsiteY3" fmla="*/ 951 h 83511"/>
+                <a:gd name="connsiteX4" fmla="*/ 146050 w 250064"/>
+                <a:gd name="connsiteY4" fmla="*/ 35876 h 83511"/>
+                <a:gd name="connsiteX0" fmla="*/ 0 w 250064"/>
+                <a:gd name="connsiteY0" fmla="*/ 80326 h 83856"/>
+                <a:gd name="connsiteX1" fmla="*/ 85725 w 250064"/>
+                <a:gd name="connsiteY1" fmla="*/ 32701 h 83856"/>
+                <a:gd name="connsiteX2" fmla="*/ 234950 w 250064"/>
+                <a:gd name="connsiteY2" fmla="*/ 83501 h 83856"/>
+                <a:gd name="connsiteX3" fmla="*/ 234950 w 250064"/>
+                <a:gd name="connsiteY3" fmla="*/ 951 h 83856"/>
+                <a:gd name="connsiteX4" fmla="*/ 146050 w 250064"/>
+                <a:gd name="connsiteY4" fmla="*/ 35876 h 83856"/>
+                <a:gd name="connsiteX0" fmla="*/ 0 w 250064"/>
+                <a:gd name="connsiteY0" fmla="*/ 80326 h 83856"/>
+                <a:gd name="connsiteX1" fmla="*/ 85725 w 250064"/>
+                <a:gd name="connsiteY1" fmla="*/ 32701 h 83856"/>
+                <a:gd name="connsiteX2" fmla="*/ 234950 w 250064"/>
+                <a:gd name="connsiteY2" fmla="*/ 83501 h 83856"/>
+                <a:gd name="connsiteX3" fmla="*/ 234950 w 250064"/>
+                <a:gd name="connsiteY3" fmla="*/ 951 h 83856"/>
+                <a:gd name="connsiteX4" fmla="*/ 146050 w 250064"/>
+                <a:gd name="connsiteY4" fmla="*/ 35876 h 83856"/>
+                <a:gd name="connsiteX0" fmla="*/ 0 w 247312"/>
+                <a:gd name="connsiteY0" fmla="*/ 58869 h 62079"/>
+                <a:gd name="connsiteX1" fmla="*/ 85725 w 247312"/>
+                <a:gd name="connsiteY1" fmla="*/ 11244 h 62079"/>
+                <a:gd name="connsiteX2" fmla="*/ 234950 w 247312"/>
+                <a:gd name="connsiteY2" fmla="*/ 62044 h 62079"/>
+                <a:gd name="connsiteX3" fmla="*/ 228600 w 247312"/>
+                <a:gd name="connsiteY3" fmla="*/ 1719 h 62079"/>
+                <a:gd name="connsiteX4" fmla="*/ 146050 w 247312"/>
+                <a:gd name="connsiteY4" fmla="*/ 14419 h 62079"/>
+                <a:gd name="connsiteX0" fmla="*/ 0 w 247886"/>
+                <a:gd name="connsiteY0" fmla="*/ 58138 h 61348"/>
+                <a:gd name="connsiteX1" fmla="*/ 85725 w 247886"/>
+                <a:gd name="connsiteY1" fmla="*/ 10513 h 61348"/>
+                <a:gd name="connsiteX2" fmla="*/ 234950 w 247886"/>
+                <a:gd name="connsiteY2" fmla="*/ 61313 h 61348"/>
+                <a:gd name="connsiteX3" fmla="*/ 228600 w 247886"/>
+                <a:gd name="connsiteY3" fmla="*/ 988 h 61348"/>
+                <a:gd name="connsiteX4" fmla="*/ 133350 w 247886"/>
+                <a:gd name="connsiteY4" fmla="*/ 21626 h 61348"/>
+                <a:gd name="connsiteX0" fmla="*/ 0 w 247886"/>
+                <a:gd name="connsiteY0" fmla="*/ 58138 h 61348"/>
+                <a:gd name="connsiteX1" fmla="*/ 85725 w 247886"/>
+                <a:gd name="connsiteY1" fmla="*/ 10513 h 61348"/>
+                <a:gd name="connsiteX2" fmla="*/ 234950 w 247886"/>
+                <a:gd name="connsiteY2" fmla="*/ 61313 h 61348"/>
+                <a:gd name="connsiteX3" fmla="*/ 228600 w 247886"/>
+                <a:gd name="connsiteY3" fmla="*/ 988 h 61348"/>
+                <a:gd name="connsiteX4" fmla="*/ 133350 w 247886"/>
+                <a:gd name="connsiteY4" fmla="*/ 21626 h 61348"/>
+                <a:gd name="connsiteX0" fmla="*/ 0 w 253610"/>
+                <a:gd name="connsiteY0" fmla="*/ 61695 h 64905"/>
+                <a:gd name="connsiteX1" fmla="*/ 85725 w 253610"/>
+                <a:gd name="connsiteY1" fmla="*/ 14070 h 64905"/>
+                <a:gd name="connsiteX2" fmla="*/ 234950 w 253610"/>
+                <a:gd name="connsiteY2" fmla="*/ 64870 h 64905"/>
+                <a:gd name="connsiteX3" fmla="*/ 228600 w 253610"/>
+                <a:gd name="connsiteY3" fmla="*/ 4545 h 64905"/>
+                <a:gd name="connsiteX4" fmla="*/ 133350 w 253610"/>
+                <a:gd name="connsiteY4" fmla="*/ 25183 h 64905"/>
+              </a:gdLst>
+              <a:ahLst/>
+              <a:cxnLst>
+                <a:cxn ang="0">
+                  <a:pos x="connsiteX0" y="connsiteY0"/>
+                </a:cxn>
+                <a:cxn ang="0">
+                  <a:pos x="connsiteX1" y="connsiteY1"/>
+                </a:cxn>
+                <a:cxn ang="0">
+                  <a:pos x="connsiteX2" y="connsiteY2"/>
+                </a:cxn>
+                <a:cxn ang="0">
+                  <a:pos x="connsiteX3" y="connsiteY3"/>
+                </a:cxn>
+                <a:cxn ang="0">
+                  <a:pos x="connsiteX4" y="connsiteY4"/>
+                </a:cxn>
+              </a:cxnLst>
+              <a:rect l="l" t="t" r="r" b="b"/>
+              <a:pathLst>
+                <a:path w="253610" h="64905">
+                  <a:moveTo>
+                    <a:pt x="0" y="61695"/>
+                  </a:moveTo>
+                  <a:cubicBezTo>
+                    <a:pt x="23283" y="24918"/>
+                    <a:pt x="46567" y="13541"/>
+                    <a:pt x="85725" y="14070"/>
+                  </a:cubicBezTo>
+                  <a:cubicBezTo>
+                    <a:pt x="124883" y="14599"/>
+                    <a:pt x="211137" y="66458"/>
+                    <a:pt x="234950" y="64870"/>
+                  </a:cubicBezTo>
+                  <a:cubicBezTo>
+                    <a:pt x="258763" y="63282"/>
+                    <a:pt x="262995" y="22272"/>
+                    <a:pt x="228600" y="4545"/>
+                  </a:cubicBezTo>
+                  <a:cubicBezTo>
+                    <a:pt x="194205" y="-13182"/>
+                    <a:pt x="101071" y="26770"/>
+                    <a:pt x="133350" y="25183"/>
+                  </a:cubicBezTo>
+                </a:path>
+              </a:pathLst>
+            </a:custGeom>
+            <a:ln w="28575">
+              <a:solidFill>
+                <a:schemeClr val="accent5">
+                  <a:lumMod val="50000"/>
+                </a:schemeClr>
+              </a:solidFill>
+            </a:ln>
+          </p:spPr>
+          <p:style>
+            <a:lnRef idx="1">
+              <a:schemeClr val="accent1"/>
+            </a:lnRef>
+            <a:fillRef idx="0">
+              <a:schemeClr val="accent1"/>
+            </a:fillRef>
+            <a:effectRef idx="0">
+              <a:schemeClr val="accent1"/>
+            </a:effectRef>
+            <a:fontRef idx="minor">
+              <a:schemeClr val="tx1"/>
+            </a:fontRef>
+          </p:style>
+          <p:txBody>
+            <a:bodyPr rtlCol="0" anchor="ctr"/>
+            <a:lstStyle/>
+            <a:p>
+              <a:pPr algn="ctr"/>
+              <a:endParaRPr lang="fr-FR"/>
+            </a:p>
+          </p:txBody>
+        </p:sp>
+        <p:sp>
+          <p:nvSpPr>
+            <p:cNvPr id="42" name="Flèche : droite 41">
+              <a:extLst>
+                <a:ext uri="{FF2B5EF4-FFF2-40B4-BE49-F238E27FC236}">
+                  <a16:creationId xmlns:a16="http://schemas.microsoft.com/office/drawing/2014/main" id="{4EEA0D86-CB85-4D1E-877F-7A7CFBC192E9}"/>
+                </a:ext>
+              </a:extLst>
+            </p:cNvPr>
+            <p:cNvSpPr/>
+            <p:nvPr/>
+          </p:nvSpPr>
+          <p:spPr>
+            <a:xfrm rot="5400000">
+              <a:off x="7432318" y="1512880"/>
+              <a:ext cx="312915" cy="128897"/>
+            </a:xfrm>
+            <a:prstGeom prst="rightArrow">
+              <a:avLst/>
+            </a:prstGeom>
+            <a:solidFill>
+              <a:schemeClr val="accent2">
+                <a:lumMod val="20000"/>
+                <a:lumOff val="80000"/>
+              </a:schemeClr>
+            </a:solidFill>
+            <a:ln w="12700">
+              <a:solidFill>
+                <a:srgbClr val="FF0000"/>
+              </a:solidFill>
+            </a:ln>
+          </p:spPr>
+          <p:style>
+            <a:lnRef idx="1">
+              <a:schemeClr val="accent1"/>
+            </a:lnRef>
+            <a:fillRef idx="0">
+              <a:schemeClr val="accent1"/>
+            </a:fillRef>
+            <a:effectRef idx="0">
+              <a:schemeClr val="accent1"/>
+            </a:effectRef>
+            <a:fontRef idx="minor">
+              <a:schemeClr val="tx1"/>
+            </a:fontRef>
+          </p:style>
+          <p:txBody>
+            <a:bodyPr rtlCol="0" anchor="ctr"/>
+            <a:lstStyle/>
+            <a:p>
+              <a:pPr algn="ctr"/>
+              <a:endParaRPr lang="fr-FR">
+                <a:ln w="12700">
+                  <a:solidFill>
+                    <a:schemeClr val="tx1"/>
+                  </a:solidFill>
+                </a:ln>
+                <a:solidFill>
+                  <a:schemeClr val="tx1"/>
+                </a:solidFill>
+              </a:endParaRPr>
+            </a:p>
+          </p:txBody>
+        </p:sp>
+        <p:cxnSp>
+          <p:nvCxnSpPr>
+            <p:cNvPr id="44" name="Connecteur droit 43">
+              <a:extLst>
+                <a:ext uri="{FF2B5EF4-FFF2-40B4-BE49-F238E27FC236}">
+                  <a16:creationId xmlns:a16="http://schemas.microsoft.com/office/drawing/2014/main" id="{03D66FB3-7182-45BB-9A5D-7121A896BBBA}"/>
+                </a:ext>
+              </a:extLst>
+            </p:cNvPr>
+            <p:cNvCxnSpPr>
+              <a:cxnSpLocks/>
+            </p:cNvCxnSpPr>
+            <p:nvPr/>
+          </p:nvCxnSpPr>
+          <p:spPr>
+            <a:xfrm flipV="1">
+              <a:off x="6319242" y="836712"/>
+              <a:ext cx="0" cy="961217"/>
+            </a:xfrm>
+            <a:prstGeom prst="line">
+              <a:avLst/>
+            </a:prstGeom>
+            <a:ln>
+              <a:solidFill>
+                <a:schemeClr val="tx1"/>
+              </a:solidFill>
+              <a:headEnd w="sm" len="lg"/>
+              <a:tailEnd type="stealth" w="sm" len="lg"/>
+            </a:ln>
+          </p:spPr>
+          <p:style>
+            <a:lnRef idx="1">
+              <a:schemeClr val="accent1"/>
+            </a:lnRef>
+            <a:fillRef idx="0">
+              <a:schemeClr val="accent1"/>
+            </a:fillRef>
+            <a:effectRef idx="0">
+              <a:schemeClr val="accent1"/>
+            </a:effectRef>
+            <a:fontRef idx="minor">
+              <a:schemeClr val="tx1"/>
+            </a:fontRef>
+          </p:style>
+        </p:cxnSp>
+        <p:cxnSp>
+          <p:nvCxnSpPr>
+            <p:cNvPr id="46" name="Connecteur droit 45">
+              <a:extLst>
+                <a:ext uri="{FF2B5EF4-FFF2-40B4-BE49-F238E27FC236}">
+                  <a16:creationId xmlns:a16="http://schemas.microsoft.com/office/drawing/2014/main" id="{BD6D699F-ACE0-4795-ACC6-382E3DB23326}"/>
+                </a:ext>
+              </a:extLst>
+            </p:cNvPr>
+            <p:cNvCxnSpPr>
+              <a:cxnSpLocks/>
+            </p:cNvCxnSpPr>
+            <p:nvPr/>
+          </p:nvCxnSpPr>
+          <p:spPr>
+            <a:xfrm>
+              <a:off x="6314089" y="1800801"/>
+              <a:ext cx="1498273" cy="0"/>
+            </a:xfrm>
+            <a:prstGeom prst="line">
+              <a:avLst/>
+            </a:prstGeom>
+            <a:ln>
+              <a:solidFill>
+                <a:schemeClr val="tx1"/>
+              </a:solidFill>
+              <a:headEnd w="sm" len="lg"/>
+              <a:tailEnd type="stealth" w="sm" len="lg"/>
+            </a:ln>
+          </p:spPr>
+          <p:style>
+            <a:lnRef idx="1">
+              <a:schemeClr val="accent1"/>
+            </a:lnRef>
+            <a:fillRef idx="0">
+              <a:schemeClr val="accent1"/>
+            </a:fillRef>
+            <a:effectRef idx="0">
+              <a:schemeClr val="accent1"/>
+            </a:effectRef>
+            <a:fontRef idx="minor">
+              <a:schemeClr val="tx1"/>
+            </a:fontRef>
+          </p:style>
+        </p:cxnSp>
+        <p:sp>
+          <p:nvSpPr>
+            <p:cNvPr id="48" name="Ellipse 47">
+              <a:extLst>
+                <a:ext uri="{FF2B5EF4-FFF2-40B4-BE49-F238E27FC236}">
+                  <a16:creationId xmlns:a16="http://schemas.microsoft.com/office/drawing/2014/main" id="{6A99C9EB-984A-4B08-80E7-6259BFE00D95}"/>
+                </a:ext>
+              </a:extLst>
+            </p:cNvPr>
+            <p:cNvSpPr/>
+            <p:nvPr/>
+          </p:nvSpPr>
+          <p:spPr>
+            <a:xfrm>
+              <a:off x="6268488" y="1738012"/>
+              <a:ext cx="108000" cy="108000"/>
+            </a:xfrm>
+            <a:prstGeom prst="ellipse">
+              <a:avLst/>
+            </a:prstGeom>
+            <a:solidFill>
+              <a:schemeClr val="bg1"/>
+            </a:solidFill>
+            <a:ln w="12700">
+              <a:solidFill>
+                <a:schemeClr val="tx1"/>
+              </a:solidFill>
+            </a:ln>
+          </p:spPr>
+          <p:style>
+            <a:lnRef idx="2">
+              <a:schemeClr val="accent1">
+                <a:shade val="50000"/>
+              </a:schemeClr>
+            </a:lnRef>
+            <a:fillRef idx="1">
+              <a:schemeClr val="accent1"/>
+            </a:fillRef>
+            <a:effectRef idx="0">
+              <a:schemeClr val="accent1"/>
+            </a:effectRef>
+            <a:fontRef idx="minor">
+              <a:schemeClr val="lt1"/>
+            </a:fontRef>
+          </p:style>
+          <p:txBody>
+            <a:bodyPr rtlCol="0" anchor="ctr"/>
+            <a:lstStyle/>
+            <a:p>
+              <a:pPr algn="ctr"/>
+              <a:endParaRPr lang="fr-FR"/>
+            </a:p>
+          </p:txBody>
+        </p:sp>
+        <p:sp>
+          <p:nvSpPr>
+            <p:cNvPr id="49" name="Ellipse 48">
+              <a:extLst>
+                <a:ext uri="{FF2B5EF4-FFF2-40B4-BE49-F238E27FC236}">
+                  <a16:creationId xmlns:a16="http://schemas.microsoft.com/office/drawing/2014/main" id="{6DAC9ACA-282C-4597-8AC9-B77BBD3C3C61}"/>
+                </a:ext>
+              </a:extLst>
+            </p:cNvPr>
+            <p:cNvSpPr/>
+            <p:nvPr/>
+          </p:nvSpPr>
+          <p:spPr>
+            <a:xfrm>
+              <a:off x="6298390" y="1768547"/>
+              <a:ext cx="45720" cy="45720"/>
+            </a:xfrm>
+            <a:prstGeom prst="ellipse">
+              <a:avLst/>
+            </a:prstGeom>
+            <a:solidFill>
+              <a:schemeClr val="tx1"/>
+            </a:solidFill>
+            <a:ln w="12700">
+              <a:solidFill>
+                <a:schemeClr val="tx1"/>
+              </a:solidFill>
+            </a:ln>
+          </p:spPr>
+          <p:style>
+            <a:lnRef idx="2">
+              <a:schemeClr val="accent1">
+                <a:shade val="50000"/>
+              </a:schemeClr>
+            </a:lnRef>
+            <a:fillRef idx="1">
+              <a:schemeClr val="accent1"/>
+            </a:fillRef>
+            <a:effectRef idx="0">
+              <a:schemeClr val="accent1"/>
+            </a:effectRef>
+            <a:fontRef idx="minor">
+              <a:schemeClr val="lt1"/>
+            </a:fontRef>
+          </p:style>
+          <p:txBody>
+            <a:bodyPr rtlCol="0" anchor="ctr"/>
+            <a:lstStyle/>
+            <a:p>
+              <a:pPr algn="ctr"/>
+              <a:endParaRPr lang="fr-FR"/>
+            </a:p>
+          </p:txBody>
+        </p:sp>
+        <mc:AlternateContent xmlns:mc="http://schemas.openxmlformats.org/markup-compatibility/2006" xmlns:a14="http://schemas.microsoft.com/office/drawing/2010/main">
+          <mc:Choice Requires="a14">
+            <p:sp>
+              <p:nvSpPr>
+                <p:cNvPr id="50" name="ZoneTexte 49">
+                  <a:extLst>
+                    <a:ext uri="{FF2B5EF4-FFF2-40B4-BE49-F238E27FC236}">
+                      <a16:creationId xmlns:a16="http://schemas.microsoft.com/office/drawing/2014/main" id="{14B90C3D-4D14-4408-B346-94174124F616}"/>
+                    </a:ext>
+                  </a:extLst>
+                </p:cNvPr>
+                <p:cNvSpPr txBox="1"/>
+                <p:nvPr/>
+              </p:nvSpPr>
+              <p:spPr>
+                <a:xfrm>
+                  <a:off x="7404052" y="1261726"/>
+                  <a:ext cx="135871" cy="207108"/>
+                </a:xfrm>
+                <a:prstGeom prst="rect">
+                  <a:avLst/>
+                </a:prstGeom>
+                <a:noFill/>
+              </p:spPr>
+              <p:txBody>
+                <a:bodyPr wrap="none" lIns="0" tIns="0" rIns="0" bIns="0" rtlCol="0">
+                  <a:spAutoFit/>
+                </a:bodyPr>
+                <a:lstStyle/>
+                <a:p>
+                  <a:pPr/>
+                  <a14:m>
+                    <m:oMathPara xmlns:m="http://schemas.openxmlformats.org/officeDocument/2006/math">
+                      <m:oMathParaPr>
+                        <m:jc m:val="centerGroup"/>
+                      </m:oMathParaPr>
+                      <m:oMath xmlns:m="http://schemas.openxmlformats.org/officeDocument/2006/math">
+                        <m:acc>
+                          <m:accPr>
+                            <m:chr m:val="⃗"/>
+                            <m:ctrlPr>
+                              <a:rPr lang="fr-FR" sz="1200" b="0" i="1" smtClean="0">
+                                <a:latin typeface="Cambria Math" panose="02040503050406030204" pitchFamily="18" charset="0"/>
+                              </a:rPr>
+                            </m:ctrlPr>
+                          </m:accPr>
+                          <m:e>
+                            <m:r>
+                              <a:rPr lang="fr-FR" sz="1200" b="0" i="1" smtClean="0">
+                                <a:latin typeface="Cambria Math" panose="02040503050406030204" pitchFamily="18" charset="0"/>
+                              </a:rPr>
+                              <m:t>𝐹</m:t>
+                            </m:r>
+                          </m:e>
+                        </m:acc>
+                      </m:oMath>
+                    </m:oMathPara>
+                  </a14:m>
+                  <a:endParaRPr lang="fr-FR" sz="1200" dirty="0"/>
+                </a:p>
+              </p:txBody>
+            </p:sp>
+          </mc:Choice>
+          <mc:Fallback xmlns="">
+            <p:sp>
+              <p:nvSpPr>
+                <p:cNvPr id="50" name="ZoneTexte 49">
+                  <a:extLst>
+                    <a:ext uri="{FF2B5EF4-FFF2-40B4-BE49-F238E27FC236}">
+                      <a16:creationId xmlns:a16="http://schemas.microsoft.com/office/drawing/2014/main" id="{14B90C3D-4D14-4408-B346-94174124F616}"/>
+                    </a:ext>
+                  </a:extLst>
+                </p:cNvPr>
+                <p:cNvSpPr txBox="1">
+                  <a:spLocks noRot="1" noChangeAspect="1" noMove="1" noResize="1" noEditPoints="1" noAdjustHandles="1" noChangeArrowheads="1" noChangeShapeType="1" noTextEdit="1"/>
+                </p:cNvSpPr>
+                <p:nvPr/>
+              </p:nvSpPr>
+              <p:spPr>
+                <a:xfrm>
+                  <a:off x="7404052" y="1261726"/>
+                  <a:ext cx="135871" cy="207108"/>
+                </a:xfrm>
+                <a:prstGeom prst="rect">
+                  <a:avLst/>
+                </a:prstGeom>
+                <a:blipFill>
+                  <a:blip r:embed="rId3"/>
+                  <a:stretch>
+                    <a:fillRect l="-26087" t="-29412" r="-82609" b="-5882"/>
+                  </a:stretch>
+                </a:blipFill>
+              </p:spPr>
+              <p:txBody>
+                <a:bodyPr/>
+                <a:lstStyle/>
+                <a:p>
+                  <a:r>
+                    <a:rPr lang="fr-FR">
+                      <a:noFill/>
+                    </a:rPr>
+                    <a:t> </a:t>
+                  </a:r>
+                </a:p>
+              </p:txBody>
+            </p:sp>
+          </mc:Fallback>
+        </mc:AlternateContent>
+      </p:grpSp>
+      <p:grpSp>
+        <p:nvGrpSpPr>
+          <p:cNvPr id="52" name="Groupe 51">
+            <a:extLst>
+              <a:ext uri="{FF2B5EF4-FFF2-40B4-BE49-F238E27FC236}">
+                <a16:creationId xmlns:a16="http://schemas.microsoft.com/office/drawing/2014/main" id="{A0CE1736-9153-4455-A50E-9DB9027B7772}"/>
+              </a:ext>
+            </a:extLst>
+          </p:cNvPr>
+          <p:cNvGrpSpPr/>
+          <p:nvPr/>
+        </p:nvGrpSpPr>
+        <p:grpSpPr>
+          <a:xfrm>
+            <a:off x="5868144" y="2004358"/>
+            <a:ext cx="1728193" cy="696642"/>
+            <a:chOff x="6012159" y="1268760"/>
+            <a:chExt cx="1728193" cy="696642"/>
+          </a:xfrm>
+        </p:grpSpPr>
+        <p:sp>
+          <p:nvSpPr>
+            <p:cNvPr id="54" name="Rectangle 53">
+              <a:extLst>
+                <a:ext uri="{FF2B5EF4-FFF2-40B4-BE49-F238E27FC236}">
+                  <a16:creationId xmlns:a16="http://schemas.microsoft.com/office/drawing/2014/main" id="{45CDFEB1-4637-44E5-B918-1ED7E551A50A}"/>
+                </a:ext>
+              </a:extLst>
+            </p:cNvPr>
+            <p:cNvSpPr/>
+            <p:nvPr/>
+          </p:nvSpPr>
+          <p:spPr>
+            <a:xfrm>
+              <a:off x="6012159" y="1268760"/>
+              <a:ext cx="720073" cy="696642"/>
+            </a:xfrm>
+            <a:prstGeom prst="rect">
+              <a:avLst/>
+            </a:prstGeom>
+            <a:solidFill>
+              <a:schemeClr val="accent6">
+                <a:lumMod val="20000"/>
+                <a:lumOff val="80000"/>
+              </a:schemeClr>
+            </a:solidFill>
+            <a:ln w="28575">
+              <a:solidFill>
+                <a:schemeClr val="accent6">
+                  <a:lumMod val="75000"/>
+                </a:schemeClr>
+              </a:solidFill>
+            </a:ln>
+          </p:spPr>
+          <p:style>
+            <a:lnRef idx="1">
+              <a:schemeClr val="accent1"/>
+            </a:lnRef>
+            <a:fillRef idx="0">
+              <a:schemeClr val="accent1"/>
+            </a:fillRef>
+            <a:effectRef idx="0">
+              <a:schemeClr val="accent1"/>
+            </a:effectRef>
+            <a:fontRef idx="minor">
+              <a:schemeClr val="tx1"/>
+            </a:fontRef>
+          </p:style>
+          <p:txBody>
+            <a:bodyPr rot="0" spcFirstLastPara="0" vertOverflow="overflow" horzOverflow="overflow" vert="horz" wrap="square" lIns="91440" tIns="45720" rIns="91440" bIns="45720" numCol="1" spcCol="0" rtlCol="0" fromWordArt="0" anchor="ctr" anchorCtr="0" forceAA="0" compatLnSpc="1">
+              <a:prstTxWarp prst="textNoShape">
+                <a:avLst/>
+              </a:prstTxWarp>
+              <a:noAutofit/>
+            </a:bodyPr>
+            <a:lstStyle/>
+            <a:p>
+              <a:pPr algn="ctr"/>
+              <a:endParaRPr lang="fr-FR"/>
+            </a:p>
+          </p:txBody>
+        </p:sp>
+        <p:sp>
+          <p:nvSpPr>
+            <p:cNvPr id="55" name="Rectangle 54">
+              <a:extLst>
+                <a:ext uri="{FF2B5EF4-FFF2-40B4-BE49-F238E27FC236}">
+                  <a16:creationId xmlns:a16="http://schemas.microsoft.com/office/drawing/2014/main" id="{69FE3A2C-BCCA-486E-B683-914579D74C3A}"/>
+                </a:ext>
+              </a:extLst>
+            </p:cNvPr>
+            <p:cNvSpPr/>
+            <p:nvPr/>
+          </p:nvSpPr>
+          <p:spPr>
+            <a:xfrm>
+              <a:off x="6196284" y="1268760"/>
+              <a:ext cx="356782" cy="696642"/>
+            </a:xfrm>
+            <a:prstGeom prst="rect">
+              <a:avLst/>
+            </a:prstGeom>
+            <a:solidFill>
+              <a:schemeClr val="bg1"/>
+            </a:solidFill>
+            <a:ln w="28575">
+              <a:solidFill>
+                <a:schemeClr val="accent6">
+                  <a:lumMod val="75000"/>
+                </a:schemeClr>
+              </a:solidFill>
+            </a:ln>
+          </p:spPr>
+          <p:style>
+            <a:lnRef idx="1">
+              <a:schemeClr val="accent1"/>
+            </a:lnRef>
+            <a:fillRef idx="0">
+              <a:schemeClr val="accent1"/>
+            </a:fillRef>
+            <a:effectRef idx="0">
+              <a:schemeClr val="accent1"/>
+            </a:effectRef>
+            <a:fontRef idx="minor">
+              <a:schemeClr val="tx1"/>
+            </a:fontRef>
+          </p:style>
+          <p:txBody>
+            <a:bodyPr rot="0" spcFirstLastPara="0" vertOverflow="overflow" horzOverflow="overflow" vert="horz" wrap="square" lIns="91440" tIns="45720" rIns="91440" bIns="45720" numCol="1" spcCol="0" rtlCol="0" fromWordArt="0" anchor="ctr" anchorCtr="0" forceAA="0" compatLnSpc="1">
+              <a:prstTxWarp prst="textNoShape">
+                <a:avLst/>
+              </a:prstTxWarp>
+              <a:noAutofit/>
+            </a:bodyPr>
+            <a:lstStyle/>
+            <a:p>
+              <a:pPr algn="ctr"/>
+              <a:endParaRPr lang="fr-FR"/>
+            </a:p>
+          </p:txBody>
+        </p:sp>
+        <p:sp>
+          <p:nvSpPr>
+            <p:cNvPr id="56" name="Rectangle 55">
+              <a:extLst>
+                <a:ext uri="{FF2B5EF4-FFF2-40B4-BE49-F238E27FC236}">
+                  <a16:creationId xmlns:a16="http://schemas.microsoft.com/office/drawing/2014/main" id="{CB26F98D-92A4-483A-ABA7-159E91D6644F}"/>
+                </a:ext>
+              </a:extLst>
+            </p:cNvPr>
+            <p:cNvSpPr/>
+            <p:nvPr/>
+          </p:nvSpPr>
+          <p:spPr>
+            <a:xfrm>
+              <a:off x="6734023" y="1507274"/>
+              <a:ext cx="1006329" cy="182584"/>
+            </a:xfrm>
+            <a:prstGeom prst="rect">
+              <a:avLst/>
+            </a:prstGeom>
+            <a:solidFill>
+              <a:schemeClr val="accent6">
+                <a:lumMod val="20000"/>
+                <a:lumOff val="80000"/>
+              </a:schemeClr>
+            </a:solidFill>
+            <a:ln w="28575">
+              <a:solidFill>
+                <a:schemeClr val="accent6">
+                  <a:lumMod val="75000"/>
+                </a:schemeClr>
+              </a:solidFill>
+            </a:ln>
+          </p:spPr>
+          <p:style>
+            <a:lnRef idx="1">
+              <a:schemeClr val="accent1"/>
+            </a:lnRef>
+            <a:fillRef idx="0">
+              <a:schemeClr val="accent1"/>
+            </a:fillRef>
+            <a:effectRef idx="0">
+              <a:schemeClr val="accent1"/>
+            </a:effectRef>
+            <a:fontRef idx="minor">
+              <a:schemeClr val="tx1"/>
+            </a:fontRef>
+          </p:style>
+          <p:txBody>
+            <a:bodyPr rot="0" spcFirstLastPara="0" vertOverflow="overflow" horzOverflow="overflow" vert="horz" wrap="square" lIns="91440" tIns="45720" rIns="91440" bIns="45720" numCol="1" spcCol="0" rtlCol="0" fromWordArt="0" anchor="ctr" anchorCtr="0" forceAA="0" compatLnSpc="1">
+              <a:prstTxWarp prst="textNoShape">
+                <a:avLst/>
+              </a:prstTxWarp>
+              <a:noAutofit/>
+            </a:bodyPr>
+            <a:lstStyle/>
+            <a:p>
+              <a:pPr algn="ctr"/>
+              <a:endParaRPr lang="fr-FR"/>
+            </a:p>
+          </p:txBody>
+        </p:sp>
+        <p:sp>
+          <p:nvSpPr>
+            <p:cNvPr id="57" name="Rectangle 56">
+              <a:extLst>
+                <a:ext uri="{FF2B5EF4-FFF2-40B4-BE49-F238E27FC236}">
+                  <a16:creationId xmlns:a16="http://schemas.microsoft.com/office/drawing/2014/main" id="{E396AA67-614D-4E0A-AB38-1D1A9642A6CF}"/>
+                </a:ext>
+              </a:extLst>
+            </p:cNvPr>
+            <p:cNvSpPr/>
+            <p:nvPr/>
+          </p:nvSpPr>
+          <p:spPr>
+            <a:xfrm>
+              <a:off x="6660232" y="1522762"/>
+              <a:ext cx="315912" cy="151200"/>
+            </a:xfrm>
+            <a:prstGeom prst="rect">
+              <a:avLst/>
+            </a:prstGeom>
+            <a:solidFill>
+              <a:schemeClr val="accent6">
+                <a:lumMod val="20000"/>
+                <a:lumOff val="80000"/>
+              </a:schemeClr>
+            </a:solidFill>
+            <a:ln w="28575">
+              <a:noFill/>
+            </a:ln>
+          </p:spPr>
+          <p:style>
+            <a:lnRef idx="1">
+              <a:schemeClr val="accent1"/>
+            </a:lnRef>
+            <a:fillRef idx="0">
+              <a:schemeClr val="accent1"/>
+            </a:fillRef>
+            <a:effectRef idx="0">
+              <a:schemeClr val="accent1"/>
+            </a:effectRef>
+            <a:fontRef idx="minor">
+              <a:schemeClr val="tx1"/>
+            </a:fontRef>
+          </p:style>
+          <p:txBody>
+            <a:bodyPr rot="0" spcFirstLastPara="0" vertOverflow="overflow" horzOverflow="overflow" vert="horz" wrap="square" lIns="91440" tIns="45720" rIns="91440" bIns="45720" numCol="1" spcCol="0" rtlCol="0" fromWordArt="0" anchor="ctr" anchorCtr="0" forceAA="0" compatLnSpc="1">
+              <a:prstTxWarp prst="textNoShape">
+                <a:avLst/>
+              </a:prstTxWarp>
+              <a:noAutofit/>
+            </a:bodyPr>
+            <a:lstStyle/>
+            <a:p>
+              <a:pPr algn="ctr"/>
+              <a:endParaRPr lang="fr-FR"/>
+            </a:p>
+          </p:txBody>
+        </p:sp>
+      </p:grpSp>
+      <p:cxnSp>
+        <p:nvCxnSpPr>
+          <p:cNvPr id="59" name="Connecteur droit 58">
+            <a:extLst>
+              <a:ext uri="{FF2B5EF4-FFF2-40B4-BE49-F238E27FC236}">
+                <a16:creationId xmlns:a16="http://schemas.microsoft.com/office/drawing/2014/main" id="{375641A7-E75C-4EC2-96AE-57119E5134B4}"/>
+              </a:ext>
+            </a:extLst>
+          </p:cNvPr>
+          <p:cNvCxnSpPr>
+            <a:cxnSpLocks/>
+          </p:cNvCxnSpPr>
+          <p:nvPr/>
+        </p:nvCxnSpPr>
+        <p:spPr>
+          <a:xfrm>
+            <a:off x="6232138" y="188640"/>
+            <a:ext cx="0" cy="1654461"/>
+          </a:xfrm>
+          <a:prstGeom prst="line">
+            <a:avLst/>
+          </a:prstGeom>
+          <a:ln w="12700">
+            <a:solidFill>
+              <a:schemeClr val="accent5">
+                <a:lumMod val="50000"/>
+              </a:schemeClr>
+            </a:solidFill>
+            <a:prstDash val="lgDashDot"/>
+          </a:ln>
+        </p:spPr>
+        <p:style>
+          <a:lnRef idx="1">
+            <a:schemeClr val="accent1"/>
+          </a:lnRef>
+          <a:fillRef idx="0">
+            <a:schemeClr val="accent1"/>
+          </a:fillRef>
+          <a:effectRef idx="0">
+            <a:schemeClr val="accent1"/>
+          </a:effectRef>
+          <a:fontRef idx="minor">
+            <a:schemeClr val="tx1"/>
+          </a:fontRef>
+        </p:style>
+      </p:cxnSp>
+      <p:cxnSp>
+        <p:nvCxnSpPr>
+          <p:cNvPr id="61" name="Connecteur droit 60">
+            <a:extLst>
+              <a:ext uri="{FF2B5EF4-FFF2-40B4-BE49-F238E27FC236}">
+                <a16:creationId xmlns:a16="http://schemas.microsoft.com/office/drawing/2014/main" id="{8A3B8246-B8C6-46D4-9735-D65ED0FB75E1}"/>
+              </a:ext>
+            </a:extLst>
+          </p:cNvPr>
+          <p:cNvCxnSpPr>
+            <a:cxnSpLocks/>
+          </p:cNvCxnSpPr>
+          <p:nvPr/>
+        </p:nvCxnSpPr>
+        <p:spPr>
+          <a:xfrm>
+            <a:off x="6232159" y="1844824"/>
+            <a:ext cx="0" cy="1031550"/>
+          </a:xfrm>
+          <a:prstGeom prst="line">
+            <a:avLst/>
+          </a:prstGeom>
+          <a:ln w="12700">
+            <a:solidFill>
+              <a:schemeClr val="accent6">
+                <a:lumMod val="75000"/>
+              </a:schemeClr>
+            </a:solidFill>
+            <a:prstDash val="lgDashDot"/>
+          </a:ln>
+        </p:spPr>
+        <p:style>
+          <a:lnRef idx="1">
+            <a:schemeClr val="accent1"/>
+          </a:lnRef>
+          <a:fillRef idx="0">
+            <a:schemeClr val="accent1"/>
+          </a:fillRef>
+          <a:effectRef idx="0">
+            <a:schemeClr val="accent1"/>
+          </a:effectRef>
+          <a:fontRef idx="minor">
+            <a:schemeClr val="tx1"/>
+          </a:fontRef>
+        </p:style>
+      </p:cxnSp>
+      <p:cxnSp>
+        <p:nvCxnSpPr>
+          <p:cNvPr id="65" name="Connecteur droit 64">
+            <a:extLst>
+              <a:ext uri="{FF2B5EF4-FFF2-40B4-BE49-F238E27FC236}">
+                <a16:creationId xmlns:a16="http://schemas.microsoft.com/office/drawing/2014/main" id="{DC526E26-98CE-4C0D-B07A-9E35ED49FAAE}"/>
+              </a:ext>
+            </a:extLst>
+          </p:cNvPr>
+          <p:cNvCxnSpPr>
+            <a:cxnSpLocks/>
+          </p:cNvCxnSpPr>
+          <p:nvPr/>
+        </p:nvCxnSpPr>
+        <p:spPr>
+          <a:xfrm>
+            <a:off x="6059877" y="2564904"/>
+            <a:ext cx="317948" cy="0"/>
+          </a:xfrm>
+          <a:prstGeom prst="line">
+            <a:avLst/>
+          </a:prstGeom>
+          <a:ln>
+            <a:solidFill>
+              <a:schemeClr val="tx1"/>
+            </a:solidFill>
+            <a:headEnd type="stealth" w="sm" len="lg"/>
+            <a:tailEnd type="stealth" w="sm" len="lg"/>
+          </a:ln>
+        </p:spPr>
+        <p:style>
+          <a:lnRef idx="1">
+            <a:schemeClr val="accent1"/>
+          </a:lnRef>
+          <a:fillRef idx="0">
+            <a:schemeClr val="accent1"/>
+          </a:fillRef>
+          <a:effectRef idx="0">
+            <a:schemeClr val="accent1"/>
+          </a:effectRef>
+          <a:fontRef idx="minor">
+            <a:schemeClr val="tx1"/>
+          </a:fontRef>
+        </p:style>
+      </p:cxnSp>
       <mc:AlternateContent xmlns:mc="http://schemas.openxmlformats.org/markup-compatibility/2006" xmlns:a14="http://schemas.microsoft.com/office/drawing/2010/main">
         <mc:Choice Requires="a14">
           <p:sp>
             <p:nvSpPr>
-              <p:cNvPr id="19" name="ZoneTexte 18"/>
+              <p:cNvPr id="67" name="ZoneTexte 66">
+                <a:extLst>
+                  <a:ext uri="{FF2B5EF4-FFF2-40B4-BE49-F238E27FC236}">
+                    <a16:creationId xmlns:a16="http://schemas.microsoft.com/office/drawing/2014/main" id="{733FB74C-B6DF-45A4-86E8-D3EFC85A74AE}"/>
+                  </a:ext>
+                </a:extLst>
+              </p:cNvPr>
               <p:cNvSpPr txBox="1"/>
               <p:nvPr/>
             </p:nvSpPr>
             <p:spPr>
               <a:xfrm>
-                <a:off x="4562946" y="3862158"/>
-                <a:ext cx="309379" cy="253916"/>
+                <a:off x="6050478" y="2339676"/>
+                <a:ext cx="224420" cy="169277"/>
+              </a:xfrm>
+              <a:prstGeom prst="rect">
+                <a:avLst/>
+              </a:prstGeom>
+              <a:noFill/>
+            </p:spPr>
+            <p:txBody>
+              <a:bodyPr wrap="none" lIns="0" tIns="0" rIns="0" bIns="0" rtlCol="0">
+                <a:spAutoFit/>
+              </a:bodyPr>
+              <a:lstStyle/>
+              <a:p>
+                <a:pPr/>
+                <a14:m>
+                  <m:oMathPara xmlns:m="http://schemas.openxmlformats.org/officeDocument/2006/math">
+                    <m:oMathParaPr>
+                      <m:jc m:val="centerGroup"/>
+                    </m:oMathParaPr>
+                    <m:oMath xmlns:m="http://schemas.openxmlformats.org/officeDocument/2006/math">
+                      <m:r>
+                        <m:rPr>
+                          <m:sty m:val="p"/>
+                        </m:rPr>
+                        <a:rPr lang="fr-FR" sz="1100" b="0" i="0" smtClean="0">
+                          <a:latin typeface="Cambria Math" panose="02040503050406030204" pitchFamily="18" charset="0"/>
+                        </a:rPr>
+                        <m:t>ϕD</m:t>
+                      </m:r>
+                    </m:oMath>
+                  </m:oMathPara>
+                </a14:m>
+                <a:endParaRPr lang="fr-FR" sz="1100" dirty="0"/>
+              </a:p>
+            </p:txBody>
+          </p:sp>
+        </mc:Choice>
+        <mc:Fallback xmlns="">
+          <p:sp>
+            <p:nvSpPr>
+              <p:cNvPr id="67" name="ZoneTexte 66">
+                <a:extLst>
+                  <a:ext uri="{FF2B5EF4-FFF2-40B4-BE49-F238E27FC236}">
+                    <a16:creationId xmlns:a16="http://schemas.microsoft.com/office/drawing/2014/main" id="{733FB74C-B6DF-45A4-86E8-D3EFC85A74AE}"/>
+                  </a:ext>
+                </a:extLst>
+              </p:cNvPr>
+              <p:cNvSpPr txBox="1">
+                <a:spLocks noRot="1" noChangeAspect="1" noMove="1" noResize="1" noEditPoints="1" noAdjustHandles="1" noChangeArrowheads="1" noChangeShapeType="1" noTextEdit="1"/>
+              </p:cNvSpPr>
+              <p:nvPr/>
+            </p:nvSpPr>
+            <p:spPr>
+              <a:xfrm>
+                <a:off x="6050478" y="2339676"/>
+                <a:ext cx="224420" cy="169277"/>
+              </a:xfrm>
+              <a:prstGeom prst="rect">
+                <a:avLst/>
+              </a:prstGeom>
+              <a:blipFill>
+                <a:blip r:embed="rId4"/>
+                <a:stretch>
+                  <a:fillRect l="-22222" r="-25000" b="-35714"/>
+                </a:stretch>
+              </a:blipFill>
+            </p:spPr>
+            <p:txBody>
+              <a:bodyPr/>
+              <a:lstStyle/>
+              <a:p>
+                <a:r>
+                  <a:rPr lang="fr-FR">
+                    <a:noFill/>
+                  </a:rPr>
+                  <a:t> </a:t>
+                </a:r>
+              </a:p>
+            </p:txBody>
+          </p:sp>
+        </mc:Fallback>
+      </mc:AlternateContent>
+      <mc:AlternateContent xmlns:mc="http://schemas.openxmlformats.org/markup-compatibility/2006" xmlns:a14="http://schemas.microsoft.com/office/drawing/2010/main">
+        <mc:Choice Requires="a14">
+          <p:sp>
+            <p:nvSpPr>
+              <p:cNvPr id="68" name="ZoneTexte 67">
+                <a:extLst>
+                  <a:ext uri="{FF2B5EF4-FFF2-40B4-BE49-F238E27FC236}">
+                    <a16:creationId xmlns:a16="http://schemas.microsoft.com/office/drawing/2014/main" id="{F6C21484-309F-4871-A189-183E4D00AD7F}"/>
+                  </a:ext>
+                </a:extLst>
+              </p:cNvPr>
+              <p:cNvSpPr txBox="1"/>
+              <p:nvPr/>
+            </p:nvSpPr>
+            <p:spPr>
+              <a:xfrm>
+                <a:off x="6405924" y="245167"/>
+                <a:ext cx="209993" cy="169277"/>
+              </a:xfrm>
+              <a:prstGeom prst="rect">
+                <a:avLst/>
+              </a:prstGeom>
+              <a:noFill/>
+            </p:spPr>
+            <p:txBody>
+              <a:bodyPr wrap="none" lIns="0" tIns="0" rIns="0" bIns="0" rtlCol="0">
+                <a:spAutoFit/>
+              </a:bodyPr>
+              <a:lstStyle/>
+              <a:p>
+                <a:pPr/>
+                <a14:m>
+                  <m:oMathPara xmlns:m="http://schemas.openxmlformats.org/officeDocument/2006/math">
+                    <m:oMathParaPr>
+                      <m:jc m:val="centerGroup"/>
+                    </m:oMathParaPr>
+                    <m:oMath xmlns:m="http://schemas.openxmlformats.org/officeDocument/2006/math">
+                      <m:r>
+                        <m:rPr>
+                          <m:sty m:val="p"/>
+                        </m:rPr>
+                        <a:rPr lang="fr-FR" sz="1100" b="0" i="0" smtClean="0">
+                          <a:latin typeface="Cambria Math" panose="02040503050406030204" pitchFamily="18" charset="0"/>
+                        </a:rPr>
+                        <m:t>ϕd</m:t>
+                      </m:r>
+                    </m:oMath>
+                  </m:oMathPara>
+                </a14:m>
+                <a:endParaRPr lang="fr-FR" sz="1100" dirty="0"/>
+              </a:p>
+            </p:txBody>
+          </p:sp>
+        </mc:Choice>
+        <mc:Fallback xmlns="">
+          <p:sp>
+            <p:nvSpPr>
+              <p:cNvPr id="68" name="ZoneTexte 67">
+                <a:extLst>
+                  <a:ext uri="{FF2B5EF4-FFF2-40B4-BE49-F238E27FC236}">
+                    <a16:creationId xmlns:a16="http://schemas.microsoft.com/office/drawing/2014/main" id="{F6C21484-309F-4871-A189-183E4D00AD7F}"/>
+                  </a:ext>
+                </a:extLst>
+              </p:cNvPr>
+              <p:cNvSpPr txBox="1">
+                <a:spLocks noRot="1" noChangeAspect="1" noMove="1" noResize="1" noEditPoints="1" noAdjustHandles="1" noChangeArrowheads="1" noChangeShapeType="1" noTextEdit="1"/>
+              </p:cNvSpPr>
+              <p:nvPr/>
+            </p:nvSpPr>
+            <p:spPr>
+              <a:xfrm>
+                <a:off x="6405924" y="245167"/>
+                <a:ext cx="209993" cy="169277"/>
+              </a:xfrm>
+              <a:prstGeom prst="rect">
+                <a:avLst/>
+              </a:prstGeom>
+              <a:blipFill>
+                <a:blip r:embed="rId5"/>
+                <a:stretch>
+                  <a:fillRect l="-23529" r="-26471" b="-35714"/>
+                </a:stretch>
+              </a:blipFill>
+            </p:spPr>
+            <p:txBody>
+              <a:bodyPr/>
+              <a:lstStyle/>
+              <a:p>
+                <a:r>
+                  <a:rPr lang="fr-FR">
+                    <a:noFill/>
+                  </a:rPr>
+                  <a:t> </a:t>
+                </a:r>
+              </a:p>
+            </p:txBody>
+          </p:sp>
+        </mc:Fallback>
+      </mc:AlternateContent>
+      <p:cxnSp>
+        <p:nvCxnSpPr>
+          <p:cNvPr id="78" name="Connecteur droit 77">
+            <a:extLst>
+              <a:ext uri="{FF2B5EF4-FFF2-40B4-BE49-F238E27FC236}">
+                <a16:creationId xmlns:a16="http://schemas.microsoft.com/office/drawing/2014/main" id="{A062931F-3877-4D07-84B6-957D8281D487}"/>
+              </a:ext>
+            </a:extLst>
+          </p:cNvPr>
+          <p:cNvCxnSpPr>
+            <a:endCxn id="83" idx="3"/>
+          </p:cNvCxnSpPr>
+          <p:nvPr/>
+        </p:nvCxnSpPr>
+        <p:spPr>
+          <a:xfrm flipV="1">
+            <a:off x="3851555" y="5098410"/>
+            <a:ext cx="0" cy="1498942"/>
+          </a:xfrm>
+          <a:prstGeom prst="line">
+            <a:avLst/>
+          </a:prstGeom>
+          <a:ln w="19050">
+            <a:solidFill>
+              <a:srgbClr val="FF0000"/>
+            </a:solidFill>
+            <a:tailEnd type="stealth" w="med" len="lg"/>
+          </a:ln>
+        </p:spPr>
+        <p:style>
+          <a:lnRef idx="1">
+            <a:schemeClr val="accent1"/>
+          </a:lnRef>
+          <a:fillRef idx="0">
+            <a:schemeClr val="accent1"/>
+          </a:fillRef>
+          <a:effectRef idx="0">
+            <a:schemeClr val="accent1"/>
+          </a:effectRef>
+          <a:fontRef idx="minor">
+            <a:schemeClr val="tx1"/>
+          </a:fontRef>
+        </p:style>
+      </p:cxnSp>
+      <p:grpSp>
+        <p:nvGrpSpPr>
+          <p:cNvPr id="79" name="Groupe 78">
+            <a:extLst>
+              <a:ext uri="{FF2B5EF4-FFF2-40B4-BE49-F238E27FC236}">
+                <a16:creationId xmlns:a16="http://schemas.microsoft.com/office/drawing/2014/main" id="{D839715E-1A96-43AE-B524-FA8245B92802}"/>
+              </a:ext>
+            </a:extLst>
+          </p:cNvPr>
+          <p:cNvGrpSpPr/>
+          <p:nvPr/>
+        </p:nvGrpSpPr>
+        <p:grpSpPr>
+          <a:xfrm>
+            <a:off x="3854755" y="5805264"/>
+            <a:ext cx="792088" cy="792088"/>
+            <a:chOff x="1691680" y="1916832"/>
+            <a:chExt cx="792088" cy="792088"/>
+          </a:xfrm>
+        </p:grpSpPr>
+        <p:cxnSp>
+          <p:nvCxnSpPr>
+            <p:cNvPr id="80" name="Connecteur droit 79">
+              <a:extLst>
+                <a:ext uri="{FF2B5EF4-FFF2-40B4-BE49-F238E27FC236}">
+                  <a16:creationId xmlns:a16="http://schemas.microsoft.com/office/drawing/2014/main" id="{BFC19399-744F-4A75-AEF1-759662A7227A}"/>
+                </a:ext>
+              </a:extLst>
+            </p:cNvPr>
+            <p:cNvCxnSpPr/>
+            <p:nvPr/>
+          </p:nvCxnSpPr>
+          <p:spPr>
+            <a:xfrm flipV="1">
+              <a:off x="1691680" y="1916832"/>
+              <a:ext cx="0" cy="792088"/>
+            </a:xfrm>
+            <a:prstGeom prst="line">
+              <a:avLst/>
+            </a:prstGeom>
+            <a:ln w="19050">
+              <a:solidFill>
+                <a:schemeClr val="tx1"/>
+              </a:solidFill>
+              <a:tailEnd type="stealth" w="med" len="lg"/>
+            </a:ln>
+          </p:spPr>
+          <p:style>
+            <a:lnRef idx="1">
+              <a:schemeClr val="accent1"/>
+            </a:lnRef>
+            <a:fillRef idx="0">
+              <a:schemeClr val="accent1"/>
+            </a:fillRef>
+            <a:effectRef idx="0">
+              <a:schemeClr val="accent1"/>
+            </a:effectRef>
+            <a:fontRef idx="minor">
+              <a:schemeClr val="tx1"/>
+            </a:fontRef>
+          </p:style>
+        </p:cxnSp>
+        <p:cxnSp>
+          <p:nvCxnSpPr>
+            <p:cNvPr id="81" name="Connecteur droit 80">
+              <a:extLst>
+                <a:ext uri="{FF2B5EF4-FFF2-40B4-BE49-F238E27FC236}">
+                  <a16:creationId xmlns:a16="http://schemas.microsoft.com/office/drawing/2014/main" id="{32183FFB-7C16-494F-AC9F-DC9C3230F6A5}"/>
+                </a:ext>
+              </a:extLst>
+            </p:cNvPr>
+            <p:cNvCxnSpPr/>
+            <p:nvPr/>
+          </p:nvCxnSpPr>
+          <p:spPr>
+            <a:xfrm rot="5400000" flipV="1">
+              <a:off x="2087724" y="2312876"/>
+              <a:ext cx="0" cy="792088"/>
+            </a:xfrm>
+            <a:prstGeom prst="line">
+              <a:avLst/>
+            </a:prstGeom>
+            <a:ln w="19050">
+              <a:solidFill>
+                <a:schemeClr val="tx1"/>
+              </a:solidFill>
+              <a:tailEnd type="stealth" w="med" len="lg"/>
+            </a:ln>
+          </p:spPr>
+          <p:style>
+            <a:lnRef idx="1">
+              <a:schemeClr val="accent1"/>
+            </a:lnRef>
+            <a:fillRef idx="0">
+              <a:schemeClr val="accent1"/>
+            </a:fillRef>
+            <a:effectRef idx="0">
+              <a:schemeClr val="accent1"/>
+            </a:effectRef>
+            <a:fontRef idx="minor">
+              <a:schemeClr val="tx1"/>
+            </a:fontRef>
+          </p:style>
+        </p:cxnSp>
+      </p:grpSp>
+      <mc:AlternateContent xmlns:mc="http://schemas.openxmlformats.org/markup-compatibility/2006" xmlns:a14="http://schemas.microsoft.com/office/drawing/2010/main">
+        <mc:Choice Requires="a14">
+          <p:sp>
+            <p:nvSpPr>
+              <p:cNvPr id="82" name="ZoneTexte 81">
+                <a:extLst>
+                  <a:ext uri="{FF2B5EF4-FFF2-40B4-BE49-F238E27FC236}">
+                    <a16:creationId xmlns:a16="http://schemas.microsoft.com/office/drawing/2014/main" id="{ADB9C310-9827-43C8-99EA-129C0B5E9A26}"/>
+                  </a:ext>
+                </a:extLst>
+              </p:cNvPr>
+              <p:cNvSpPr txBox="1"/>
+              <p:nvPr/>
+            </p:nvSpPr>
+            <p:spPr>
+              <a:xfrm>
+                <a:off x="3535263" y="5640767"/>
+                <a:ext cx="406714" cy="253916"/>
               </a:xfrm>
               <a:prstGeom prst="rect">
                 <a:avLst/>
@@ -4510,12 +7212,43 @@
                       <m:jc m:val="centerGroup"/>
                     </m:oMathParaPr>
                     <m:oMath xmlns:m="http://schemas.openxmlformats.org/officeDocument/2006/math">
-                      <m:r>
-                        <a:rPr lang="fr-FR" sz="1050" b="0" i="1" smtClean="0">
-                          <a:latin typeface="Cambria Math" panose="02040503050406030204" pitchFamily="18" charset="0"/>
-                        </a:rPr>
-                        <m:t>𝜑</m:t>
-                      </m:r>
+                      <m:acc>
+                        <m:accPr>
+                          <m:chr m:val="⃗"/>
+                          <m:ctrlPr>
+                            <a:rPr lang="fr-FR" sz="1050" b="0" i="1" smtClean="0">
+                              <a:latin typeface="Cambria Math" panose="02040503050406030204" pitchFamily="18" charset="0"/>
+                            </a:rPr>
+                          </m:ctrlPr>
+                        </m:accPr>
+                        <m:e>
+                          <m:sSub>
+                            <m:sSubPr>
+                              <m:ctrlPr>
+                                <a:rPr lang="fr-FR" sz="1050" b="0" i="1" smtClean="0">
+                                  <a:latin typeface="Cambria Math" panose="02040503050406030204" pitchFamily="18" charset="0"/>
+                                </a:rPr>
+                              </m:ctrlPr>
+                            </m:sSubPr>
+                            <m:e>
+                              <m:r>
+                                <a:rPr lang="fr-FR" sz="1050" i="1" smtClean="0">
+                                  <a:latin typeface="Cambria Math" panose="02040503050406030204" pitchFamily="18" charset="0"/>
+                                </a:rPr>
+                                <m:t>𝑛</m:t>
+                              </m:r>
+                            </m:e>
+                            <m:sub>
+                              <m:r>
+                                <a:rPr lang="fr-FR" sz="1050" b="0" i="1" smtClean="0">
+                                  <a:latin typeface="Cambria Math" panose="02040503050406030204" pitchFamily="18" charset="0"/>
+                                </a:rPr>
+                                <m:t>12</m:t>
+                              </m:r>
+                            </m:sub>
+                          </m:sSub>
+                        </m:e>
+                      </m:acc>
                     </m:oMath>
                   </m:oMathPara>
                 </a14:m>
@@ -4527,7 +7260,13 @@
         <mc:Fallback xmlns="">
           <p:sp>
             <p:nvSpPr>
-              <p:cNvPr id="19" name="ZoneTexte 18"/>
+              <p:cNvPr id="82" name="ZoneTexte 81">
+                <a:extLst>
+                  <a:ext uri="{FF2B5EF4-FFF2-40B4-BE49-F238E27FC236}">
+                    <a16:creationId xmlns:a16="http://schemas.microsoft.com/office/drawing/2014/main" id="{ADB9C310-9827-43C8-99EA-129C0B5E9A26}"/>
+                  </a:ext>
+                </a:extLst>
+              </p:cNvPr>
               <p:cNvSpPr txBox="1">
                 <a:spLocks noRot="1" noChangeAspect="1" noMove="1" noResize="1" noEditPoints="1" noAdjustHandles="1" noChangeArrowheads="1" noChangeShapeType="1" noTextEdit="1"/>
               </p:cNvSpPr>
@@ -4535,16 +7274,937 @@
             </p:nvSpPr>
             <p:spPr>
               <a:xfrm>
-                <a:off x="4562946" y="3862158"/>
-                <a:ext cx="309379" cy="253916"/>
+                <a:off x="3535263" y="5640767"/>
+                <a:ext cx="406714" cy="253916"/>
               </a:xfrm>
               <a:prstGeom prst="rect">
                 <a:avLst/>
               </a:prstGeom>
               <a:blipFill>
-                <a:blip r:embed="rId2"/>
+                <a:blip r:embed="rId6"/>
                 <a:stretch>
                   <a:fillRect/>
+                </a:stretch>
+              </a:blipFill>
+            </p:spPr>
+            <p:txBody>
+              <a:bodyPr/>
+              <a:lstStyle/>
+              <a:p>
+                <a:r>
+                  <a:rPr lang="fr-FR">
+                    <a:noFill/>
+                  </a:rPr>
+                  <a:t> </a:t>
+                </a:r>
+              </a:p>
+            </p:txBody>
+          </p:sp>
+        </mc:Fallback>
+      </mc:AlternateContent>
+      <p:sp>
+        <p:nvSpPr>
+          <p:cNvPr id="83" name="Triangle isocèle 82">
+            <a:extLst>
+              <a:ext uri="{FF2B5EF4-FFF2-40B4-BE49-F238E27FC236}">
+                <a16:creationId xmlns:a16="http://schemas.microsoft.com/office/drawing/2014/main" id="{0700F230-4966-4146-80A6-6FD84D80122B}"/>
+              </a:ext>
+            </a:extLst>
+          </p:cNvPr>
+          <p:cNvSpPr/>
+          <p:nvPr/>
+        </p:nvSpPr>
+        <p:spPr>
+          <a:xfrm flipV="1">
+            <a:off x="3367776" y="5098410"/>
+            <a:ext cx="967558" cy="1498454"/>
+          </a:xfrm>
+          <a:prstGeom prst="triangle">
+            <a:avLst/>
+          </a:prstGeom>
+          <a:noFill/>
+          <a:ln w="12700">
+            <a:solidFill>
+              <a:srgbClr val="FF0000"/>
+            </a:solidFill>
+            <a:prstDash val="sysDot"/>
+          </a:ln>
+        </p:spPr>
+        <p:style>
+          <a:lnRef idx="2">
+            <a:schemeClr val="accent1">
+              <a:shade val="50000"/>
+            </a:schemeClr>
+          </a:lnRef>
+          <a:fillRef idx="1">
+            <a:schemeClr val="accent1"/>
+          </a:fillRef>
+          <a:effectRef idx="0">
+            <a:schemeClr val="accent1"/>
+          </a:effectRef>
+          <a:fontRef idx="minor">
+            <a:schemeClr val="lt1"/>
+          </a:fontRef>
+        </p:style>
+        <p:txBody>
+          <a:bodyPr rtlCol="0" anchor="ctr"/>
+          <a:lstStyle/>
+          <a:p>
+            <a:pPr algn="ctr"/>
+            <a:endParaRPr lang="fr-FR"/>
+          </a:p>
+        </p:txBody>
+      </p:sp>
+      <mc:AlternateContent xmlns:mc="http://schemas.openxmlformats.org/markup-compatibility/2006" xmlns:a14="http://schemas.microsoft.com/office/drawing/2010/main">
+        <mc:Choice Requires="a14">
+          <p:sp>
+            <p:nvSpPr>
+              <p:cNvPr id="84" name="ZoneTexte 83">
+                <a:extLst>
+                  <a:ext uri="{FF2B5EF4-FFF2-40B4-BE49-F238E27FC236}">
+                    <a16:creationId xmlns:a16="http://schemas.microsoft.com/office/drawing/2014/main" id="{86F81F52-482A-4177-98EB-CC571DDCF709}"/>
+                  </a:ext>
+                </a:extLst>
+              </p:cNvPr>
+              <p:cNvSpPr txBox="1"/>
+              <p:nvPr/>
+            </p:nvSpPr>
+            <p:spPr>
+              <a:xfrm>
+                <a:off x="3302423" y="5177645"/>
+                <a:ext cx="609590" cy="253916"/>
+              </a:xfrm>
+              <a:prstGeom prst="rect">
+                <a:avLst/>
+              </a:prstGeom>
+              <a:noFill/>
+            </p:spPr>
+            <p:txBody>
+              <a:bodyPr wrap="none" rtlCol="0">
+                <a:spAutoFit/>
+              </a:bodyPr>
+              <a:lstStyle/>
+              <a:p>
+                <a:pPr/>
+                <a14:m>
+                  <m:oMathPara xmlns:m="http://schemas.openxmlformats.org/officeDocument/2006/math">
+                    <m:oMathParaPr>
+                      <m:jc m:val="centerGroup"/>
+                    </m:oMathParaPr>
+                    <m:oMath xmlns:m="http://schemas.openxmlformats.org/officeDocument/2006/math">
+                      <m:sSub>
+                        <m:sSubPr>
+                          <m:ctrlPr>
+                            <a:rPr lang="fr-FR" sz="1050" i="1">
+                              <a:latin typeface="Cambria Math" panose="02040503050406030204" pitchFamily="18" charset="0"/>
+                            </a:rPr>
+                          </m:ctrlPr>
+                        </m:sSubPr>
+                        <m:e>
+                          <m:r>
+                            <a:rPr lang="fr-FR" sz="1050" i="1">
+                              <a:latin typeface="Cambria Math" panose="02040503050406030204" pitchFamily="18" charset="0"/>
+                            </a:rPr>
+                            <m:t>𝑁</m:t>
+                          </m:r>
+                        </m:e>
+                        <m:sub>
+                          <m:r>
+                            <a:rPr lang="fr-FR" sz="1050" i="1">
+                              <a:latin typeface="Cambria Math" panose="02040503050406030204" pitchFamily="18" charset="0"/>
+                            </a:rPr>
+                            <m:t>12</m:t>
+                          </m:r>
+                        </m:sub>
+                      </m:sSub>
+                      <m:acc>
+                        <m:accPr>
+                          <m:chr m:val="⃗"/>
+                          <m:ctrlPr>
+                            <a:rPr lang="fr-FR" sz="1050" b="0" i="1" smtClean="0">
+                              <a:latin typeface="Cambria Math" panose="02040503050406030204" pitchFamily="18" charset="0"/>
+                            </a:rPr>
+                          </m:ctrlPr>
+                        </m:accPr>
+                        <m:e>
+                          <m:sSub>
+                            <m:sSubPr>
+                              <m:ctrlPr>
+                                <a:rPr lang="fr-FR" sz="1050" b="0" i="1" smtClean="0">
+                                  <a:latin typeface="Cambria Math" panose="02040503050406030204" pitchFamily="18" charset="0"/>
+                                </a:rPr>
+                              </m:ctrlPr>
+                            </m:sSubPr>
+                            <m:e>
+                              <m:r>
+                                <a:rPr lang="fr-FR" sz="1050" i="1" smtClean="0">
+                                  <a:latin typeface="Cambria Math" panose="02040503050406030204" pitchFamily="18" charset="0"/>
+                                </a:rPr>
+                                <m:t>𝑛</m:t>
+                              </m:r>
+                            </m:e>
+                            <m:sub>
+                              <m:r>
+                                <a:rPr lang="fr-FR" sz="1050" b="0" i="1" smtClean="0">
+                                  <a:latin typeface="Cambria Math" panose="02040503050406030204" pitchFamily="18" charset="0"/>
+                                </a:rPr>
+                                <m:t>12</m:t>
+                              </m:r>
+                            </m:sub>
+                          </m:sSub>
+                        </m:e>
+                      </m:acc>
+                    </m:oMath>
+                  </m:oMathPara>
+                </a14:m>
+                <a:endParaRPr lang="fr-FR" sz="1050" dirty="0"/>
+              </a:p>
+            </p:txBody>
+          </p:sp>
+        </mc:Choice>
+        <mc:Fallback xmlns="">
+          <p:sp>
+            <p:nvSpPr>
+              <p:cNvPr id="84" name="ZoneTexte 83">
+                <a:extLst>
+                  <a:ext uri="{FF2B5EF4-FFF2-40B4-BE49-F238E27FC236}">
+                    <a16:creationId xmlns:a16="http://schemas.microsoft.com/office/drawing/2014/main" id="{86F81F52-482A-4177-98EB-CC571DDCF709}"/>
+                  </a:ext>
+                </a:extLst>
+              </p:cNvPr>
+              <p:cNvSpPr txBox="1">
+                <a:spLocks noRot="1" noChangeAspect="1" noMove="1" noResize="1" noEditPoints="1" noAdjustHandles="1" noChangeArrowheads="1" noChangeShapeType="1" noTextEdit="1"/>
+              </p:cNvSpPr>
+              <p:nvPr/>
+            </p:nvSpPr>
+            <p:spPr>
+              <a:xfrm>
+                <a:off x="3302423" y="5177645"/>
+                <a:ext cx="609590" cy="253916"/>
+              </a:xfrm>
+              <a:prstGeom prst="rect">
+                <a:avLst/>
+              </a:prstGeom>
+              <a:blipFill>
+                <a:blip r:embed="rId7"/>
+                <a:stretch>
+                  <a:fillRect/>
+                </a:stretch>
+              </a:blipFill>
+            </p:spPr>
+            <p:txBody>
+              <a:bodyPr/>
+              <a:lstStyle/>
+              <a:p>
+                <a:r>
+                  <a:rPr lang="fr-FR">
+                    <a:noFill/>
+                  </a:rPr>
+                  <a:t> </a:t>
+                </a:r>
+              </a:p>
+            </p:txBody>
+          </p:sp>
+        </mc:Fallback>
+      </mc:AlternateContent>
+      <p:cxnSp>
+        <p:nvCxnSpPr>
+          <p:cNvPr id="85" name="Connecteur droit 84">
+            <a:extLst>
+              <a:ext uri="{FF2B5EF4-FFF2-40B4-BE49-F238E27FC236}">
+                <a16:creationId xmlns:a16="http://schemas.microsoft.com/office/drawing/2014/main" id="{9A0DE60F-0724-47E8-A3A9-C372F05BE9D7}"/>
+              </a:ext>
+            </a:extLst>
+          </p:cNvPr>
+          <p:cNvCxnSpPr>
+            <a:stCxn id="83" idx="0"/>
+            <a:endCxn id="83" idx="4"/>
+          </p:cNvCxnSpPr>
+          <p:nvPr/>
+        </p:nvCxnSpPr>
+        <p:spPr>
+          <a:xfrm flipV="1">
+            <a:off x="3851555" y="5098410"/>
+            <a:ext cx="483779" cy="1498454"/>
+          </a:xfrm>
+          <a:prstGeom prst="line">
+            <a:avLst/>
+          </a:prstGeom>
+          <a:ln w="19050">
+            <a:solidFill>
+              <a:srgbClr val="FF0000"/>
+            </a:solidFill>
+            <a:tailEnd type="stealth" w="med" len="lg"/>
+          </a:ln>
+        </p:spPr>
+        <p:style>
+          <a:lnRef idx="1">
+            <a:schemeClr val="accent1"/>
+          </a:lnRef>
+          <a:fillRef idx="0">
+            <a:schemeClr val="accent1"/>
+          </a:fillRef>
+          <a:effectRef idx="0">
+            <a:schemeClr val="accent1"/>
+          </a:effectRef>
+          <a:fontRef idx="minor">
+            <a:schemeClr val="tx1"/>
+          </a:fontRef>
+        </p:style>
+      </p:cxnSp>
+      <mc:AlternateContent xmlns:mc="http://schemas.openxmlformats.org/markup-compatibility/2006" xmlns:a14="http://schemas.microsoft.com/office/drawing/2010/main">
+        <mc:Choice Requires="a14">
+          <p:sp>
+            <p:nvSpPr>
+              <p:cNvPr id="86" name="ZoneTexte 85">
+                <a:extLst>
+                  <a:ext uri="{FF2B5EF4-FFF2-40B4-BE49-F238E27FC236}">
+                    <a16:creationId xmlns:a16="http://schemas.microsoft.com/office/drawing/2014/main" id="{D2C3D33E-B60E-4F3A-860B-7B6AB1399CD8}"/>
+                  </a:ext>
+                </a:extLst>
+              </p:cNvPr>
+              <p:cNvSpPr txBox="1"/>
+              <p:nvPr/>
+            </p:nvSpPr>
+            <p:spPr>
+              <a:xfrm>
+                <a:off x="4238492" y="5167802"/>
+                <a:ext cx="396775" cy="273601"/>
+              </a:xfrm>
+              <a:prstGeom prst="rect">
+                <a:avLst/>
+              </a:prstGeom>
+              <a:noFill/>
+            </p:spPr>
+            <p:txBody>
+              <a:bodyPr wrap="none" rtlCol="0">
+                <a:spAutoFit/>
+              </a:bodyPr>
+              <a:lstStyle/>
+              <a:p>
+                <a:pPr/>
+                <a14:m>
+                  <m:oMathPara xmlns:m="http://schemas.openxmlformats.org/officeDocument/2006/math">
+                    <m:oMathParaPr>
+                      <m:jc m:val="centerGroup"/>
+                    </m:oMathParaPr>
+                    <m:oMath xmlns:m="http://schemas.openxmlformats.org/officeDocument/2006/math">
+                      <m:acc>
+                        <m:accPr>
+                          <m:chr m:val="⃗"/>
+                          <m:ctrlPr>
+                            <a:rPr lang="fr-FR" sz="1050" b="0" i="1" smtClean="0">
+                              <a:latin typeface="Cambria Math" panose="02040503050406030204" pitchFamily="18" charset="0"/>
+                            </a:rPr>
+                          </m:ctrlPr>
+                        </m:accPr>
+                        <m:e>
+                          <m:sSub>
+                            <m:sSubPr>
+                              <m:ctrlPr>
+                                <a:rPr lang="fr-FR" sz="1050" b="0" i="1" smtClean="0">
+                                  <a:latin typeface="Cambria Math" panose="02040503050406030204" pitchFamily="18" charset="0"/>
+                                </a:rPr>
+                              </m:ctrlPr>
+                            </m:sSubPr>
+                            <m:e>
+                              <m:r>
+                                <a:rPr lang="fr-FR" sz="1050" b="0" i="1" smtClean="0">
+                                  <a:latin typeface="Cambria Math" panose="02040503050406030204" pitchFamily="18" charset="0"/>
+                                </a:rPr>
+                                <m:t>𝐹</m:t>
+                              </m:r>
+                            </m:e>
+                            <m:sub>
+                              <m:r>
+                                <a:rPr lang="fr-FR" sz="1050" b="0" i="1" smtClean="0">
+                                  <a:latin typeface="Cambria Math" panose="02040503050406030204" pitchFamily="18" charset="0"/>
+                                </a:rPr>
+                                <m:t>12</m:t>
+                              </m:r>
+                            </m:sub>
+                          </m:sSub>
+                        </m:e>
+                      </m:acc>
+                    </m:oMath>
+                  </m:oMathPara>
+                </a14:m>
+                <a:endParaRPr lang="fr-FR" sz="1050" dirty="0"/>
+              </a:p>
+            </p:txBody>
+          </p:sp>
+        </mc:Choice>
+        <mc:Fallback xmlns="">
+          <p:sp>
+            <p:nvSpPr>
+              <p:cNvPr id="86" name="ZoneTexte 85">
+                <a:extLst>
+                  <a:ext uri="{FF2B5EF4-FFF2-40B4-BE49-F238E27FC236}">
+                    <a16:creationId xmlns:a16="http://schemas.microsoft.com/office/drawing/2014/main" id="{D2C3D33E-B60E-4F3A-860B-7B6AB1399CD8}"/>
+                  </a:ext>
+                </a:extLst>
+              </p:cNvPr>
+              <p:cNvSpPr txBox="1">
+                <a:spLocks noRot="1" noChangeAspect="1" noMove="1" noResize="1" noEditPoints="1" noAdjustHandles="1" noChangeArrowheads="1" noChangeShapeType="1" noTextEdit="1"/>
+              </p:cNvSpPr>
+              <p:nvPr/>
+            </p:nvSpPr>
+            <p:spPr>
+              <a:xfrm>
+                <a:off x="4238492" y="5167802"/>
+                <a:ext cx="396775" cy="273601"/>
+              </a:xfrm>
+              <a:prstGeom prst="rect">
+                <a:avLst/>
+              </a:prstGeom>
+              <a:blipFill>
+                <a:blip r:embed="rId8"/>
+                <a:stretch>
+                  <a:fillRect/>
+                </a:stretch>
+              </a:blipFill>
+            </p:spPr>
+            <p:txBody>
+              <a:bodyPr/>
+              <a:lstStyle/>
+              <a:p>
+                <a:r>
+                  <a:rPr lang="fr-FR">
+                    <a:noFill/>
+                  </a:rPr>
+                  <a:t> </a:t>
+                </a:r>
+              </a:p>
+            </p:txBody>
+          </p:sp>
+        </mc:Fallback>
+      </mc:AlternateContent>
+      <p:cxnSp>
+        <p:nvCxnSpPr>
+          <p:cNvPr id="87" name="Connecteur droit 86">
+            <a:extLst>
+              <a:ext uri="{FF2B5EF4-FFF2-40B4-BE49-F238E27FC236}">
+                <a16:creationId xmlns:a16="http://schemas.microsoft.com/office/drawing/2014/main" id="{A4C66621-3AC0-406A-AC2C-1585B9A41B04}"/>
+              </a:ext>
+            </a:extLst>
+          </p:cNvPr>
+          <p:cNvCxnSpPr>
+            <a:cxnSpLocks/>
+          </p:cNvCxnSpPr>
+          <p:nvPr/>
+        </p:nvCxnSpPr>
+        <p:spPr>
+          <a:xfrm>
+            <a:off x="6212606" y="1581929"/>
+            <a:ext cx="1296482" cy="0"/>
+          </a:xfrm>
+          <a:prstGeom prst="line">
+            <a:avLst/>
+          </a:prstGeom>
+          <a:ln>
+            <a:solidFill>
+              <a:schemeClr val="tx1"/>
+            </a:solidFill>
+            <a:headEnd type="stealth" w="sm" len="lg"/>
+            <a:tailEnd type="stealth" w="sm" len="lg"/>
+          </a:ln>
+        </p:spPr>
+        <p:style>
+          <a:lnRef idx="1">
+            <a:schemeClr val="accent1"/>
+          </a:lnRef>
+          <a:fillRef idx="0">
+            <a:schemeClr val="accent1"/>
+          </a:fillRef>
+          <a:effectRef idx="0">
+            <a:schemeClr val="accent1"/>
+          </a:effectRef>
+          <a:fontRef idx="minor">
+            <a:schemeClr val="tx1"/>
+          </a:fontRef>
+        </p:style>
+      </p:cxnSp>
+      <p:cxnSp>
+        <p:nvCxnSpPr>
+          <p:cNvPr id="89" name="Connecteur droit 88">
+            <a:extLst>
+              <a:ext uri="{FF2B5EF4-FFF2-40B4-BE49-F238E27FC236}">
+                <a16:creationId xmlns:a16="http://schemas.microsoft.com/office/drawing/2014/main" id="{BA8E253B-09A0-4D2C-A2CE-CBBFC463CABA}"/>
+              </a:ext>
+            </a:extLst>
+          </p:cNvPr>
+          <p:cNvCxnSpPr>
+            <a:cxnSpLocks/>
+          </p:cNvCxnSpPr>
+          <p:nvPr/>
+        </p:nvCxnSpPr>
+        <p:spPr>
+          <a:xfrm>
+            <a:off x="7509088" y="980728"/>
+            <a:ext cx="0" cy="817201"/>
+          </a:xfrm>
+          <a:prstGeom prst="line">
+            <a:avLst/>
+          </a:prstGeom>
+          <a:ln w="12700">
+            <a:solidFill>
+              <a:schemeClr val="accent6">
+                <a:lumMod val="75000"/>
+              </a:schemeClr>
+            </a:solidFill>
+            <a:prstDash val="lgDashDot"/>
+          </a:ln>
+        </p:spPr>
+        <p:style>
+          <a:lnRef idx="1">
+            <a:schemeClr val="accent1"/>
+          </a:lnRef>
+          <a:fillRef idx="0">
+            <a:schemeClr val="accent1"/>
+          </a:fillRef>
+          <a:effectRef idx="0">
+            <a:schemeClr val="accent1"/>
+          </a:effectRef>
+          <a:fontRef idx="minor">
+            <a:schemeClr val="tx1"/>
+          </a:fontRef>
+        </p:style>
+      </p:cxnSp>
+      <mc:AlternateContent xmlns:mc="http://schemas.openxmlformats.org/markup-compatibility/2006">
+        <mc:Choice xmlns:a14="http://schemas.microsoft.com/office/drawing/2010/main" Requires="a14">
+          <p:sp>
+            <p:nvSpPr>
+              <p:cNvPr id="92" name="ZoneTexte 91">
+                <a:extLst>
+                  <a:ext uri="{FF2B5EF4-FFF2-40B4-BE49-F238E27FC236}">
+                    <a16:creationId xmlns:a16="http://schemas.microsoft.com/office/drawing/2014/main" id="{74EB97B7-9C43-44B1-BDED-F6CF0AE91D93}"/>
+                  </a:ext>
+                </a:extLst>
+              </p:cNvPr>
+              <p:cNvSpPr txBox="1"/>
+              <p:nvPr/>
+            </p:nvSpPr>
+            <p:spPr>
+              <a:xfrm>
+                <a:off x="6909985" y="1412776"/>
+                <a:ext cx="105670" cy="169277"/>
+              </a:xfrm>
+              <a:prstGeom prst="rect">
+                <a:avLst/>
+              </a:prstGeom>
+              <a:noFill/>
+            </p:spPr>
+            <p:txBody>
+              <a:bodyPr wrap="none" lIns="0" tIns="0" rIns="0" bIns="0" rtlCol="0">
+                <a:spAutoFit/>
+              </a:bodyPr>
+              <a:lstStyle/>
+              <a:p>
+                <a:pPr/>
+                <a14:m>
+                  <m:oMathPara xmlns:m="http://schemas.openxmlformats.org/officeDocument/2006/math">
+                    <m:oMathParaPr>
+                      <m:jc m:val="centerGroup"/>
+                    </m:oMathParaPr>
+                    <m:oMath xmlns:m="http://schemas.openxmlformats.org/officeDocument/2006/math">
+                      <m:r>
+                        <a:rPr lang="fr-FR" sz="1100" b="0" i="1" smtClean="0">
+                          <a:latin typeface="Cambria Math" panose="02040503050406030204" pitchFamily="18" charset="0"/>
+                        </a:rPr>
+                        <m:t>𝑒</m:t>
+                      </m:r>
+                    </m:oMath>
+                  </m:oMathPara>
+                </a14:m>
+                <a:endParaRPr lang="fr-FR" sz="1100" i="1" dirty="0"/>
+              </a:p>
+            </p:txBody>
+          </p:sp>
+        </mc:Choice>
+        <mc:Fallback>
+          <p:sp>
+            <p:nvSpPr>
+              <p:cNvPr id="92" name="ZoneTexte 91">
+                <a:extLst>
+                  <a:ext uri="{FF2B5EF4-FFF2-40B4-BE49-F238E27FC236}">
+                    <a16:creationId xmlns:a16="http://schemas.microsoft.com/office/drawing/2014/main" id="{74EB97B7-9C43-44B1-BDED-F6CF0AE91D93}"/>
+                  </a:ext>
+                </a:extLst>
+              </p:cNvPr>
+              <p:cNvSpPr txBox="1">
+                <a:spLocks noRot="1" noChangeAspect="1" noMove="1" noResize="1" noEditPoints="1" noAdjustHandles="1" noChangeArrowheads="1" noChangeShapeType="1" noTextEdit="1"/>
+              </p:cNvSpPr>
+              <p:nvPr/>
+            </p:nvSpPr>
+            <p:spPr>
+              <a:xfrm>
+                <a:off x="6909985" y="1412776"/>
+                <a:ext cx="105670" cy="169277"/>
+              </a:xfrm>
+              <a:prstGeom prst="rect">
+                <a:avLst/>
+              </a:prstGeom>
+              <a:blipFill>
+                <a:blip r:embed="rId9"/>
+                <a:stretch>
+                  <a:fillRect l="-17647" r="-17647"/>
+                </a:stretch>
+              </a:blipFill>
+            </p:spPr>
+            <p:txBody>
+              <a:bodyPr/>
+              <a:lstStyle/>
+              <a:p>
+                <a:r>
+                  <a:rPr lang="fr-FR">
+                    <a:noFill/>
+                  </a:rPr>
+                  <a:t> </a:t>
+                </a:r>
+              </a:p>
+            </p:txBody>
+          </p:sp>
+        </mc:Fallback>
+      </mc:AlternateContent>
+      <mc:AlternateContent xmlns:mc="http://schemas.openxmlformats.org/markup-compatibility/2006">
+        <mc:Choice xmlns:a14="http://schemas.microsoft.com/office/drawing/2010/main" Requires="a14">
+          <p:sp>
+            <p:nvSpPr>
+              <p:cNvPr id="62" name="ZoneTexte 61">
+                <a:extLst>
+                  <a:ext uri="{FF2B5EF4-FFF2-40B4-BE49-F238E27FC236}">
+                    <a16:creationId xmlns:a16="http://schemas.microsoft.com/office/drawing/2014/main" id="{13D22C96-77BE-4F7C-A3C0-1446AD2BA90A}"/>
+                  </a:ext>
+                </a:extLst>
+              </p:cNvPr>
+              <p:cNvSpPr txBox="1"/>
+              <p:nvPr/>
+            </p:nvSpPr>
+            <p:spPr>
+              <a:xfrm>
+                <a:off x="7634317" y="841447"/>
+                <a:ext cx="121700" cy="184666"/>
+              </a:xfrm>
+              <a:prstGeom prst="rect">
+                <a:avLst/>
+              </a:prstGeom>
+              <a:noFill/>
+            </p:spPr>
+            <p:txBody>
+              <a:bodyPr wrap="none" lIns="0" tIns="0" rIns="0" bIns="0" rtlCol="0">
+                <a:spAutoFit/>
+              </a:bodyPr>
+              <a:lstStyle/>
+              <a:p>
+                <a:pPr/>
+                <a14:m>
+                  <m:oMathPara xmlns:m="http://schemas.openxmlformats.org/officeDocument/2006/math">
+                    <m:oMathParaPr>
+                      <m:jc m:val="centerGroup"/>
+                    </m:oMathParaPr>
+                    <m:oMath xmlns:m="http://schemas.openxmlformats.org/officeDocument/2006/math">
+                      <m:acc>
+                        <m:accPr>
+                          <m:chr m:val="⃗"/>
+                          <m:ctrlPr>
+                            <a:rPr lang="fr-FR" sz="1200" b="0" i="1" smtClean="0">
+                              <a:latin typeface="Cambria Math" panose="02040503050406030204" pitchFamily="18" charset="0"/>
+                            </a:rPr>
+                          </m:ctrlPr>
+                        </m:accPr>
+                        <m:e>
+                          <m:r>
+                            <a:rPr lang="fr-FR" sz="1200" b="0" i="1" smtClean="0">
+                              <a:latin typeface="Cambria Math" panose="02040503050406030204" pitchFamily="18" charset="0"/>
+                            </a:rPr>
+                            <m:t>𝑥</m:t>
+                          </m:r>
+                        </m:e>
+                      </m:acc>
+                    </m:oMath>
+                  </m:oMathPara>
+                </a14:m>
+                <a:endParaRPr lang="fr-FR" sz="1200" dirty="0"/>
+              </a:p>
+            </p:txBody>
+          </p:sp>
+        </mc:Choice>
+        <mc:Fallback>
+          <p:sp>
+            <p:nvSpPr>
+              <p:cNvPr id="62" name="ZoneTexte 61">
+                <a:extLst>
+                  <a:ext uri="{FF2B5EF4-FFF2-40B4-BE49-F238E27FC236}">
+                    <a16:creationId xmlns:a16="http://schemas.microsoft.com/office/drawing/2014/main" id="{13D22C96-77BE-4F7C-A3C0-1446AD2BA90A}"/>
+                  </a:ext>
+                </a:extLst>
+              </p:cNvPr>
+              <p:cNvSpPr txBox="1">
+                <a:spLocks noRot="1" noChangeAspect="1" noMove="1" noResize="1" noEditPoints="1" noAdjustHandles="1" noChangeArrowheads="1" noChangeShapeType="1" noTextEdit="1"/>
+              </p:cNvSpPr>
+              <p:nvPr/>
+            </p:nvSpPr>
+            <p:spPr>
+              <a:xfrm>
+                <a:off x="7634317" y="841447"/>
+                <a:ext cx="121700" cy="184666"/>
+              </a:xfrm>
+              <a:prstGeom prst="rect">
+                <a:avLst/>
+              </a:prstGeom>
+              <a:blipFill>
+                <a:blip r:embed="rId10"/>
+                <a:stretch>
+                  <a:fillRect l="-15000" t="-26667" r="-90000"/>
+                </a:stretch>
+              </a:blipFill>
+            </p:spPr>
+            <p:txBody>
+              <a:bodyPr/>
+              <a:lstStyle/>
+              <a:p>
+                <a:r>
+                  <a:rPr lang="fr-FR">
+                    <a:noFill/>
+                  </a:rPr>
+                  <a:t> </a:t>
+                </a:r>
+              </a:p>
+            </p:txBody>
+          </p:sp>
+        </mc:Fallback>
+      </mc:AlternateContent>
+      <mc:AlternateContent xmlns:mc="http://schemas.openxmlformats.org/markup-compatibility/2006">
+        <mc:Choice xmlns:a14="http://schemas.microsoft.com/office/drawing/2010/main" Requires="a14">
+          <p:sp>
+            <p:nvSpPr>
+              <p:cNvPr id="63" name="ZoneTexte 62">
+                <a:extLst>
+                  <a:ext uri="{FF2B5EF4-FFF2-40B4-BE49-F238E27FC236}">
+                    <a16:creationId xmlns:a16="http://schemas.microsoft.com/office/drawing/2014/main" id="{9F75192A-F87B-4508-A0DB-C44F5354A9BD}"/>
+                  </a:ext>
+                </a:extLst>
+              </p:cNvPr>
+              <p:cNvSpPr txBox="1"/>
+              <p:nvPr/>
+            </p:nvSpPr>
+            <p:spPr>
+              <a:xfrm>
+                <a:off x="6054243" y="193321"/>
+                <a:ext cx="124458" cy="184666"/>
+              </a:xfrm>
+              <a:prstGeom prst="rect">
+                <a:avLst/>
+              </a:prstGeom>
+              <a:noFill/>
+            </p:spPr>
+            <p:txBody>
+              <a:bodyPr wrap="none" lIns="0" tIns="0" rIns="0" bIns="0" rtlCol="0">
+                <a:spAutoFit/>
+              </a:bodyPr>
+              <a:lstStyle/>
+              <a:p>
+                <a:pPr/>
+                <a14:m>
+                  <m:oMathPara xmlns:m="http://schemas.openxmlformats.org/officeDocument/2006/math">
+                    <m:oMathParaPr>
+                      <m:jc m:val="centerGroup"/>
+                    </m:oMathParaPr>
+                    <m:oMath xmlns:m="http://schemas.openxmlformats.org/officeDocument/2006/math">
+                      <m:acc>
+                        <m:accPr>
+                          <m:chr m:val="⃗"/>
+                          <m:ctrlPr>
+                            <a:rPr lang="fr-FR" sz="1200" b="0" i="1" smtClean="0">
+                              <a:latin typeface="Cambria Math" panose="02040503050406030204" pitchFamily="18" charset="0"/>
+                            </a:rPr>
+                          </m:ctrlPr>
+                        </m:accPr>
+                        <m:e>
+                          <m:r>
+                            <a:rPr lang="fr-FR" sz="1200" b="0" i="1" smtClean="0">
+                              <a:latin typeface="Cambria Math" panose="02040503050406030204" pitchFamily="18" charset="0"/>
+                            </a:rPr>
+                            <m:t>𝑦</m:t>
+                          </m:r>
+                        </m:e>
+                      </m:acc>
+                    </m:oMath>
+                  </m:oMathPara>
+                </a14:m>
+                <a:endParaRPr lang="fr-FR" sz="1200" dirty="0"/>
+              </a:p>
+            </p:txBody>
+          </p:sp>
+        </mc:Choice>
+        <mc:Fallback>
+          <p:sp>
+            <p:nvSpPr>
+              <p:cNvPr id="63" name="ZoneTexte 62">
+                <a:extLst>
+                  <a:ext uri="{FF2B5EF4-FFF2-40B4-BE49-F238E27FC236}">
+                    <a16:creationId xmlns:a16="http://schemas.microsoft.com/office/drawing/2014/main" id="{9F75192A-F87B-4508-A0DB-C44F5354A9BD}"/>
+                  </a:ext>
+                </a:extLst>
+              </p:cNvPr>
+              <p:cNvSpPr txBox="1">
+                <a:spLocks noRot="1" noChangeAspect="1" noMove="1" noResize="1" noEditPoints="1" noAdjustHandles="1" noChangeArrowheads="1" noChangeShapeType="1" noTextEdit="1"/>
+              </p:cNvSpPr>
+              <p:nvPr/>
+            </p:nvSpPr>
+            <p:spPr>
+              <a:xfrm>
+                <a:off x="6054243" y="193321"/>
+                <a:ext cx="124458" cy="184666"/>
+              </a:xfrm>
+              <a:prstGeom prst="rect">
+                <a:avLst/>
+              </a:prstGeom>
+              <a:blipFill>
+                <a:blip r:embed="rId11"/>
+                <a:stretch>
+                  <a:fillRect l="-28571" t="-30000" r="-80952" b="-23333"/>
+                </a:stretch>
+              </a:blipFill>
+            </p:spPr>
+            <p:txBody>
+              <a:bodyPr/>
+              <a:lstStyle/>
+              <a:p>
+                <a:r>
+                  <a:rPr lang="fr-FR">
+                    <a:noFill/>
+                  </a:rPr>
+                  <a:t> </a:t>
+                </a:r>
+              </a:p>
+            </p:txBody>
+          </p:sp>
+        </mc:Fallback>
+      </mc:AlternateContent>
+      <p:cxnSp>
+        <p:nvCxnSpPr>
+          <p:cNvPr id="64" name="Connecteur droit 63">
+            <a:extLst>
+              <a:ext uri="{FF2B5EF4-FFF2-40B4-BE49-F238E27FC236}">
+                <a16:creationId xmlns:a16="http://schemas.microsoft.com/office/drawing/2014/main" id="{F69D41E5-54F1-4717-B0AF-77C47F4DDF0D}"/>
+              </a:ext>
+            </a:extLst>
+          </p:cNvPr>
+          <p:cNvCxnSpPr>
+            <a:cxnSpLocks/>
+          </p:cNvCxnSpPr>
+          <p:nvPr/>
+        </p:nvCxnSpPr>
+        <p:spPr>
+          <a:xfrm>
+            <a:off x="5729584" y="2000079"/>
+            <a:ext cx="0" cy="700921"/>
+          </a:xfrm>
+          <a:prstGeom prst="line">
+            <a:avLst/>
+          </a:prstGeom>
+          <a:ln>
+            <a:solidFill>
+              <a:schemeClr val="tx1"/>
+            </a:solidFill>
+            <a:headEnd type="stealth" w="sm" len="lg"/>
+            <a:tailEnd type="stealth" w="sm" len="lg"/>
+          </a:ln>
+        </p:spPr>
+        <p:style>
+          <a:lnRef idx="1">
+            <a:schemeClr val="accent1"/>
+          </a:lnRef>
+          <a:fillRef idx="0">
+            <a:schemeClr val="accent1"/>
+          </a:fillRef>
+          <a:effectRef idx="0">
+            <a:schemeClr val="accent1"/>
+          </a:effectRef>
+          <a:fontRef idx="minor">
+            <a:schemeClr val="tx1"/>
+          </a:fontRef>
+        </p:style>
+      </p:cxnSp>
+      <mc:AlternateContent xmlns:mc="http://schemas.openxmlformats.org/markup-compatibility/2006">
+        <mc:Choice xmlns:a14="http://schemas.microsoft.com/office/drawing/2010/main" Requires="a14">
+          <p:sp>
+            <p:nvSpPr>
+              <p:cNvPr id="66" name="ZoneTexte 65">
+                <a:extLst>
+                  <a:ext uri="{FF2B5EF4-FFF2-40B4-BE49-F238E27FC236}">
+                    <a16:creationId xmlns:a16="http://schemas.microsoft.com/office/drawing/2014/main" id="{48931125-1379-4C21-BD1D-F967E0763847}"/>
+                  </a:ext>
+                </a:extLst>
+              </p:cNvPr>
+              <p:cNvSpPr txBox="1"/>
+              <p:nvPr/>
+            </p:nvSpPr>
+            <p:spPr>
+              <a:xfrm>
+                <a:off x="5575533" y="2301115"/>
+                <a:ext cx="105798" cy="169277"/>
+              </a:xfrm>
+              <a:prstGeom prst="rect">
+                <a:avLst/>
+              </a:prstGeom>
+              <a:noFill/>
+            </p:spPr>
+            <p:txBody>
+              <a:bodyPr wrap="none" lIns="0" tIns="0" rIns="0" bIns="0" rtlCol="0">
+                <a:spAutoFit/>
+              </a:bodyPr>
+              <a:lstStyle/>
+              <a:p>
+                <a:pPr/>
+                <a14:m>
+                  <m:oMathPara xmlns:m="http://schemas.openxmlformats.org/officeDocument/2006/math">
+                    <m:oMathParaPr>
+                      <m:jc m:val="centerGroup"/>
+                    </m:oMathParaPr>
+                    <m:oMath xmlns:m="http://schemas.openxmlformats.org/officeDocument/2006/math">
+                      <m:r>
+                        <a:rPr lang="fr-FR" sz="1100" b="0" i="1" smtClean="0">
+                          <a:latin typeface="Cambria Math" panose="02040503050406030204" pitchFamily="18" charset="0"/>
+                        </a:rPr>
+                        <m:t>ℓ</m:t>
+                      </m:r>
+                    </m:oMath>
+                  </m:oMathPara>
+                </a14:m>
+                <a:endParaRPr lang="fr-FR" sz="1100" i="1" dirty="0"/>
+              </a:p>
+            </p:txBody>
+          </p:sp>
+        </mc:Choice>
+        <mc:Fallback>
+          <p:sp>
+            <p:nvSpPr>
+              <p:cNvPr id="66" name="ZoneTexte 65">
+                <a:extLst>
+                  <a:ext uri="{FF2B5EF4-FFF2-40B4-BE49-F238E27FC236}">
+                    <a16:creationId xmlns:a16="http://schemas.microsoft.com/office/drawing/2014/main" id="{48931125-1379-4C21-BD1D-F967E0763847}"/>
+                  </a:ext>
+                </a:extLst>
+              </p:cNvPr>
+              <p:cNvSpPr txBox="1">
+                <a:spLocks noRot="1" noChangeAspect="1" noMove="1" noResize="1" noEditPoints="1" noAdjustHandles="1" noChangeArrowheads="1" noChangeShapeType="1" noTextEdit="1"/>
+              </p:cNvSpPr>
+              <p:nvPr/>
+            </p:nvSpPr>
+            <p:spPr>
+              <a:xfrm>
+                <a:off x="5575533" y="2301115"/>
+                <a:ext cx="105798" cy="169277"/>
+              </a:xfrm>
+              <a:prstGeom prst="rect">
+                <a:avLst/>
+              </a:prstGeom>
+              <a:blipFill>
+                <a:blip r:embed="rId12"/>
+                <a:stretch>
+                  <a:fillRect l="-35294" r="-35294" b="-10714"/>
                 </a:stretch>
               </a:blipFill>
             </p:spPr>
@@ -4566,7 +8226,7 @@
     </p:spTree>
     <p:extLst>
       <p:ext uri="{BB962C8B-B14F-4D97-AF65-F5344CB8AC3E}">
-        <p14:creationId xmlns:p14="http://schemas.microsoft.com/office/powerpoint/2010/main" val="1212346111"/>
+        <p14:creationId xmlns:p14="http://schemas.microsoft.com/office/powerpoint/2010/main" val="855731938"/>
       </p:ext>
     </p:extLst>
   </p:cSld>
@@ -4897,7 +8557,7 @@
           <a:p>
             <a:pPr algn="ctr"/>
             <a:r>
-              <a:rPr lang="fr-FR" b="1" dirty="0" smtClean="0">
+              <a:rPr lang="fr-FR" b="1" dirty="0">
                 <a:solidFill>
                   <a:schemeClr val="accent6">
                     <a:lumMod val="50000"/>
@@ -4906,13 +8566,3656 @@
               </a:rPr>
               <a:t>2</a:t>
             </a:r>
-            <a:endParaRPr lang="fr-FR" b="1" dirty="0">
+          </a:p>
+        </p:txBody>
+      </p:sp>
+      <p:sp>
+        <p:nvSpPr>
+          <p:cNvPr id="10" name="Ellipse 9"/>
+          <p:cNvSpPr/>
+          <p:nvPr/>
+        </p:nvSpPr>
+        <p:spPr>
+          <a:xfrm>
+            <a:off x="3199721" y="2206603"/>
+            <a:ext cx="432048" cy="432048"/>
+          </a:xfrm>
+          <a:prstGeom prst="ellipse">
+            <a:avLst/>
+          </a:prstGeom>
+          <a:solidFill>
+            <a:schemeClr val="accent5">
+              <a:lumMod val="20000"/>
+              <a:lumOff val="80000"/>
+            </a:schemeClr>
+          </a:solidFill>
+          <a:ln w="28575">
+            <a:solidFill>
+              <a:schemeClr val="accent5">
+                <a:lumMod val="50000"/>
+              </a:schemeClr>
+            </a:solidFill>
+          </a:ln>
+        </p:spPr>
+        <p:style>
+          <a:lnRef idx="2">
+            <a:schemeClr val="accent1">
+              <a:shade val="50000"/>
+            </a:schemeClr>
+          </a:lnRef>
+          <a:fillRef idx="1">
+            <a:schemeClr val="accent1"/>
+          </a:fillRef>
+          <a:effectRef idx="0">
+            <a:schemeClr val="accent1"/>
+          </a:effectRef>
+          <a:fontRef idx="minor">
+            <a:schemeClr val="lt1"/>
+          </a:fontRef>
+        </p:style>
+        <p:txBody>
+          <a:bodyPr lIns="0" tIns="0" rIns="0" bIns="0" rtlCol="0" anchor="ctr"/>
+          <a:lstStyle/>
+          <a:p>
+            <a:pPr algn="ctr"/>
+            <a:r>
+              <a:rPr lang="fr-FR" b="1" dirty="0">
+                <a:solidFill>
+                  <a:schemeClr val="tx2"/>
+                </a:solidFill>
+              </a:rPr>
+              <a:t>1</a:t>
+            </a:r>
+          </a:p>
+        </p:txBody>
+      </p:sp>
+      <mc:AlternateContent xmlns:mc="http://schemas.openxmlformats.org/markup-compatibility/2006" xmlns:a14="http://schemas.microsoft.com/office/drawing/2010/main">
+        <mc:Choice Requires="a14">
+          <p:sp>
+            <p:nvSpPr>
+              <p:cNvPr id="11" name="ZoneTexte 10"/>
+              <p:cNvSpPr txBox="1"/>
+              <p:nvPr/>
+            </p:nvSpPr>
+            <p:spPr>
+              <a:xfrm>
+                <a:off x="3704702" y="1564425"/>
+                <a:ext cx="148374" cy="276999"/>
+              </a:xfrm>
+              <a:prstGeom prst="rect">
+                <a:avLst/>
+              </a:prstGeom>
+              <a:noFill/>
+            </p:spPr>
+            <p:txBody>
+              <a:bodyPr wrap="none" lIns="0" tIns="0" rIns="0" bIns="0" rtlCol="0">
+                <a:spAutoFit/>
+              </a:bodyPr>
+              <a:lstStyle/>
+              <a:p>
+                <a:pPr/>
+                <a14:m>
+                  <m:oMathPara xmlns:m="http://schemas.openxmlformats.org/officeDocument/2006/math">
+                    <m:oMathParaPr>
+                      <m:jc m:val="centerGroup"/>
+                    </m:oMathParaPr>
+                    <m:oMath xmlns:m="http://schemas.openxmlformats.org/officeDocument/2006/math">
+                      <m:r>
+                        <a:rPr lang="fr-FR" b="0" i="1" smtClean="0">
+                          <a:latin typeface="Cambria Math" panose="02040503050406030204" pitchFamily="18" charset="0"/>
+                        </a:rPr>
+                        <m:t>𝐼</m:t>
+                      </m:r>
+                    </m:oMath>
+                  </m:oMathPara>
+                </a14:m>
+                <a:endParaRPr lang="fr-FR" dirty="0"/>
+              </a:p>
+            </p:txBody>
+          </p:sp>
+        </mc:Choice>
+        <mc:Fallback xmlns="">
+          <p:sp>
+            <p:nvSpPr>
+              <p:cNvPr id="11" name="ZoneTexte 10"/>
+              <p:cNvSpPr txBox="1">
+                <a:spLocks noRot="1" noChangeAspect="1" noMove="1" noResize="1" noEditPoints="1" noAdjustHandles="1" noChangeArrowheads="1" noChangeShapeType="1" noTextEdit="1"/>
+              </p:cNvSpPr>
+              <p:nvPr/>
+            </p:nvSpPr>
+            <p:spPr>
+              <a:xfrm>
+                <a:off x="3704702" y="1564425"/>
+                <a:ext cx="148374" cy="276999"/>
+              </a:xfrm>
+              <a:prstGeom prst="rect">
+                <a:avLst/>
+              </a:prstGeom>
+              <a:blipFill>
+                <a:blip r:embed="rId2"/>
+                <a:stretch>
+                  <a:fillRect l="-41667" r="-29167" b="-6667"/>
+                </a:stretch>
+              </a:blipFill>
+            </p:spPr>
+            <p:txBody>
+              <a:bodyPr/>
+              <a:lstStyle/>
+              <a:p>
+                <a:r>
+                  <a:rPr lang="fr-FR">
+                    <a:noFill/>
+                  </a:rPr>
+                  <a:t> </a:t>
+                </a:r>
+              </a:p>
+            </p:txBody>
+          </p:sp>
+        </mc:Fallback>
+      </mc:AlternateContent>
+      <p:grpSp>
+        <p:nvGrpSpPr>
+          <p:cNvPr id="12" name="Groupe 11"/>
+          <p:cNvGrpSpPr/>
+          <p:nvPr/>
+        </p:nvGrpSpPr>
+        <p:grpSpPr>
+          <a:xfrm>
+            <a:off x="3854755" y="1191798"/>
+            <a:ext cx="792088" cy="792088"/>
+            <a:chOff x="1691680" y="1916832"/>
+            <a:chExt cx="792088" cy="792088"/>
+          </a:xfrm>
+        </p:grpSpPr>
+        <p:cxnSp>
+          <p:nvCxnSpPr>
+            <p:cNvPr id="13" name="Connecteur droit 12"/>
+            <p:cNvCxnSpPr/>
+            <p:nvPr/>
+          </p:nvCxnSpPr>
+          <p:spPr>
+            <a:xfrm flipV="1">
+              <a:off x="1691680" y="1916832"/>
+              <a:ext cx="0" cy="792088"/>
+            </a:xfrm>
+            <a:prstGeom prst="line">
+              <a:avLst/>
+            </a:prstGeom>
+            <a:ln w="19050">
               <a:solidFill>
-                <a:schemeClr val="accent6">
-                  <a:lumMod val="50000"/>
-                </a:schemeClr>
+                <a:schemeClr val="tx1"/>
+              </a:solidFill>
+              <a:tailEnd type="stealth" w="med" len="lg"/>
+            </a:ln>
+          </p:spPr>
+          <p:style>
+            <a:lnRef idx="1">
+              <a:schemeClr val="accent1"/>
+            </a:lnRef>
+            <a:fillRef idx="0">
+              <a:schemeClr val="accent1"/>
+            </a:fillRef>
+            <a:effectRef idx="0">
+              <a:schemeClr val="accent1"/>
+            </a:effectRef>
+            <a:fontRef idx="minor">
+              <a:schemeClr val="tx1"/>
+            </a:fontRef>
+          </p:style>
+        </p:cxnSp>
+        <p:cxnSp>
+          <p:nvCxnSpPr>
+            <p:cNvPr id="14" name="Connecteur droit 13"/>
+            <p:cNvCxnSpPr/>
+            <p:nvPr/>
+          </p:nvCxnSpPr>
+          <p:spPr>
+            <a:xfrm rot="5400000" flipV="1">
+              <a:off x="2087724" y="2312876"/>
+              <a:ext cx="0" cy="792088"/>
+            </a:xfrm>
+            <a:prstGeom prst="line">
+              <a:avLst/>
+            </a:prstGeom>
+            <a:ln w="19050">
+              <a:solidFill>
+                <a:schemeClr val="tx1"/>
+              </a:solidFill>
+              <a:tailEnd type="stealth" w="med" len="lg"/>
+            </a:ln>
+          </p:spPr>
+          <p:style>
+            <a:lnRef idx="1">
+              <a:schemeClr val="accent1"/>
+            </a:lnRef>
+            <a:fillRef idx="0">
+              <a:schemeClr val="accent1"/>
+            </a:fillRef>
+            <a:effectRef idx="0">
+              <a:schemeClr val="accent1"/>
+            </a:effectRef>
+            <a:fontRef idx="minor">
+              <a:schemeClr val="tx1"/>
+            </a:fontRef>
+          </p:style>
+        </p:cxnSp>
+      </p:grpSp>
+      <mc:AlternateContent xmlns:mc="http://schemas.openxmlformats.org/markup-compatibility/2006" xmlns:a14="http://schemas.microsoft.com/office/drawing/2010/main">
+        <mc:Choice Requires="a14">
+          <p:sp>
+            <p:nvSpPr>
+              <p:cNvPr id="25" name="ZoneTexte 24"/>
+              <p:cNvSpPr txBox="1"/>
+              <p:nvPr/>
+            </p:nvSpPr>
+            <p:spPr>
+              <a:xfrm>
+                <a:off x="3851920" y="1005408"/>
+                <a:ext cx="406714" cy="253916"/>
+              </a:xfrm>
+              <a:prstGeom prst="rect">
+                <a:avLst/>
+              </a:prstGeom>
+              <a:noFill/>
+            </p:spPr>
+            <p:txBody>
+              <a:bodyPr wrap="none" rtlCol="0">
+                <a:spAutoFit/>
+              </a:bodyPr>
+              <a:lstStyle/>
+              <a:p>
+                <a:pPr/>
+                <a14:m>
+                  <m:oMathPara xmlns:m="http://schemas.openxmlformats.org/officeDocument/2006/math">
+                    <m:oMathParaPr>
+                      <m:jc m:val="centerGroup"/>
+                    </m:oMathParaPr>
+                    <m:oMath xmlns:m="http://schemas.openxmlformats.org/officeDocument/2006/math">
+                      <m:acc>
+                        <m:accPr>
+                          <m:chr m:val="⃗"/>
+                          <m:ctrlPr>
+                            <a:rPr lang="fr-FR" sz="1050" b="0" i="1" smtClean="0">
+                              <a:latin typeface="Cambria Math" panose="02040503050406030204" pitchFamily="18" charset="0"/>
+                            </a:rPr>
+                          </m:ctrlPr>
+                        </m:accPr>
+                        <m:e>
+                          <m:sSub>
+                            <m:sSubPr>
+                              <m:ctrlPr>
+                                <a:rPr lang="fr-FR" sz="1050" b="0" i="1" smtClean="0">
+                                  <a:latin typeface="Cambria Math" panose="02040503050406030204" pitchFamily="18" charset="0"/>
+                                </a:rPr>
+                              </m:ctrlPr>
+                            </m:sSubPr>
+                            <m:e>
+                              <m:r>
+                                <a:rPr lang="fr-FR" sz="1050" i="1" smtClean="0">
+                                  <a:latin typeface="Cambria Math" panose="02040503050406030204" pitchFamily="18" charset="0"/>
+                                </a:rPr>
+                                <m:t>𝑛</m:t>
+                              </m:r>
+                            </m:e>
+                            <m:sub>
+                              <m:r>
+                                <a:rPr lang="fr-FR" sz="1050" b="0" i="1" smtClean="0">
+                                  <a:latin typeface="Cambria Math" panose="02040503050406030204" pitchFamily="18" charset="0"/>
+                                </a:rPr>
+                                <m:t>12</m:t>
+                              </m:r>
+                            </m:sub>
+                          </m:sSub>
+                        </m:e>
+                      </m:acc>
+                    </m:oMath>
+                  </m:oMathPara>
+                </a14:m>
+                <a:endParaRPr lang="fr-FR" sz="1050" dirty="0"/>
+              </a:p>
+            </p:txBody>
+          </p:sp>
+        </mc:Choice>
+        <mc:Fallback xmlns="">
+          <p:sp>
+            <p:nvSpPr>
+              <p:cNvPr id="25" name="ZoneTexte 24"/>
+              <p:cNvSpPr txBox="1">
+                <a:spLocks noRot="1" noChangeAspect="1" noMove="1" noResize="1" noEditPoints="1" noAdjustHandles="1" noChangeArrowheads="1" noChangeShapeType="1" noTextEdit="1"/>
+              </p:cNvSpPr>
+              <p:nvPr/>
+            </p:nvSpPr>
+            <p:spPr>
+              <a:xfrm>
+                <a:off x="3851920" y="1005408"/>
+                <a:ext cx="406714" cy="253916"/>
+              </a:xfrm>
+              <a:prstGeom prst="rect">
+                <a:avLst/>
+              </a:prstGeom>
+              <a:blipFill>
+                <a:blip r:embed="rId3"/>
+                <a:stretch>
+                  <a:fillRect/>
+                </a:stretch>
+              </a:blipFill>
+            </p:spPr>
+            <p:txBody>
+              <a:bodyPr/>
+              <a:lstStyle/>
+              <a:p>
+                <a:r>
+                  <a:rPr lang="fr-FR">
+                    <a:noFill/>
+                  </a:rPr>
+                  <a:t> </a:t>
+                </a:r>
+              </a:p>
+            </p:txBody>
+          </p:sp>
+        </mc:Fallback>
+      </mc:AlternateContent>
+      <mc:AlternateContent xmlns:mc="http://schemas.openxmlformats.org/markup-compatibility/2006" xmlns:a14="http://schemas.microsoft.com/office/drawing/2010/main">
+        <mc:Choice Requires="a14">
+          <p:sp>
+            <p:nvSpPr>
+              <p:cNvPr id="27" name="ZoneTexte 26"/>
+              <p:cNvSpPr txBox="1"/>
+              <p:nvPr/>
+            </p:nvSpPr>
+            <p:spPr>
+              <a:xfrm>
+                <a:off x="4646843" y="1856928"/>
+                <a:ext cx="380682" cy="262957"/>
+              </a:xfrm>
+              <a:prstGeom prst="rect">
+                <a:avLst/>
+              </a:prstGeom>
+              <a:noFill/>
+            </p:spPr>
+            <p:txBody>
+              <a:bodyPr wrap="none" rtlCol="0">
+                <a:spAutoFit/>
+              </a:bodyPr>
+              <a:lstStyle/>
+              <a:p>
+                <a:pPr/>
+                <a14:m>
+                  <m:oMathPara xmlns:m="http://schemas.openxmlformats.org/officeDocument/2006/math">
+                    <m:oMathParaPr>
+                      <m:jc m:val="centerGroup"/>
+                    </m:oMathParaPr>
+                    <m:oMath xmlns:m="http://schemas.openxmlformats.org/officeDocument/2006/math">
+                      <m:acc>
+                        <m:accPr>
+                          <m:chr m:val="⃗"/>
+                          <m:ctrlPr>
+                            <a:rPr lang="fr-FR" sz="1050" b="0" i="1" smtClean="0">
+                              <a:latin typeface="Cambria Math" panose="02040503050406030204" pitchFamily="18" charset="0"/>
+                            </a:rPr>
+                          </m:ctrlPr>
+                        </m:accPr>
+                        <m:e>
+                          <m:sSub>
+                            <m:sSubPr>
+                              <m:ctrlPr>
+                                <a:rPr lang="fr-FR" sz="1050" b="0" i="1" smtClean="0">
+                                  <a:latin typeface="Cambria Math" panose="02040503050406030204" pitchFamily="18" charset="0"/>
+                                </a:rPr>
+                              </m:ctrlPr>
+                            </m:sSubPr>
+                            <m:e>
+                              <m:r>
+                                <a:rPr lang="fr-FR" sz="1050" b="0" i="1" smtClean="0">
+                                  <a:latin typeface="Cambria Math" panose="02040503050406030204" pitchFamily="18" charset="0"/>
+                                </a:rPr>
+                                <m:t>𝑡</m:t>
+                              </m:r>
+                            </m:e>
+                            <m:sub>
+                              <m:r>
+                                <a:rPr lang="fr-FR" sz="1050" b="0" i="1" smtClean="0">
+                                  <a:latin typeface="Cambria Math" panose="02040503050406030204" pitchFamily="18" charset="0"/>
+                                </a:rPr>
+                                <m:t>12</m:t>
+                              </m:r>
+                            </m:sub>
+                          </m:sSub>
+                        </m:e>
+                      </m:acc>
+                    </m:oMath>
+                  </m:oMathPara>
+                </a14:m>
+                <a:endParaRPr lang="fr-FR" sz="1050" dirty="0"/>
+              </a:p>
+            </p:txBody>
+          </p:sp>
+        </mc:Choice>
+        <mc:Fallback xmlns="">
+          <p:sp>
+            <p:nvSpPr>
+              <p:cNvPr id="27" name="ZoneTexte 26"/>
+              <p:cNvSpPr txBox="1">
+                <a:spLocks noRot="1" noChangeAspect="1" noMove="1" noResize="1" noEditPoints="1" noAdjustHandles="1" noChangeArrowheads="1" noChangeShapeType="1" noTextEdit="1"/>
+              </p:cNvSpPr>
+              <p:nvPr/>
+            </p:nvSpPr>
+            <p:spPr>
+              <a:xfrm>
+                <a:off x="4646843" y="1856928"/>
+                <a:ext cx="380682" cy="262957"/>
+              </a:xfrm>
+              <a:prstGeom prst="rect">
+                <a:avLst/>
+              </a:prstGeom>
+              <a:blipFill>
+                <a:blip r:embed="rId4"/>
+                <a:stretch>
+                  <a:fillRect/>
+                </a:stretch>
+              </a:blipFill>
+            </p:spPr>
+            <p:txBody>
+              <a:bodyPr/>
+              <a:lstStyle/>
+              <a:p>
+                <a:r>
+                  <a:rPr lang="fr-FR">
+                    <a:noFill/>
+                  </a:rPr>
+                  <a:t> </a:t>
+                </a:r>
+              </a:p>
+            </p:txBody>
+          </p:sp>
+        </mc:Fallback>
+      </mc:AlternateContent>
+      <p:grpSp>
+        <p:nvGrpSpPr>
+          <p:cNvPr id="18" name="Groupe 17"/>
+          <p:cNvGrpSpPr/>
+          <p:nvPr/>
+        </p:nvGrpSpPr>
+        <p:grpSpPr>
+          <a:xfrm>
+            <a:off x="3415745" y="1444772"/>
+            <a:ext cx="132100" cy="129004"/>
+            <a:chOff x="3275856" y="2276872"/>
+            <a:chExt cx="132100" cy="129004"/>
+          </a:xfrm>
+        </p:grpSpPr>
+        <p:sp>
+          <p:nvSpPr>
+            <p:cNvPr id="15" name="Ellipse 14"/>
+            <p:cNvSpPr/>
+            <p:nvPr/>
+          </p:nvSpPr>
+          <p:spPr>
+            <a:xfrm>
+              <a:off x="3275856" y="2276872"/>
+              <a:ext cx="132100" cy="129004"/>
+            </a:xfrm>
+            <a:prstGeom prst="ellipse">
+              <a:avLst/>
+            </a:prstGeom>
+            <a:solidFill>
+              <a:schemeClr val="bg1"/>
+            </a:solidFill>
+            <a:ln w="19050">
+              <a:solidFill>
+                <a:schemeClr val="tx1"/>
+              </a:solidFill>
+            </a:ln>
+          </p:spPr>
+          <p:style>
+            <a:lnRef idx="2">
+              <a:schemeClr val="accent1">
+                <a:shade val="50000"/>
+              </a:schemeClr>
+            </a:lnRef>
+            <a:fillRef idx="1">
+              <a:schemeClr val="accent1"/>
+            </a:fillRef>
+            <a:effectRef idx="0">
+              <a:schemeClr val="accent1"/>
+            </a:effectRef>
+            <a:fontRef idx="minor">
+              <a:schemeClr val="lt1"/>
+            </a:fontRef>
+          </p:style>
+          <p:txBody>
+            <a:bodyPr lIns="0" tIns="0" rIns="0" bIns="0" rtlCol="0" anchor="ctr"/>
+            <a:lstStyle/>
+            <a:p>
+              <a:pPr algn="ctr"/>
+              <a:endParaRPr lang="fr-FR" b="1" dirty="0">
+                <a:solidFill>
+                  <a:schemeClr val="tx2"/>
+                </a:solidFill>
+              </a:endParaRPr>
+            </a:p>
+          </p:txBody>
+        </p:sp>
+        <p:cxnSp>
+          <p:nvCxnSpPr>
+            <p:cNvPr id="16" name="Connecteur droit 15"/>
+            <p:cNvCxnSpPr>
+              <a:stCxn id="15" idx="1"/>
+              <a:endCxn id="15" idx="5"/>
+            </p:cNvCxnSpPr>
+            <p:nvPr/>
+          </p:nvCxnSpPr>
+          <p:spPr>
+            <a:xfrm>
+              <a:off x="3295202" y="2295764"/>
+              <a:ext cx="93408" cy="91220"/>
+            </a:xfrm>
+            <a:prstGeom prst="line">
+              <a:avLst/>
+            </a:prstGeom>
+            <a:solidFill>
+              <a:schemeClr val="bg1"/>
+            </a:solidFill>
+            <a:ln w="19050">
+              <a:solidFill>
+                <a:schemeClr val="tx1"/>
+              </a:solidFill>
+            </a:ln>
+          </p:spPr>
+          <p:style>
+            <a:lnRef idx="2">
+              <a:schemeClr val="accent1">
+                <a:shade val="50000"/>
+              </a:schemeClr>
+            </a:lnRef>
+            <a:fillRef idx="1">
+              <a:schemeClr val="accent1"/>
+            </a:fillRef>
+            <a:effectRef idx="0">
+              <a:schemeClr val="accent1"/>
+            </a:effectRef>
+            <a:fontRef idx="minor">
+              <a:schemeClr val="lt1"/>
+            </a:fontRef>
+          </p:style>
+        </p:cxnSp>
+        <p:cxnSp>
+          <p:nvCxnSpPr>
+            <p:cNvPr id="17" name="Connecteur droit 16"/>
+            <p:cNvCxnSpPr>
+              <a:stCxn id="15" idx="7"/>
+              <a:endCxn id="15" idx="3"/>
+            </p:cNvCxnSpPr>
+            <p:nvPr/>
+          </p:nvCxnSpPr>
+          <p:spPr>
+            <a:xfrm flipH="1">
+              <a:off x="3295202" y="2295764"/>
+              <a:ext cx="93408" cy="91220"/>
+            </a:xfrm>
+            <a:prstGeom prst="line">
+              <a:avLst/>
+            </a:prstGeom>
+            <a:solidFill>
+              <a:schemeClr val="bg1"/>
+            </a:solidFill>
+            <a:ln w="19050">
+              <a:solidFill>
+                <a:schemeClr val="tx1"/>
+              </a:solidFill>
+            </a:ln>
+          </p:spPr>
+          <p:style>
+            <a:lnRef idx="2">
+              <a:schemeClr val="accent1">
+                <a:shade val="50000"/>
+              </a:schemeClr>
+            </a:lnRef>
+            <a:fillRef idx="1">
+              <a:schemeClr val="accent1"/>
+            </a:fillRef>
+            <a:effectRef idx="0">
+              <a:schemeClr val="accent1"/>
+            </a:effectRef>
+            <a:fontRef idx="minor">
+              <a:schemeClr val="lt1"/>
+            </a:fontRef>
+          </p:style>
+        </p:cxnSp>
+      </p:grpSp>
+      <mc:AlternateContent xmlns:mc="http://schemas.openxmlformats.org/markup-compatibility/2006" xmlns:a14="http://schemas.microsoft.com/office/drawing/2010/main">
+        <mc:Choice Requires="a14">
+          <p:sp>
+            <p:nvSpPr>
+              <p:cNvPr id="21" name="ZoneTexte 20"/>
+              <p:cNvSpPr txBox="1"/>
+              <p:nvPr/>
+            </p:nvSpPr>
+            <p:spPr>
+              <a:xfrm>
+                <a:off x="3203848" y="1309718"/>
+                <a:ext cx="283154" cy="253916"/>
+              </a:xfrm>
+              <a:prstGeom prst="rect">
+                <a:avLst/>
+              </a:prstGeom>
+              <a:noFill/>
+            </p:spPr>
+            <p:txBody>
+              <a:bodyPr wrap="none" rtlCol="0">
+                <a:spAutoFit/>
+              </a:bodyPr>
+              <a:lstStyle/>
+              <a:p>
+                <a:pPr/>
+                <a14:m>
+                  <m:oMathPara xmlns:m="http://schemas.openxmlformats.org/officeDocument/2006/math">
+                    <m:oMathParaPr>
+                      <m:jc m:val="centerGroup"/>
+                    </m:oMathParaPr>
+                    <m:oMath xmlns:m="http://schemas.openxmlformats.org/officeDocument/2006/math">
+                      <m:acc>
+                        <m:accPr>
+                          <m:chr m:val="⃗"/>
+                          <m:ctrlPr>
+                            <a:rPr lang="fr-FR" sz="1050" b="0" i="1" smtClean="0">
+                              <a:latin typeface="Cambria Math" panose="02040503050406030204" pitchFamily="18" charset="0"/>
+                            </a:rPr>
+                          </m:ctrlPr>
+                        </m:accPr>
+                        <m:e>
+                          <m:r>
+                            <a:rPr lang="fr-FR" sz="1050" b="0" i="1" smtClean="0">
+                              <a:latin typeface="Cambria Math" panose="02040503050406030204" pitchFamily="18" charset="0"/>
+                            </a:rPr>
+                            <m:t>𝑧</m:t>
+                          </m:r>
+                        </m:e>
+                      </m:acc>
+                    </m:oMath>
+                  </m:oMathPara>
+                </a14:m>
+                <a:endParaRPr lang="fr-FR" sz="1050" dirty="0"/>
+              </a:p>
+            </p:txBody>
+          </p:sp>
+        </mc:Choice>
+        <mc:Fallback xmlns="">
+          <p:sp>
+            <p:nvSpPr>
+              <p:cNvPr id="21" name="ZoneTexte 20"/>
+              <p:cNvSpPr txBox="1">
+                <a:spLocks noRot="1" noChangeAspect="1" noMove="1" noResize="1" noEditPoints="1" noAdjustHandles="1" noChangeArrowheads="1" noChangeShapeType="1" noTextEdit="1"/>
+              </p:cNvSpPr>
+              <p:nvPr/>
+            </p:nvSpPr>
+            <p:spPr>
+              <a:xfrm>
+                <a:off x="3203848" y="1309718"/>
+                <a:ext cx="283154" cy="253916"/>
+              </a:xfrm>
+              <a:prstGeom prst="rect">
+                <a:avLst/>
+              </a:prstGeom>
+              <a:blipFill>
+                <a:blip r:embed="rId5"/>
+                <a:stretch>
+                  <a:fillRect t="-2381" r="-2174"/>
+                </a:stretch>
+              </a:blipFill>
+            </p:spPr>
+            <p:txBody>
+              <a:bodyPr/>
+              <a:lstStyle/>
+              <a:p>
+                <a:r>
+                  <a:rPr lang="fr-FR">
+                    <a:noFill/>
+                  </a:rPr>
+                  <a:t> </a:t>
+                </a:r>
+              </a:p>
+            </p:txBody>
+          </p:sp>
+        </mc:Fallback>
+      </mc:AlternateContent>
+      <p:sp>
+        <p:nvSpPr>
+          <p:cNvPr id="2" name="Arc 1">
+            <a:extLst>
+              <a:ext uri="{FF2B5EF4-FFF2-40B4-BE49-F238E27FC236}">
+                <a16:creationId xmlns:a16="http://schemas.microsoft.com/office/drawing/2014/main" id="{3C7BF1C2-0CED-4AC2-B357-EA4E6E048592}"/>
+              </a:ext>
+            </a:extLst>
+          </p:cNvPr>
+          <p:cNvSpPr/>
+          <p:nvPr/>
+        </p:nvSpPr>
+        <p:spPr>
+          <a:xfrm>
+            <a:off x="3667264" y="1844824"/>
+            <a:ext cx="370088" cy="370088"/>
+          </a:xfrm>
+          <a:prstGeom prst="arc">
+            <a:avLst>
+              <a:gd name="adj1" fmla="val 9425822"/>
+              <a:gd name="adj2" fmla="val 3488972"/>
+            </a:avLst>
+          </a:prstGeom>
+          <a:ln w="28575">
+            <a:solidFill>
+              <a:srgbClr val="FF0000"/>
+            </a:solidFill>
+            <a:headEnd type="stealth" w="sm" len="lg"/>
+            <a:tailEnd type="none" w="med" len="med"/>
+          </a:ln>
+        </p:spPr>
+        <p:style>
+          <a:lnRef idx="1">
+            <a:schemeClr val="accent1"/>
+          </a:lnRef>
+          <a:fillRef idx="0">
+            <a:schemeClr val="accent1"/>
+          </a:fillRef>
+          <a:effectRef idx="0">
+            <a:schemeClr val="accent1"/>
+          </a:effectRef>
+          <a:fontRef idx="minor">
+            <a:schemeClr val="tx1"/>
+          </a:fontRef>
+        </p:style>
+        <p:txBody>
+          <a:bodyPr rtlCol="0" anchor="ctr"/>
+          <a:lstStyle/>
+          <a:p>
+            <a:pPr algn="ctr"/>
+            <a:endParaRPr lang="fr-FR"/>
+          </a:p>
+        </p:txBody>
+      </p:sp>
+      <mc:AlternateContent xmlns:mc="http://schemas.openxmlformats.org/markup-compatibility/2006" xmlns:a14="http://schemas.microsoft.com/office/drawing/2010/main">
+        <mc:Choice Requires="a14">
+          <p:sp>
+            <p:nvSpPr>
+              <p:cNvPr id="19" name="ZoneTexte 18">
+                <a:extLst>
+                  <a:ext uri="{FF2B5EF4-FFF2-40B4-BE49-F238E27FC236}">
+                    <a16:creationId xmlns:a16="http://schemas.microsoft.com/office/drawing/2014/main" id="{8FE787D9-09D6-4EDE-9CB5-3C6B312283CB}"/>
+                  </a:ext>
+                </a:extLst>
+              </p:cNvPr>
+              <p:cNvSpPr txBox="1"/>
+              <p:nvPr/>
+            </p:nvSpPr>
+            <p:spPr>
+              <a:xfrm>
+                <a:off x="3019246" y="754172"/>
+                <a:ext cx="652358" cy="284630"/>
+              </a:xfrm>
+              <a:prstGeom prst="rect">
+                <a:avLst/>
+              </a:prstGeom>
+              <a:noFill/>
+            </p:spPr>
+            <p:txBody>
+              <a:bodyPr wrap="none" rtlCol="0">
+                <a:spAutoFit/>
+              </a:bodyPr>
+              <a:lstStyle/>
+              <a:p>
+                <a:pPr/>
+                <a14:m>
+                  <m:oMathPara xmlns:m="http://schemas.openxmlformats.org/officeDocument/2006/math">
+                    <m:oMathParaPr>
+                      <m:jc m:val="centerGroup"/>
+                    </m:oMathParaPr>
+                    <m:oMath xmlns:m="http://schemas.openxmlformats.org/officeDocument/2006/math">
+                      <m:acc>
+                        <m:accPr>
+                          <m:chr m:val="⃗"/>
+                          <m:ctrlPr>
+                            <a:rPr lang="fr-FR" sz="1050" b="1" i="1" smtClean="0">
+                              <a:latin typeface="Cambria Math" panose="02040503050406030204" pitchFamily="18" charset="0"/>
+                            </a:rPr>
+                          </m:ctrlPr>
+                        </m:accPr>
+                        <m:e>
+                          <m:r>
+                            <a:rPr lang="fr-FR" sz="1050" b="1" i="0" smtClean="0">
+                              <a:latin typeface="Cambria Math" panose="02040503050406030204" pitchFamily="18" charset="0"/>
+                            </a:rPr>
+                            <m:t>𝛀</m:t>
+                          </m:r>
+                          <m:d>
+                            <m:dPr>
+                              <m:ctrlPr>
+                                <a:rPr lang="fr-FR" sz="1050" b="1" i="1" smtClean="0">
+                                  <a:latin typeface="Cambria Math" panose="02040503050406030204" pitchFamily="18" charset="0"/>
+                                </a:rPr>
+                              </m:ctrlPr>
+                            </m:dPr>
+                            <m:e>
+                              <m:r>
+                                <a:rPr lang="fr-FR" sz="1050" b="1" i="1" smtClean="0">
+                                  <a:latin typeface="Cambria Math" panose="02040503050406030204" pitchFamily="18" charset="0"/>
+                                </a:rPr>
+                                <m:t>𝟐</m:t>
+                              </m:r>
+                              <m:r>
+                                <m:rPr>
+                                  <m:lit/>
+                                </m:rPr>
+                                <a:rPr lang="fr-FR" sz="1050" b="1" i="1" smtClean="0">
+                                  <a:latin typeface="Cambria Math" panose="02040503050406030204" pitchFamily="18" charset="0"/>
+                                </a:rPr>
+                                <m:t>/</m:t>
+                              </m:r>
+                              <m:r>
+                                <a:rPr lang="fr-FR" sz="1050" b="1" i="1" smtClean="0">
+                                  <a:latin typeface="Cambria Math" panose="02040503050406030204" pitchFamily="18" charset="0"/>
+                                </a:rPr>
+                                <m:t>𝟏</m:t>
+                              </m:r>
+                            </m:e>
+                          </m:d>
+                        </m:e>
+                      </m:acc>
+                    </m:oMath>
+                  </m:oMathPara>
+                </a14:m>
+                <a:endParaRPr lang="fr-FR" sz="1050" b="1" dirty="0"/>
+              </a:p>
+            </p:txBody>
+          </p:sp>
+        </mc:Choice>
+        <mc:Fallback xmlns="">
+          <p:sp>
+            <p:nvSpPr>
+              <p:cNvPr id="19" name="ZoneTexte 18">
+                <a:extLst>
+                  <a:ext uri="{FF2B5EF4-FFF2-40B4-BE49-F238E27FC236}">
+                    <a16:creationId xmlns:a16="http://schemas.microsoft.com/office/drawing/2014/main" id="{8FE787D9-09D6-4EDE-9CB5-3C6B312283CB}"/>
+                  </a:ext>
+                </a:extLst>
+              </p:cNvPr>
+              <p:cNvSpPr txBox="1">
+                <a:spLocks noRot="1" noChangeAspect="1" noMove="1" noResize="1" noEditPoints="1" noAdjustHandles="1" noChangeArrowheads="1" noChangeShapeType="1" noTextEdit="1"/>
+              </p:cNvSpPr>
+              <p:nvPr/>
+            </p:nvSpPr>
+            <p:spPr>
+              <a:xfrm>
+                <a:off x="3019246" y="754172"/>
+                <a:ext cx="652358" cy="284630"/>
+              </a:xfrm>
+              <a:prstGeom prst="rect">
+                <a:avLst/>
+              </a:prstGeom>
+              <a:blipFill>
+                <a:blip r:embed="rId6"/>
+                <a:stretch>
+                  <a:fillRect b="-6522"/>
+                </a:stretch>
+              </a:blipFill>
+            </p:spPr>
+            <p:txBody>
+              <a:bodyPr/>
+              <a:lstStyle/>
+              <a:p>
+                <a:r>
+                  <a:rPr lang="fr-FR">
+                    <a:noFill/>
+                  </a:rPr>
+                  <a:t> </a:t>
+                </a:r>
+              </a:p>
+            </p:txBody>
+          </p:sp>
+        </mc:Fallback>
+      </mc:AlternateContent>
+      <p:sp>
+        <p:nvSpPr>
+          <p:cNvPr id="20" name="Arc 19">
+            <a:extLst>
+              <a:ext uri="{FF2B5EF4-FFF2-40B4-BE49-F238E27FC236}">
+                <a16:creationId xmlns:a16="http://schemas.microsoft.com/office/drawing/2014/main" id="{C7A57598-1782-4CF4-A460-0EA96C0A9D56}"/>
+              </a:ext>
+            </a:extLst>
+          </p:cNvPr>
+          <p:cNvSpPr/>
+          <p:nvPr/>
+        </p:nvSpPr>
+        <p:spPr>
+          <a:xfrm>
+            <a:off x="3056997" y="263930"/>
+            <a:ext cx="1589846" cy="1589846"/>
+          </a:xfrm>
+          <a:prstGeom prst="arc">
+            <a:avLst>
+              <a:gd name="adj1" fmla="val 8329463"/>
+              <a:gd name="adj2" fmla="val 11367161"/>
+            </a:avLst>
+          </a:prstGeom>
+          <a:ln w="28575">
+            <a:solidFill>
+              <a:srgbClr val="00B050"/>
+            </a:solidFill>
+            <a:headEnd type="none" w="sm" len="lg"/>
+            <a:tailEnd type="stealth" w="med" len="med"/>
+          </a:ln>
+        </p:spPr>
+        <p:style>
+          <a:lnRef idx="1">
+            <a:schemeClr val="accent1"/>
+          </a:lnRef>
+          <a:fillRef idx="0">
+            <a:schemeClr val="accent1"/>
+          </a:fillRef>
+          <a:effectRef idx="0">
+            <a:schemeClr val="accent1"/>
+          </a:effectRef>
+          <a:fontRef idx="minor">
+            <a:schemeClr val="tx1"/>
+          </a:fontRef>
+        </p:style>
+        <p:txBody>
+          <a:bodyPr rtlCol="0" anchor="ctr"/>
+          <a:lstStyle/>
+          <a:p>
+            <a:pPr algn="ctr"/>
+            <a:endParaRPr lang="fr-FR"/>
+          </a:p>
+        </p:txBody>
+      </p:sp>
+      <mc:AlternateContent xmlns:mc="http://schemas.openxmlformats.org/markup-compatibility/2006" xmlns:a14="http://schemas.microsoft.com/office/drawing/2010/main">
+        <mc:Choice Requires="a14">
+          <p:sp>
+            <p:nvSpPr>
+              <p:cNvPr id="22" name="ZoneTexte 21">
+                <a:extLst>
+                  <a:ext uri="{FF2B5EF4-FFF2-40B4-BE49-F238E27FC236}">
+                    <a16:creationId xmlns:a16="http://schemas.microsoft.com/office/drawing/2014/main" id="{8D979CD7-236F-418D-80CC-1B2733F6158C}"/>
+                  </a:ext>
+                </a:extLst>
+              </p:cNvPr>
+              <p:cNvSpPr txBox="1"/>
+              <p:nvPr/>
+            </p:nvSpPr>
+            <p:spPr>
+              <a:xfrm>
+                <a:off x="3870823" y="1631974"/>
+                <a:ext cx="562975" cy="299441"/>
+              </a:xfrm>
+              <a:prstGeom prst="rect">
+                <a:avLst/>
+              </a:prstGeom>
+              <a:noFill/>
+            </p:spPr>
+            <p:txBody>
+              <a:bodyPr wrap="none" rtlCol="0">
+                <a:spAutoFit/>
+              </a:bodyPr>
+              <a:lstStyle/>
+              <a:p>
+                <a:pPr/>
+                <a14:m>
+                  <m:oMathPara xmlns:m="http://schemas.openxmlformats.org/officeDocument/2006/math">
+                    <m:oMathParaPr>
+                      <m:jc m:val="centerGroup"/>
+                    </m:oMathParaPr>
+                    <m:oMath xmlns:m="http://schemas.openxmlformats.org/officeDocument/2006/math">
+                      <m:acc>
+                        <m:accPr>
+                          <m:chr m:val="⃗"/>
+                          <m:ctrlPr>
+                            <a:rPr lang="fr-FR" sz="1200" b="1" i="1" smtClean="0">
+                              <a:latin typeface="Cambria Math" panose="02040503050406030204" pitchFamily="18" charset="0"/>
+                            </a:rPr>
+                          </m:ctrlPr>
+                        </m:accPr>
+                        <m:e>
+                          <m:sSub>
+                            <m:sSubPr>
+                              <m:ctrlPr>
+                                <a:rPr lang="fr-FR" sz="1200" b="1" i="1" smtClean="0">
+                                  <a:latin typeface="Cambria Math" panose="02040503050406030204" pitchFamily="18" charset="0"/>
+                                </a:rPr>
+                              </m:ctrlPr>
+                            </m:sSubPr>
+                            <m:e>
+                              <m:r>
+                                <a:rPr lang="fr-FR" sz="1200" b="1" i="1" smtClean="0">
+                                  <a:latin typeface="Cambria Math" panose="02040503050406030204" pitchFamily="18" charset="0"/>
+                                </a:rPr>
+                                <m:t>𝑴</m:t>
+                              </m:r>
+                            </m:e>
+                            <m:sub>
+                              <m:r>
+                                <a:rPr lang="fr-FR" sz="1200" b="1" i="1" smtClean="0">
+                                  <a:latin typeface="Cambria Math" panose="02040503050406030204" pitchFamily="18" charset="0"/>
+                                </a:rPr>
+                                <m:t>𝒓</m:t>
+                              </m:r>
+                              <m:r>
+                                <a:rPr lang="fr-FR" sz="1200" b="1" i="1" smtClean="0">
+                                  <a:latin typeface="Cambria Math" panose="02040503050406030204" pitchFamily="18" charset="0"/>
+                                </a:rPr>
+                                <m:t>𝟏𝟐</m:t>
+                              </m:r>
+                            </m:sub>
+                          </m:sSub>
+                        </m:e>
+                      </m:acc>
+                    </m:oMath>
+                  </m:oMathPara>
+                </a14:m>
+                <a:endParaRPr lang="fr-FR" sz="1200" b="1" dirty="0"/>
+              </a:p>
+            </p:txBody>
+          </p:sp>
+        </mc:Choice>
+        <mc:Fallback xmlns="">
+          <p:sp>
+            <p:nvSpPr>
+              <p:cNvPr id="22" name="ZoneTexte 21">
+                <a:extLst>
+                  <a:ext uri="{FF2B5EF4-FFF2-40B4-BE49-F238E27FC236}">
+                    <a16:creationId xmlns:a16="http://schemas.microsoft.com/office/drawing/2014/main" id="{8D979CD7-236F-418D-80CC-1B2733F6158C}"/>
+                  </a:ext>
+                </a:extLst>
+              </p:cNvPr>
+              <p:cNvSpPr txBox="1">
+                <a:spLocks noRot="1" noChangeAspect="1" noMove="1" noResize="1" noEditPoints="1" noAdjustHandles="1" noChangeArrowheads="1" noChangeShapeType="1" noTextEdit="1"/>
+              </p:cNvSpPr>
+              <p:nvPr/>
+            </p:nvSpPr>
+            <p:spPr>
+              <a:xfrm>
+                <a:off x="3870823" y="1631974"/>
+                <a:ext cx="562975" cy="299441"/>
+              </a:xfrm>
+              <a:prstGeom prst="rect">
+                <a:avLst/>
+              </a:prstGeom>
+              <a:blipFill>
+                <a:blip r:embed="rId7"/>
+                <a:stretch>
+                  <a:fillRect/>
+                </a:stretch>
+              </a:blipFill>
+            </p:spPr>
+            <p:txBody>
+              <a:bodyPr/>
+              <a:lstStyle/>
+              <a:p>
+                <a:r>
+                  <a:rPr lang="fr-FR">
+                    <a:noFill/>
+                  </a:rPr>
+                  <a:t> </a:t>
+                </a:r>
+              </a:p>
+            </p:txBody>
+          </p:sp>
+        </mc:Fallback>
+      </mc:AlternateContent>
+      <p:cxnSp>
+        <p:nvCxnSpPr>
+          <p:cNvPr id="85" name="Connecteur droit 84">
+            <a:extLst>
+              <a:ext uri="{FF2B5EF4-FFF2-40B4-BE49-F238E27FC236}">
+                <a16:creationId xmlns:a16="http://schemas.microsoft.com/office/drawing/2014/main" id="{0C95C0FC-A9D3-4068-9533-8A4D33BAD34A}"/>
+              </a:ext>
+            </a:extLst>
+          </p:cNvPr>
+          <p:cNvCxnSpPr/>
+          <p:nvPr/>
+        </p:nvCxnSpPr>
+        <p:spPr>
+          <a:xfrm>
+            <a:off x="6002449" y="2000815"/>
+            <a:ext cx="1440160" cy="0"/>
+          </a:xfrm>
+          <a:prstGeom prst="line">
+            <a:avLst/>
+          </a:prstGeom>
+          <a:ln w="28575">
+            <a:solidFill>
+              <a:schemeClr val="accent5">
+                <a:lumMod val="50000"/>
+              </a:schemeClr>
+            </a:solidFill>
+          </a:ln>
+        </p:spPr>
+        <p:style>
+          <a:lnRef idx="1">
+            <a:schemeClr val="accent1"/>
+          </a:lnRef>
+          <a:fillRef idx="0">
+            <a:schemeClr val="accent1"/>
+          </a:fillRef>
+          <a:effectRef idx="0">
+            <a:schemeClr val="accent1"/>
+          </a:effectRef>
+          <a:fontRef idx="minor">
+            <a:schemeClr val="tx1"/>
+          </a:fontRef>
+        </p:style>
+      </p:cxnSp>
+      <p:sp>
+        <p:nvSpPr>
+          <p:cNvPr id="86" name="Arc 85">
+            <a:extLst>
+              <a:ext uri="{FF2B5EF4-FFF2-40B4-BE49-F238E27FC236}">
+                <a16:creationId xmlns:a16="http://schemas.microsoft.com/office/drawing/2014/main" id="{D1EDCCAC-306C-4480-831D-F9FD8C8AE2D0}"/>
+              </a:ext>
+            </a:extLst>
+          </p:cNvPr>
+          <p:cNvSpPr/>
+          <p:nvPr/>
+        </p:nvSpPr>
+        <p:spPr>
+          <a:xfrm>
+            <a:off x="5858433" y="260648"/>
+            <a:ext cx="1728192" cy="1728192"/>
+          </a:xfrm>
+          <a:prstGeom prst="arc">
+            <a:avLst>
+              <a:gd name="adj1" fmla="val 1306542"/>
+              <a:gd name="adj2" fmla="val 9695546"/>
+            </a:avLst>
+          </a:prstGeom>
+          <a:solidFill>
+            <a:schemeClr val="accent6">
+              <a:lumMod val="20000"/>
+              <a:lumOff val="80000"/>
+            </a:schemeClr>
+          </a:solidFill>
+          <a:ln w="28575">
+            <a:solidFill>
+              <a:schemeClr val="accent6">
+                <a:lumMod val="75000"/>
+              </a:schemeClr>
+            </a:solidFill>
+          </a:ln>
+        </p:spPr>
+        <p:style>
+          <a:lnRef idx="1">
+            <a:schemeClr val="accent1"/>
+          </a:lnRef>
+          <a:fillRef idx="0">
+            <a:schemeClr val="accent1"/>
+          </a:fillRef>
+          <a:effectRef idx="0">
+            <a:schemeClr val="accent1"/>
+          </a:effectRef>
+          <a:fontRef idx="minor">
+            <a:schemeClr val="tx1"/>
+          </a:fontRef>
+        </p:style>
+        <p:txBody>
+          <a:bodyPr rtlCol="0" anchor="ctr"/>
+          <a:lstStyle/>
+          <a:p>
+            <a:pPr algn="ctr"/>
+            <a:endParaRPr lang="fr-FR"/>
+          </a:p>
+        </p:txBody>
+      </p:sp>
+      <p:sp>
+        <p:nvSpPr>
+          <p:cNvPr id="87" name="Forme libre 7">
+            <a:extLst>
+              <a:ext uri="{FF2B5EF4-FFF2-40B4-BE49-F238E27FC236}">
+                <a16:creationId xmlns:a16="http://schemas.microsoft.com/office/drawing/2014/main" id="{B532E05E-7DF6-44EA-A6EF-723CA8C48008}"/>
+              </a:ext>
+            </a:extLst>
+          </p:cNvPr>
+          <p:cNvSpPr/>
+          <p:nvPr/>
+        </p:nvSpPr>
+        <p:spPr>
+          <a:xfrm>
+            <a:off x="6012160" y="2012791"/>
+            <a:ext cx="1421395" cy="193812"/>
+          </a:xfrm>
+          <a:custGeom>
+            <a:avLst/>
+            <a:gdLst>
+              <a:gd name="connsiteX0" fmla="*/ 0 w 1435502"/>
+              <a:gd name="connsiteY0" fmla="*/ 0 h 213325"/>
+              <a:gd name="connsiteX1" fmla="*/ 289711 w 1435502"/>
+              <a:gd name="connsiteY1" fmla="*/ 190123 h 213325"/>
+              <a:gd name="connsiteX2" fmla="*/ 1276539 w 1435502"/>
+              <a:gd name="connsiteY2" fmla="*/ 190123 h 213325"/>
+              <a:gd name="connsiteX3" fmla="*/ 1421395 w 1435502"/>
+              <a:gd name="connsiteY3" fmla="*/ 9053 h 213325"/>
+              <a:gd name="connsiteX0" fmla="*/ 0 w 1421395"/>
+              <a:gd name="connsiteY0" fmla="*/ 0 h 190134"/>
+              <a:gd name="connsiteX1" fmla="*/ 289711 w 1421395"/>
+              <a:gd name="connsiteY1" fmla="*/ 190123 h 190134"/>
+              <a:gd name="connsiteX2" fmla="*/ 1421395 w 1421395"/>
+              <a:gd name="connsiteY2" fmla="*/ 9053 h 190134"/>
+              <a:gd name="connsiteX0" fmla="*/ 0 w 1421395"/>
+              <a:gd name="connsiteY0" fmla="*/ 0 h 9053"/>
+              <a:gd name="connsiteX1" fmla="*/ 1421395 w 1421395"/>
+              <a:gd name="connsiteY1" fmla="*/ 9053 h 9053"/>
+              <a:gd name="connsiteX0" fmla="*/ 0 w 10000"/>
+              <a:gd name="connsiteY0" fmla="*/ 0 h 221139"/>
+              <a:gd name="connsiteX1" fmla="*/ 10000 w 10000"/>
+              <a:gd name="connsiteY1" fmla="*/ 10000 h 221139"/>
+              <a:gd name="connsiteX0" fmla="*/ 0 w 10000"/>
+              <a:gd name="connsiteY0" fmla="*/ 0 h 339383"/>
+              <a:gd name="connsiteX1" fmla="*/ 10000 w 10000"/>
+              <a:gd name="connsiteY1" fmla="*/ 10000 h 339383"/>
+              <a:gd name="connsiteX0" fmla="*/ 0 w 10000"/>
+              <a:gd name="connsiteY0" fmla="*/ 0 h 282505"/>
+              <a:gd name="connsiteX1" fmla="*/ 10000 w 10000"/>
+              <a:gd name="connsiteY1" fmla="*/ 10000 h 282505"/>
+              <a:gd name="connsiteX0" fmla="*/ 0 w 10000"/>
+              <a:gd name="connsiteY0" fmla="*/ 0 h 295242"/>
+              <a:gd name="connsiteX1" fmla="*/ 10000 w 10000"/>
+              <a:gd name="connsiteY1" fmla="*/ 10000 h 295242"/>
+              <a:gd name="connsiteX0" fmla="*/ 0 w 10000"/>
+              <a:gd name="connsiteY0" fmla="*/ 0 h 376767"/>
+              <a:gd name="connsiteX1" fmla="*/ 4968 w 10000"/>
+              <a:gd name="connsiteY1" fmla="*/ 290015 h 376767"/>
+              <a:gd name="connsiteX2" fmla="*/ 10000 w 10000"/>
+              <a:gd name="connsiteY2" fmla="*/ 10000 h 376767"/>
+              <a:gd name="connsiteX0" fmla="*/ 0 w 10000"/>
+              <a:gd name="connsiteY0" fmla="*/ 0 h 319857"/>
+              <a:gd name="connsiteX1" fmla="*/ 4968 w 10000"/>
+              <a:gd name="connsiteY1" fmla="*/ 290015 h 319857"/>
+              <a:gd name="connsiteX2" fmla="*/ 10000 w 10000"/>
+              <a:gd name="connsiteY2" fmla="*/ 10000 h 319857"/>
+              <a:gd name="connsiteX0" fmla="*/ 0 w 10000"/>
+              <a:gd name="connsiteY0" fmla="*/ 0 h 290056"/>
+              <a:gd name="connsiteX1" fmla="*/ 4968 w 10000"/>
+              <a:gd name="connsiteY1" fmla="*/ 290015 h 290056"/>
+              <a:gd name="connsiteX2" fmla="*/ 10000 w 10000"/>
+              <a:gd name="connsiteY2" fmla="*/ 10000 h 290056"/>
+              <a:gd name="connsiteX0" fmla="*/ 0 w 10000"/>
+              <a:gd name="connsiteY0" fmla="*/ 0 h 164894"/>
+              <a:gd name="connsiteX1" fmla="*/ 5159 w 10000"/>
+              <a:gd name="connsiteY1" fmla="*/ 150007 h 164894"/>
+              <a:gd name="connsiteX2" fmla="*/ 10000 w 10000"/>
+              <a:gd name="connsiteY2" fmla="*/ 10000 h 164894"/>
+              <a:gd name="connsiteX0" fmla="*/ 0 w 10000"/>
+              <a:gd name="connsiteY0" fmla="*/ 0 h 183850"/>
+              <a:gd name="connsiteX1" fmla="*/ 5159 w 10000"/>
+              <a:gd name="connsiteY1" fmla="*/ 150007 h 183850"/>
+              <a:gd name="connsiteX2" fmla="*/ 10000 w 10000"/>
+              <a:gd name="connsiteY2" fmla="*/ 10000 h 183850"/>
+              <a:gd name="connsiteX0" fmla="*/ 0 w 10000"/>
+              <a:gd name="connsiteY0" fmla="*/ 0 h 214086"/>
+              <a:gd name="connsiteX1" fmla="*/ 5159 w 10000"/>
+              <a:gd name="connsiteY1" fmla="*/ 150007 h 214086"/>
+              <a:gd name="connsiteX2" fmla="*/ 10000 w 10000"/>
+              <a:gd name="connsiteY2" fmla="*/ 10000 h 214086"/>
+            </a:gdLst>
+            <a:ahLst/>
+            <a:cxnLst>
+              <a:cxn ang="0">
+                <a:pos x="connsiteX0" y="connsiteY0"/>
+              </a:cxn>
+              <a:cxn ang="0">
+                <a:pos x="connsiteX1" y="connsiteY1"/>
+              </a:cxn>
+              <a:cxn ang="0">
+                <a:pos x="connsiteX2" y="connsiteY2"/>
+              </a:cxn>
+            </a:cxnLst>
+            <a:rect l="l" t="t" r="r" b="b"/>
+            <a:pathLst>
+              <a:path w="10000" h="214086">
+                <a:moveTo>
+                  <a:pt x="0" y="0"/>
+                </a:moveTo>
+                <a:cubicBezTo>
+                  <a:pt x="0" y="286683"/>
+                  <a:pt x="3057" y="153340"/>
+                  <a:pt x="5159" y="150007"/>
+                </a:cubicBezTo>
+                <a:cubicBezTo>
+                  <a:pt x="7261" y="146674"/>
+                  <a:pt x="10043" y="366688"/>
+                  <a:pt x="10000" y="10000"/>
+                </a:cubicBezTo>
+              </a:path>
+            </a:pathLst>
+          </a:custGeom>
+          <a:solidFill>
+            <a:schemeClr val="accent5">
+              <a:lumMod val="20000"/>
+              <a:lumOff val="80000"/>
+            </a:schemeClr>
+          </a:solidFill>
+          <a:ln w="12700">
+            <a:solidFill>
+              <a:schemeClr val="accent5">
+                <a:lumMod val="50000"/>
+              </a:schemeClr>
+            </a:solidFill>
+          </a:ln>
+        </p:spPr>
+        <p:style>
+          <a:lnRef idx="2">
+            <a:schemeClr val="accent1">
+              <a:shade val="50000"/>
+            </a:schemeClr>
+          </a:lnRef>
+          <a:fillRef idx="1">
+            <a:schemeClr val="accent1"/>
+          </a:fillRef>
+          <a:effectRef idx="0">
+            <a:schemeClr val="accent1"/>
+          </a:effectRef>
+          <a:fontRef idx="minor">
+            <a:schemeClr val="lt1"/>
+          </a:fontRef>
+        </p:style>
+        <p:txBody>
+          <a:bodyPr rtlCol="0" anchor="ctr"/>
+          <a:lstStyle/>
+          <a:p>
+            <a:pPr algn="ctr"/>
+            <a:endParaRPr lang="fr-FR">
+              <a:ln>
+                <a:solidFill>
+                  <a:schemeClr val="accent5">
+                    <a:lumMod val="50000"/>
+                  </a:schemeClr>
+                </a:solidFill>
+              </a:ln>
+            </a:endParaRPr>
+          </a:p>
+        </p:txBody>
+      </p:sp>
+      <p:sp>
+        <p:nvSpPr>
+          <p:cNvPr id="88" name="Ellipse 87">
+            <a:extLst>
+              <a:ext uri="{FF2B5EF4-FFF2-40B4-BE49-F238E27FC236}">
+                <a16:creationId xmlns:a16="http://schemas.microsoft.com/office/drawing/2014/main" id="{9EF5EFF4-CDA1-447E-8A89-D38FDEB78B83}"/>
+              </a:ext>
+            </a:extLst>
+          </p:cNvPr>
+          <p:cNvSpPr/>
+          <p:nvPr/>
+        </p:nvSpPr>
+        <p:spPr>
+          <a:xfrm>
+            <a:off x="7586625" y="848687"/>
+            <a:ext cx="432048" cy="432048"/>
+          </a:xfrm>
+          <a:prstGeom prst="ellipse">
+            <a:avLst/>
+          </a:prstGeom>
+          <a:solidFill>
+            <a:schemeClr val="accent6">
+              <a:lumMod val="20000"/>
+              <a:lumOff val="80000"/>
+            </a:schemeClr>
+          </a:solidFill>
+          <a:ln w="28575">
+            <a:solidFill>
+              <a:schemeClr val="accent6">
+                <a:lumMod val="75000"/>
+              </a:schemeClr>
+            </a:solidFill>
+          </a:ln>
+        </p:spPr>
+        <p:style>
+          <a:lnRef idx="2">
+            <a:schemeClr val="accent1">
+              <a:shade val="50000"/>
+            </a:schemeClr>
+          </a:lnRef>
+          <a:fillRef idx="1">
+            <a:schemeClr val="accent1"/>
+          </a:fillRef>
+          <a:effectRef idx="0">
+            <a:schemeClr val="accent1"/>
+          </a:effectRef>
+          <a:fontRef idx="minor">
+            <a:schemeClr val="lt1"/>
+          </a:fontRef>
+        </p:style>
+        <p:txBody>
+          <a:bodyPr lIns="0" tIns="0" rIns="0" bIns="0" rtlCol="0" anchor="ctr"/>
+          <a:lstStyle/>
+          <a:p>
+            <a:pPr algn="ctr"/>
+            <a:r>
+              <a:rPr lang="fr-FR" b="1" dirty="0">
+                <a:solidFill>
+                  <a:schemeClr val="accent6">
+                    <a:lumMod val="50000"/>
+                  </a:schemeClr>
+                </a:solidFill>
+              </a:rPr>
+              <a:t>2</a:t>
+            </a:r>
+          </a:p>
+        </p:txBody>
+      </p:sp>
+      <p:sp>
+        <p:nvSpPr>
+          <p:cNvPr id="89" name="Ellipse 88">
+            <a:extLst>
+              <a:ext uri="{FF2B5EF4-FFF2-40B4-BE49-F238E27FC236}">
+                <a16:creationId xmlns:a16="http://schemas.microsoft.com/office/drawing/2014/main" id="{1C44C14F-4617-4E99-AB4E-DCA9BC9EB849}"/>
+              </a:ext>
+            </a:extLst>
+          </p:cNvPr>
+          <p:cNvSpPr/>
+          <p:nvPr/>
+        </p:nvSpPr>
+        <p:spPr>
+          <a:xfrm>
+            <a:off x="6070330" y="2218578"/>
+            <a:ext cx="432048" cy="432048"/>
+          </a:xfrm>
+          <a:prstGeom prst="ellipse">
+            <a:avLst/>
+          </a:prstGeom>
+          <a:solidFill>
+            <a:schemeClr val="accent5">
+              <a:lumMod val="20000"/>
+              <a:lumOff val="80000"/>
+            </a:schemeClr>
+          </a:solidFill>
+          <a:ln w="28575">
+            <a:solidFill>
+              <a:schemeClr val="accent5">
+                <a:lumMod val="50000"/>
+              </a:schemeClr>
+            </a:solidFill>
+          </a:ln>
+        </p:spPr>
+        <p:style>
+          <a:lnRef idx="2">
+            <a:schemeClr val="accent1">
+              <a:shade val="50000"/>
+            </a:schemeClr>
+          </a:lnRef>
+          <a:fillRef idx="1">
+            <a:schemeClr val="accent1"/>
+          </a:fillRef>
+          <a:effectRef idx="0">
+            <a:schemeClr val="accent1"/>
+          </a:effectRef>
+          <a:fontRef idx="minor">
+            <a:schemeClr val="lt1"/>
+          </a:fontRef>
+        </p:style>
+        <p:txBody>
+          <a:bodyPr lIns="0" tIns="0" rIns="0" bIns="0" rtlCol="0" anchor="ctr"/>
+          <a:lstStyle/>
+          <a:p>
+            <a:pPr algn="ctr"/>
+            <a:r>
+              <a:rPr lang="fr-FR" b="1" dirty="0">
+                <a:solidFill>
+                  <a:schemeClr val="tx2"/>
+                </a:solidFill>
+              </a:rPr>
+              <a:t>1</a:t>
+            </a:r>
+          </a:p>
+        </p:txBody>
+      </p:sp>
+      <mc:AlternateContent xmlns:mc="http://schemas.openxmlformats.org/markup-compatibility/2006" xmlns:a14="http://schemas.microsoft.com/office/drawing/2010/main">
+        <mc:Choice Requires="a14">
+          <p:sp>
+            <p:nvSpPr>
+              <p:cNvPr id="90" name="ZoneTexte 89">
+                <a:extLst>
+                  <a:ext uri="{FF2B5EF4-FFF2-40B4-BE49-F238E27FC236}">
+                    <a16:creationId xmlns:a16="http://schemas.microsoft.com/office/drawing/2014/main" id="{7106F084-C236-4A33-AD5A-68FB30FFF653}"/>
+                  </a:ext>
+                </a:extLst>
+              </p:cNvPr>
+              <p:cNvSpPr txBox="1"/>
+              <p:nvPr/>
+            </p:nvSpPr>
+            <p:spPr>
+              <a:xfrm>
+                <a:off x="6575311" y="1576400"/>
+                <a:ext cx="148374" cy="276999"/>
+              </a:xfrm>
+              <a:prstGeom prst="rect">
+                <a:avLst/>
+              </a:prstGeom>
+              <a:noFill/>
+            </p:spPr>
+            <p:txBody>
+              <a:bodyPr wrap="none" lIns="0" tIns="0" rIns="0" bIns="0" rtlCol="0">
+                <a:spAutoFit/>
+              </a:bodyPr>
+              <a:lstStyle/>
+              <a:p>
+                <a:pPr/>
+                <a14:m>
+                  <m:oMathPara xmlns:m="http://schemas.openxmlformats.org/officeDocument/2006/math">
+                    <m:oMathParaPr>
+                      <m:jc m:val="centerGroup"/>
+                    </m:oMathParaPr>
+                    <m:oMath xmlns:m="http://schemas.openxmlformats.org/officeDocument/2006/math">
+                      <m:r>
+                        <a:rPr lang="fr-FR" b="0" i="1" smtClean="0">
+                          <a:latin typeface="Cambria Math" panose="02040503050406030204" pitchFamily="18" charset="0"/>
+                        </a:rPr>
+                        <m:t>𝐼</m:t>
+                      </m:r>
+                    </m:oMath>
+                  </m:oMathPara>
+                </a14:m>
+                <a:endParaRPr lang="fr-FR" dirty="0"/>
+              </a:p>
+            </p:txBody>
+          </p:sp>
+        </mc:Choice>
+        <mc:Fallback xmlns="">
+          <p:sp>
+            <p:nvSpPr>
+              <p:cNvPr id="90" name="ZoneTexte 89">
+                <a:extLst>
+                  <a:ext uri="{FF2B5EF4-FFF2-40B4-BE49-F238E27FC236}">
+                    <a16:creationId xmlns:a16="http://schemas.microsoft.com/office/drawing/2014/main" id="{7106F084-C236-4A33-AD5A-68FB30FFF653}"/>
+                  </a:ext>
+                </a:extLst>
+              </p:cNvPr>
+              <p:cNvSpPr txBox="1">
+                <a:spLocks noRot="1" noChangeAspect="1" noMove="1" noResize="1" noEditPoints="1" noAdjustHandles="1" noChangeArrowheads="1" noChangeShapeType="1" noTextEdit="1"/>
+              </p:cNvSpPr>
+              <p:nvPr/>
+            </p:nvSpPr>
+            <p:spPr>
+              <a:xfrm>
+                <a:off x="6575311" y="1576400"/>
+                <a:ext cx="148374" cy="276999"/>
+              </a:xfrm>
+              <a:prstGeom prst="rect">
+                <a:avLst/>
+              </a:prstGeom>
+              <a:blipFill>
+                <a:blip r:embed="rId8"/>
+                <a:stretch>
+                  <a:fillRect l="-41667" r="-29167" b="-6667"/>
+                </a:stretch>
+              </a:blipFill>
+            </p:spPr>
+            <p:txBody>
+              <a:bodyPr/>
+              <a:lstStyle/>
+              <a:p>
+                <a:r>
+                  <a:rPr lang="fr-FR">
+                    <a:noFill/>
+                  </a:rPr>
+                  <a:t> </a:t>
+                </a:r>
+              </a:p>
+            </p:txBody>
+          </p:sp>
+        </mc:Fallback>
+      </mc:AlternateContent>
+      <p:grpSp>
+        <p:nvGrpSpPr>
+          <p:cNvPr id="91" name="Groupe 90">
+            <a:extLst>
+              <a:ext uri="{FF2B5EF4-FFF2-40B4-BE49-F238E27FC236}">
+                <a16:creationId xmlns:a16="http://schemas.microsoft.com/office/drawing/2014/main" id="{0570E5DD-9FD9-4E71-8AB3-C325093ECC27}"/>
+              </a:ext>
+            </a:extLst>
+          </p:cNvPr>
+          <p:cNvGrpSpPr/>
+          <p:nvPr/>
+        </p:nvGrpSpPr>
+        <p:grpSpPr>
+          <a:xfrm>
+            <a:off x="6725364" y="1203773"/>
+            <a:ext cx="792088" cy="821544"/>
+            <a:chOff x="1691680" y="1916832"/>
+            <a:chExt cx="792088" cy="821544"/>
+          </a:xfrm>
+        </p:grpSpPr>
+        <p:cxnSp>
+          <p:nvCxnSpPr>
+            <p:cNvPr id="92" name="Connecteur droit 91">
+              <a:extLst>
+                <a:ext uri="{FF2B5EF4-FFF2-40B4-BE49-F238E27FC236}">
+                  <a16:creationId xmlns:a16="http://schemas.microsoft.com/office/drawing/2014/main" id="{E01FE0CE-23A6-40CE-80B2-9A04C4DEC0BC}"/>
+                </a:ext>
+              </a:extLst>
+            </p:cNvPr>
+            <p:cNvCxnSpPr/>
+            <p:nvPr/>
+          </p:nvCxnSpPr>
+          <p:spPr>
+            <a:xfrm flipV="1">
+              <a:off x="1691680" y="1916832"/>
+              <a:ext cx="0" cy="792088"/>
+            </a:xfrm>
+            <a:prstGeom prst="line">
+              <a:avLst/>
+            </a:prstGeom>
+            <a:ln w="19050">
+              <a:solidFill>
+                <a:schemeClr val="tx1"/>
+              </a:solidFill>
+              <a:tailEnd type="stealth" w="med" len="lg"/>
+            </a:ln>
+          </p:spPr>
+          <p:style>
+            <a:lnRef idx="1">
+              <a:schemeClr val="accent1"/>
+            </a:lnRef>
+            <a:fillRef idx="0">
+              <a:schemeClr val="accent1"/>
+            </a:fillRef>
+            <a:effectRef idx="0">
+              <a:schemeClr val="accent1"/>
+            </a:effectRef>
+            <a:fontRef idx="minor">
+              <a:schemeClr val="tx1"/>
+            </a:fontRef>
+          </p:style>
+        </p:cxnSp>
+        <p:cxnSp>
+          <p:nvCxnSpPr>
+            <p:cNvPr id="93" name="Connecteur droit 92">
+              <a:extLst>
+                <a:ext uri="{FF2B5EF4-FFF2-40B4-BE49-F238E27FC236}">
+                  <a16:creationId xmlns:a16="http://schemas.microsoft.com/office/drawing/2014/main" id="{66AEB41C-7F59-465E-A592-C5AB59DC1227}"/>
+                </a:ext>
+              </a:extLst>
+            </p:cNvPr>
+            <p:cNvCxnSpPr/>
+            <p:nvPr/>
+          </p:nvCxnSpPr>
+          <p:spPr>
+            <a:xfrm rot="5400000" flipV="1">
+              <a:off x="2087724" y="2312876"/>
+              <a:ext cx="0" cy="792088"/>
+            </a:xfrm>
+            <a:prstGeom prst="line">
+              <a:avLst/>
+            </a:prstGeom>
+            <a:ln w="19050">
+              <a:solidFill>
+                <a:schemeClr val="tx1"/>
+              </a:solidFill>
+              <a:tailEnd type="stealth" w="med" len="lg"/>
+            </a:ln>
+          </p:spPr>
+          <p:style>
+            <a:lnRef idx="1">
+              <a:schemeClr val="accent1"/>
+            </a:lnRef>
+            <a:fillRef idx="0">
+              <a:schemeClr val="accent1"/>
+            </a:fillRef>
+            <a:effectRef idx="0">
+              <a:schemeClr val="accent1"/>
+            </a:effectRef>
+            <a:fontRef idx="minor">
+              <a:schemeClr val="tx1"/>
+            </a:fontRef>
+          </p:style>
+        </p:cxnSp>
+        <p:cxnSp>
+          <p:nvCxnSpPr>
+            <p:cNvPr id="105" name="Connecteur droit 104">
+              <a:extLst>
+                <a:ext uri="{FF2B5EF4-FFF2-40B4-BE49-F238E27FC236}">
+                  <a16:creationId xmlns:a16="http://schemas.microsoft.com/office/drawing/2014/main" id="{A91CACB4-DBDB-41B5-8D10-C29FEFB37697}"/>
+                </a:ext>
+              </a:extLst>
+            </p:cNvPr>
+            <p:cNvCxnSpPr/>
+            <p:nvPr/>
+          </p:nvCxnSpPr>
+          <p:spPr>
+            <a:xfrm flipV="1">
+              <a:off x="1986588" y="1946288"/>
+              <a:ext cx="0" cy="792088"/>
+            </a:xfrm>
+            <a:prstGeom prst="line">
+              <a:avLst/>
+            </a:prstGeom>
+            <a:ln w="38100">
+              <a:solidFill>
+                <a:srgbClr val="FF0000"/>
+              </a:solidFill>
+              <a:tailEnd type="stealth" w="med" len="lg"/>
+            </a:ln>
+          </p:spPr>
+          <p:style>
+            <a:lnRef idx="1">
+              <a:schemeClr val="accent1"/>
+            </a:lnRef>
+            <a:fillRef idx="0">
+              <a:schemeClr val="accent1"/>
+            </a:fillRef>
+            <a:effectRef idx="0">
+              <a:schemeClr val="accent1"/>
+            </a:effectRef>
+            <a:fontRef idx="minor">
+              <a:schemeClr val="tx1"/>
+            </a:fontRef>
+          </p:style>
+        </p:cxnSp>
+      </p:grpSp>
+      <mc:AlternateContent xmlns:mc="http://schemas.openxmlformats.org/markup-compatibility/2006" xmlns:a14="http://schemas.microsoft.com/office/drawing/2010/main">
+        <mc:Choice Requires="a14">
+          <p:sp>
+            <p:nvSpPr>
+              <p:cNvPr id="94" name="ZoneTexte 93">
+                <a:extLst>
+                  <a:ext uri="{FF2B5EF4-FFF2-40B4-BE49-F238E27FC236}">
+                    <a16:creationId xmlns:a16="http://schemas.microsoft.com/office/drawing/2014/main" id="{1FA09F39-3F1B-4526-BDEF-3154165D6E98}"/>
+                  </a:ext>
+                </a:extLst>
+              </p:cNvPr>
+              <p:cNvSpPr txBox="1"/>
+              <p:nvPr/>
+            </p:nvSpPr>
+            <p:spPr>
+              <a:xfrm>
+                <a:off x="6529416" y="985811"/>
+                <a:ext cx="406714" cy="253916"/>
+              </a:xfrm>
+              <a:prstGeom prst="rect">
+                <a:avLst/>
+              </a:prstGeom>
+              <a:noFill/>
+            </p:spPr>
+            <p:txBody>
+              <a:bodyPr wrap="none" rtlCol="0">
+                <a:spAutoFit/>
+              </a:bodyPr>
+              <a:lstStyle/>
+              <a:p>
+                <a:pPr/>
+                <a14:m>
+                  <m:oMathPara xmlns:m="http://schemas.openxmlformats.org/officeDocument/2006/math">
+                    <m:oMathParaPr>
+                      <m:jc m:val="centerGroup"/>
+                    </m:oMathParaPr>
+                    <m:oMath xmlns:m="http://schemas.openxmlformats.org/officeDocument/2006/math">
+                      <m:acc>
+                        <m:accPr>
+                          <m:chr m:val="⃗"/>
+                          <m:ctrlPr>
+                            <a:rPr lang="fr-FR" sz="1050" b="0" i="1" smtClean="0">
+                              <a:latin typeface="Cambria Math" panose="02040503050406030204" pitchFamily="18" charset="0"/>
+                            </a:rPr>
+                          </m:ctrlPr>
+                        </m:accPr>
+                        <m:e>
+                          <m:sSub>
+                            <m:sSubPr>
+                              <m:ctrlPr>
+                                <a:rPr lang="fr-FR" sz="1050" b="0" i="1" smtClean="0">
+                                  <a:latin typeface="Cambria Math" panose="02040503050406030204" pitchFamily="18" charset="0"/>
+                                </a:rPr>
+                              </m:ctrlPr>
+                            </m:sSubPr>
+                            <m:e>
+                              <m:r>
+                                <a:rPr lang="fr-FR" sz="1050" i="1" smtClean="0">
+                                  <a:latin typeface="Cambria Math" panose="02040503050406030204" pitchFamily="18" charset="0"/>
+                                </a:rPr>
+                                <m:t>𝑛</m:t>
+                              </m:r>
+                            </m:e>
+                            <m:sub>
+                              <m:r>
+                                <a:rPr lang="fr-FR" sz="1050" b="0" i="1" smtClean="0">
+                                  <a:latin typeface="Cambria Math" panose="02040503050406030204" pitchFamily="18" charset="0"/>
+                                </a:rPr>
+                                <m:t>12</m:t>
+                              </m:r>
+                            </m:sub>
+                          </m:sSub>
+                        </m:e>
+                      </m:acc>
+                    </m:oMath>
+                  </m:oMathPara>
+                </a14:m>
+                <a:endParaRPr lang="fr-FR" sz="1050" dirty="0"/>
+              </a:p>
+            </p:txBody>
+          </p:sp>
+        </mc:Choice>
+        <mc:Fallback xmlns="">
+          <p:sp>
+            <p:nvSpPr>
+              <p:cNvPr id="94" name="ZoneTexte 93">
+                <a:extLst>
+                  <a:ext uri="{FF2B5EF4-FFF2-40B4-BE49-F238E27FC236}">
+                    <a16:creationId xmlns:a16="http://schemas.microsoft.com/office/drawing/2014/main" id="{1FA09F39-3F1B-4526-BDEF-3154165D6E98}"/>
+                  </a:ext>
+                </a:extLst>
+              </p:cNvPr>
+              <p:cNvSpPr txBox="1">
+                <a:spLocks noRot="1" noChangeAspect="1" noMove="1" noResize="1" noEditPoints="1" noAdjustHandles="1" noChangeArrowheads="1" noChangeShapeType="1" noTextEdit="1"/>
+              </p:cNvSpPr>
+              <p:nvPr/>
+            </p:nvSpPr>
+            <p:spPr>
+              <a:xfrm>
+                <a:off x="6529416" y="985811"/>
+                <a:ext cx="406714" cy="253916"/>
+              </a:xfrm>
+              <a:prstGeom prst="rect">
+                <a:avLst/>
+              </a:prstGeom>
+              <a:blipFill>
+                <a:blip r:embed="rId9"/>
+                <a:stretch>
+                  <a:fillRect/>
+                </a:stretch>
+              </a:blipFill>
+            </p:spPr>
+            <p:txBody>
+              <a:bodyPr/>
+              <a:lstStyle/>
+              <a:p>
+                <a:r>
+                  <a:rPr lang="fr-FR">
+                    <a:noFill/>
+                  </a:rPr>
+                  <a:t> </a:t>
+                </a:r>
+              </a:p>
+            </p:txBody>
+          </p:sp>
+        </mc:Fallback>
+      </mc:AlternateContent>
+      <mc:AlternateContent xmlns:mc="http://schemas.openxmlformats.org/markup-compatibility/2006" xmlns:a14="http://schemas.microsoft.com/office/drawing/2010/main">
+        <mc:Choice Requires="a14">
+          <p:sp>
+            <p:nvSpPr>
+              <p:cNvPr id="95" name="ZoneTexte 94">
+                <a:extLst>
+                  <a:ext uri="{FF2B5EF4-FFF2-40B4-BE49-F238E27FC236}">
+                    <a16:creationId xmlns:a16="http://schemas.microsoft.com/office/drawing/2014/main" id="{8AA1AB28-181C-44D6-BD33-208DBCEA2519}"/>
+                  </a:ext>
+                </a:extLst>
+              </p:cNvPr>
+              <p:cNvSpPr txBox="1"/>
+              <p:nvPr/>
+            </p:nvSpPr>
+            <p:spPr>
+              <a:xfrm>
+                <a:off x="7517452" y="1868903"/>
+                <a:ext cx="380682" cy="262957"/>
+              </a:xfrm>
+              <a:prstGeom prst="rect">
+                <a:avLst/>
+              </a:prstGeom>
+              <a:noFill/>
+            </p:spPr>
+            <p:txBody>
+              <a:bodyPr wrap="none" rtlCol="0">
+                <a:spAutoFit/>
+              </a:bodyPr>
+              <a:lstStyle/>
+              <a:p>
+                <a:pPr/>
+                <a14:m>
+                  <m:oMathPara xmlns:m="http://schemas.openxmlformats.org/officeDocument/2006/math">
+                    <m:oMathParaPr>
+                      <m:jc m:val="centerGroup"/>
+                    </m:oMathParaPr>
+                    <m:oMath xmlns:m="http://schemas.openxmlformats.org/officeDocument/2006/math">
+                      <m:acc>
+                        <m:accPr>
+                          <m:chr m:val="⃗"/>
+                          <m:ctrlPr>
+                            <a:rPr lang="fr-FR" sz="1050" b="0" i="1" smtClean="0">
+                              <a:latin typeface="Cambria Math" panose="02040503050406030204" pitchFamily="18" charset="0"/>
+                            </a:rPr>
+                          </m:ctrlPr>
+                        </m:accPr>
+                        <m:e>
+                          <m:sSub>
+                            <m:sSubPr>
+                              <m:ctrlPr>
+                                <a:rPr lang="fr-FR" sz="1050" b="0" i="1" smtClean="0">
+                                  <a:latin typeface="Cambria Math" panose="02040503050406030204" pitchFamily="18" charset="0"/>
+                                </a:rPr>
+                              </m:ctrlPr>
+                            </m:sSubPr>
+                            <m:e>
+                              <m:r>
+                                <a:rPr lang="fr-FR" sz="1050" b="0" i="1" smtClean="0">
+                                  <a:latin typeface="Cambria Math" panose="02040503050406030204" pitchFamily="18" charset="0"/>
+                                </a:rPr>
+                                <m:t>𝑡</m:t>
+                              </m:r>
+                            </m:e>
+                            <m:sub>
+                              <m:r>
+                                <a:rPr lang="fr-FR" sz="1050" b="0" i="1" smtClean="0">
+                                  <a:latin typeface="Cambria Math" panose="02040503050406030204" pitchFamily="18" charset="0"/>
+                                </a:rPr>
+                                <m:t>12</m:t>
+                              </m:r>
+                            </m:sub>
+                          </m:sSub>
+                        </m:e>
+                      </m:acc>
+                    </m:oMath>
+                  </m:oMathPara>
+                </a14:m>
+                <a:endParaRPr lang="fr-FR" sz="1050" dirty="0"/>
+              </a:p>
+            </p:txBody>
+          </p:sp>
+        </mc:Choice>
+        <mc:Fallback xmlns="">
+          <p:sp>
+            <p:nvSpPr>
+              <p:cNvPr id="95" name="ZoneTexte 94">
+                <a:extLst>
+                  <a:ext uri="{FF2B5EF4-FFF2-40B4-BE49-F238E27FC236}">
+                    <a16:creationId xmlns:a16="http://schemas.microsoft.com/office/drawing/2014/main" id="{8AA1AB28-181C-44D6-BD33-208DBCEA2519}"/>
+                  </a:ext>
+                </a:extLst>
+              </p:cNvPr>
+              <p:cNvSpPr txBox="1">
+                <a:spLocks noRot="1" noChangeAspect="1" noMove="1" noResize="1" noEditPoints="1" noAdjustHandles="1" noChangeArrowheads="1" noChangeShapeType="1" noTextEdit="1"/>
+              </p:cNvSpPr>
+              <p:nvPr/>
+            </p:nvSpPr>
+            <p:spPr>
+              <a:xfrm>
+                <a:off x="7517452" y="1868903"/>
+                <a:ext cx="380682" cy="262957"/>
+              </a:xfrm>
+              <a:prstGeom prst="rect">
+                <a:avLst/>
+              </a:prstGeom>
+              <a:blipFill>
+                <a:blip r:embed="rId10"/>
+                <a:stretch>
+                  <a:fillRect/>
+                </a:stretch>
+              </a:blipFill>
+            </p:spPr>
+            <p:txBody>
+              <a:bodyPr/>
+              <a:lstStyle/>
+              <a:p>
+                <a:r>
+                  <a:rPr lang="fr-FR">
+                    <a:noFill/>
+                  </a:rPr>
+                  <a:t> </a:t>
+                </a:r>
+              </a:p>
+            </p:txBody>
+          </p:sp>
+        </mc:Fallback>
+      </mc:AlternateContent>
+      <p:grpSp>
+        <p:nvGrpSpPr>
+          <p:cNvPr id="96" name="Groupe 95">
+            <a:extLst>
+              <a:ext uri="{FF2B5EF4-FFF2-40B4-BE49-F238E27FC236}">
+                <a16:creationId xmlns:a16="http://schemas.microsoft.com/office/drawing/2014/main" id="{E550E286-A2EE-45B1-BE47-1CDD9F44DE9B}"/>
+              </a:ext>
+            </a:extLst>
+          </p:cNvPr>
+          <p:cNvGrpSpPr/>
+          <p:nvPr/>
+        </p:nvGrpSpPr>
+        <p:grpSpPr>
+          <a:xfrm>
+            <a:off x="6286354" y="1456747"/>
+            <a:ext cx="132100" cy="129004"/>
+            <a:chOff x="3275856" y="2276872"/>
+            <a:chExt cx="132100" cy="129004"/>
+          </a:xfrm>
+        </p:grpSpPr>
+        <p:sp>
+          <p:nvSpPr>
+            <p:cNvPr id="97" name="Ellipse 96">
+              <a:extLst>
+                <a:ext uri="{FF2B5EF4-FFF2-40B4-BE49-F238E27FC236}">
+                  <a16:creationId xmlns:a16="http://schemas.microsoft.com/office/drawing/2014/main" id="{560E87B3-AFAB-447D-B33A-14A43F5202E2}"/>
+                </a:ext>
+              </a:extLst>
+            </p:cNvPr>
+            <p:cNvSpPr/>
+            <p:nvPr/>
+          </p:nvSpPr>
+          <p:spPr>
+            <a:xfrm>
+              <a:off x="3275856" y="2276872"/>
+              <a:ext cx="132100" cy="129004"/>
+            </a:xfrm>
+            <a:prstGeom prst="ellipse">
+              <a:avLst/>
+            </a:prstGeom>
+            <a:solidFill>
+              <a:schemeClr val="bg1"/>
+            </a:solidFill>
+            <a:ln w="19050">
+              <a:solidFill>
+                <a:schemeClr val="tx1"/>
+              </a:solidFill>
+            </a:ln>
+          </p:spPr>
+          <p:style>
+            <a:lnRef idx="2">
+              <a:schemeClr val="accent1">
+                <a:shade val="50000"/>
+              </a:schemeClr>
+            </a:lnRef>
+            <a:fillRef idx="1">
+              <a:schemeClr val="accent1"/>
+            </a:fillRef>
+            <a:effectRef idx="0">
+              <a:schemeClr val="accent1"/>
+            </a:effectRef>
+            <a:fontRef idx="minor">
+              <a:schemeClr val="lt1"/>
+            </a:fontRef>
+          </p:style>
+          <p:txBody>
+            <a:bodyPr lIns="0" tIns="0" rIns="0" bIns="0" rtlCol="0" anchor="ctr"/>
+            <a:lstStyle/>
+            <a:p>
+              <a:pPr algn="ctr"/>
+              <a:endParaRPr lang="fr-FR" b="1" dirty="0">
+                <a:solidFill>
+                  <a:schemeClr val="tx2"/>
+                </a:solidFill>
+              </a:endParaRPr>
+            </a:p>
+          </p:txBody>
+        </p:sp>
+        <p:cxnSp>
+          <p:nvCxnSpPr>
+            <p:cNvPr id="98" name="Connecteur droit 97">
+              <a:extLst>
+                <a:ext uri="{FF2B5EF4-FFF2-40B4-BE49-F238E27FC236}">
+                  <a16:creationId xmlns:a16="http://schemas.microsoft.com/office/drawing/2014/main" id="{C7E1DCD4-5BED-4B19-A144-462AEB130F5A}"/>
+                </a:ext>
+              </a:extLst>
+            </p:cNvPr>
+            <p:cNvCxnSpPr>
+              <a:stCxn id="97" idx="1"/>
+              <a:endCxn id="97" idx="5"/>
+            </p:cNvCxnSpPr>
+            <p:nvPr/>
+          </p:nvCxnSpPr>
+          <p:spPr>
+            <a:xfrm>
+              <a:off x="3295202" y="2295764"/>
+              <a:ext cx="93408" cy="91220"/>
+            </a:xfrm>
+            <a:prstGeom prst="line">
+              <a:avLst/>
+            </a:prstGeom>
+            <a:solidFill>
+              <a:schemeClr val="bg1"/>
+            </a:solidFill>
+            <a:ln w="19050">
+              <a:solidFill>
+                <a:schemeClr val="tx1"/>
+              </a:solidFill>
+            </a:ln>
+          </p:spPr>
+          <p:style>
+            <a:lnRef idx="2">
+              <a:schemeClr val="accent1">
+                <a:shade val="50000"/>
+              </a:schemeClr>
+            </a:lnRef>
+            <a:fillRef idx="1">
+              <a:schemeClr val="accent1"/>
+            </a:fillRef>
+            <a:effectRef idx="0">
+              <a:schemeClr val="accent1"/>
+            </a:effectRef>
+            <a:fontRef idx="minor">
+              <a:schemeClr val="lt1"/>
+            </a:fontRef>
+          </p:style>
+        </p:cxnSp>
+        <p:cxnSp>
+          <p:nvCxnSpPr>
+            <p:cNvPr id="99" name="Connecteur droit 98">
+              <a:extLst>
+                <a:ext uri="{FF2B5EF4-FFF2-40B4-BE49-F238E27FC236}">
+                  <a16:creationId xmlns:a16="http://schemas.microsoft.com/office/drawing/2014/main" id="{EE5A3665-9948-4BD4-BBBF-44C60B232F9A}"/>
+                </a:ext>
+              </a:extLst>
+            </p:cNvPr>
+            <p:cNvCxnSpPr>
+              <a:stCxn id="97" idx="7"/>
+              <a:endCxn id="97" idx="3"/>
+            </p:cNvCxnSpPr>
+            <p:nvPr/>
+          </p:nvCxnSpPr>
+          <p:spPr>
+            <a:xfrm flipH="1">
+              <a:off x="3295202" y="2295764"/>
+              <a:ext cx="93408" cy="91220"/>
+            </a:xfrm>
+            <a:prstGeom prst="line">
+              <a:avLst/>
+            </a:prstGeom>
+            <a:solidFill>
+              <a:schemeClr val="bg1"/>
+            </a:solidFill>
+            <a:ln w="19050">
+              <a:solidFill>
+                <a:schemeClr val="tx1"/>
+              </a:solidFill>
+            </a:ln>
+          </p:spPr>
+          <p:style>
+            <a:lnRef idx="2">
+              <a:schemeClr val="accent1">
+                <a:shade val="50000"/>
+              </a:schemeClr>
+            </a:lnRef>
+            <a:fillRef idx="1">
+              <a:schemeClr val="accent1"/>
+            </a:fillRef>
+            <a:effectRef idx="0">
+              <a:schemeClr val="accent1"/>
+            </a:effectRef>
+            <a:fontRef idx="minor">
+              <a:schemeClr val="lt1"/>
+            </a:fontRef>
+          </p:style>
+        </p:cxnSp>
+      </p:grpSp>
+      <mc:AlternateContent xmlns:mc="http://schemas.openxmlformats.org/markup-compatibility/2006" xmlns:a14="http://schemas.microsoft.com/office/drawing/2010/main">
+        <mc:Choice Requires="a14">
+          <p:sp>
+            <p:nvSpPr>
+              <p:cNvPr id="100" name="ZoneTexte 99">
+                <a:extLst>
+                  <a:ext uri="{FF2B5EF4-FFF2-40B4-BE49-F238E27FC236}">
+                    <a16:creationId xmlns:a16="http://schemas.microsoft.com/office/drawing/2014/main" id="{768F3150-4A06-4301-B8B9-C3C9946C2423}"/>
+                  </a:ext>
+                </a:extLst>
+              </p:cNvPr>
+              <p:cNvSpPr txBox="1"/>
+              <p:nvPr/>
+            </p:nvSpPr>
+            <p:spPr>
+              <a:xfrm>
+                <a:off x="6074457" y="1321693"/>
+                <a:ext cx="283154" cy="253916"/>
+              </a:xfrm>
+              <a:prstGeom prst="rect">
+                <a:avLst/>
+              </a:prstGeom>
+              <a:noFill/>
+            </p:spPr>
+            <p:txBody>
+              <a:bodyPr wrap="none" rtlCol="0">
+                <a:spAutoFit/>
+              </a:bodyPr>
+              <a:lstStyle/>
+              <a:p>
+                <a:pPr/>
+                <a14:m>
+                  <m:oMathPara xmlns:m="http://schemas.openxmlformats.org/officeDocument/2006/math">
+                    <m:oMathParaPr>
+                      <m:jc m:val="centerGroup"/>
+                    </m:oMathParaPr>
+                    <m:oMath xmlns:m="http://schemas.openxmlformats.org/officeDocument/2006/math">
+                      <m:acc>
+                        <m:accPr>
+                          <m:chr m:val="⃗"/>
+                          <m:ctrlPr>
+                            <a:rPr lang="fr-FR" sz="1050" b="0" i="1" smtClean="0">
+                              <a:latin typeface="Cambria Math" panose="02040503050406030204" pitchFamily="18" charset="0"/>
+                            </a:rPr>
+                          </m:ctrlPr>
+                        </m:accPr>
+                        <m:e>
+                          <m:r>
+                            <a:rPr lang="fr-FR" sz="1050" b="0" i="1" smtClean="0">
+                              <a:latin typeface="Cambria Math" panose="02040503050406030204" pitchFamily="18" charset="0"/>
+                            </a:rPr>
+                            <m:t>𝑧</m:t>
+                          </m:r>
+                        </m:e>
+                      </m:acc>
+                    </m:oMath>
+                  </m:oMathPara>
+                </a14:m>
+                <a:endParaRPr lang="fr-FR" sz="1050" dirty="0"/>
+              </a:p>
+            </p:txBody>
+          </p:sp>
+        </mc:Choice>
+        <mc:Fallback xmlns="">
+          <p:sp>
+            <p:nvSpPr>
+              <p:cNvPr id="100" name="ZoneTexte 99">
+                <a:extLst>
+                  <a:ext uri="{FF2B5EF4-FFF2-40B4-BE49-F238E27FC236}">
+                    <a16:creationId xmlns:a16="http://schemas.microsoft.com/office/drawing/2014/main" id="{768F3150-4A06-4301-B8B9-C3C9946C2423}"/>
+                  </a:ext>
+                </a:extLst>
+              </p:cNvPr>
+              <p:cNvSpPr txBox="1">
+                <a:spLocks noRot="1" noChangeAspect="1" noMove="1" noResize="1" noEditPoints="1" noAdjustHandles="1" noChangeArrowheads="1" noChangeShapeType="1" noTextEdit="1"/>
+              </p:cNvSpPr>
+              <p:nvPr/>
+            </p:nvSpPr>
+            <p:spPr>
+              <a:xfrm>
+                <a:off x="6074457" y="1321693"/>
+                <a:ext cx="283154" cy="253916"/>
+              </a:xfrm>
+              <a:prstGeom prst="rect">
+                <a:avLst/>
+              </a:prstGeom>
+              <a:blipFill>
+                <a:blip r:embed="rId11"/>
+                <a:stretch>
+                  <a:fillRect t="-2439" r="-2128"/>
+                </a:stretch>
+              </a:blipFill>
+            </p:spPr>
+            <p:txBody>
+              <a:bodyPr/>
+              <a:lstStyle/>
+              <a:p>
+                <a:r>
+                  <a:rPr lang="fr-FR">
+                    <a:noFill/>
+                  </a:rPr>
+                  <a:t> </a:t>
+                </a:r>
+              </a:p>
+            </p:txBody>
+          </p:sp>
+        </mc:Fallback>
+      </mc:AlternateContent>
+      <mc:AlternateContent xmlns:mc="http://schemas.openxmlformats.org/markup-compatibility/2006" xmlns:a14="http://schemas.microsoft.com/office/drawing/2010/main">
+        <mc:Choice Requires="a14">
+          <p:sp>
+            <p:nvSpPr>
+              <p:cNvPr id="102" name="ZoneTexte 101">
+                <a:extLst>
+                  <a:ext uri="{FF2B5EF4-FFF2-40B4-BE49-F238E27FC236}">
+                    <a16:creationId xmlns:a16="http://schemas.microsoft.com/office/drawing/2014/main" id="{77449176-30E5-4430-8837-1F0AF09839B5}"/>
+                  </a:ext>
+                </a:extLst>
+              </p:cNvPr>
+              <p:cNvSpPr txBox="1"/>
+              <p:nvPr/>
+            </p:nvSpPr>
+            <p:spPr>
+              <a:xfrm>
+                <a:off x="5889855" y="766147"/>
+                <a:ext cx="652358" cy="284630"/>
+              </a:xfrm>
+              <a:prstGeom prst="rect">
+                <a:avLst/>
+              </a:prstGeom>
+              <a:noFill/>
+            </p:spPr>
+            <p:txBody>
+              <a:bodyPr wrap="none" rtlCol="0">
+                <a:spAutoFit/>
+              </a:bodyPr>
+              <a:lstStyle/>
+              <a:p>
+                <a:pPr/>
+                <a14:m>
+                  <m:oMathPara xmlns:m="http://schemas.openxmlformats.org/officeDocument/2006/math">
+                    <m:oMathParaPr>
+                      <m:jc m:val="centerGroup"/>
+                    </m:oMathParaPr>
+                    <m:oMath xmlns:m="http://schemas.openxmlformats.org/officeDocument/2006/math">
+                      <m:acc>
+                        <m:accPr>
+                          <m:chr m:val="⃗"/>
+                          <m:ctrlPr>
+                            <a:rPr lang="fr-FR" sz="1050" b="1" i="1" smtClean="0">
+                              <a:latin typeface="Cambria Math" panose="02040503050406030204" pitchFamily="18" charset="0"/>
+                            </a:rPr>
+                          </m:ctrlPr>
+                        </m:accPr>
+                        <m:e>
+                          <m:r>
+                            <a:rPr lang="fr-FR" sz="1050" b="1" i="0" smtClean="0">
+                              <a:latin typeface="Cambria Math" panose="02040503050406030204" pitchFamily="18" charset="0"/>
+                            </a:rPr>
+                            <m:t>𝛀</m:t>
+                          </m:r>
+                          <m:d>
+                            <m:dPr>
+                              <m:ctrlPr>
+                                <a:rPr lang="fr-FR" sz="1050" b="1" i="1" smtClean="0">
+                                  <a:latin typeface="Cambria Math" panose="02040503050406030204" pitchFamily="18" charset="0"/>
+                                </a:rPr>
+                              </m:ctrlPr>
+                            </m:dPr>
+                            <m:e>
+                              <m:r>
+                                <a:rPr lang="fr-FR" sz="1050" b="1" i="1" smtClean="0">
+                                  <a:latin typeface="Cambria Math" panose="02040503050406030204" pitchFamily="18" charset="0"/>
+                                </a:rPr>
+                                <m:t>𝟐</m:t>
+                              </m:r>
+                              <m:r>
+                                <m:rPr>
+                                  <m:lit/>
+                                </m:rPr>
+                                <a:rPr lang="fr-FR" sz="1050" b="1" i="1" smtClean="0">
+                                  <a:latin typeface="Cambria Math" panose="02040503050406030204" pitchFamily="18" charset="0"/>
+                                </a:rPr>
+                                <m:t>/</m:t>
+                              </m:r>
+                              <m:r>
+                                <a:rPr lang="fr-FR" sz="1050" b="1" i="1" smtClean="0">
+                                  <a:latin typeface="Cambria Math" panose="02040503050406030204" pitchFamily="18" charset="0"/>
+                                </a:rPr>
+                                <m:t>𝟏</m:t>
+                              </m:r>
+                            </m:e>
+                          </m:d>
+                        </m:e>
+                      </m:acc>
+                    </m:oMath>
+                  </m:oMathPara>
+                </a14:m>
+                <a:endParaRPr lang="fr-FR" sz="1050" b="1" dirty="0"/>
+              </a:p>
+            </p:txBody>
+          </p:sp>
+        </mc:Choice>
+        <mc:Fallback xmlns="">
+          <p:sp>
+            <p:nvSpPr>
+              <p:cNvPr id="102" name="ZoneTexte 101">
+                <a:extLst>
+                  <a:ext uri="{FF2B5EF4-FFF2-40B4-BE49-F238E27FC236}">
+                    <a16:creationId xmlns:a16="http://schemas.microsoft.com/office/drawing/2014/main" id="{77449176-30E5-4430-8837-1F0AF09839B5}"/>
+                  </a:ext>
+                </a:extLst>
+              </p:cNvPr>
+              <p:cNvSpPr txBox="1">
+                <a:spLocks noRot="1" noChangeAspect="1" noMove="1" noResize="1" noEditPoints="1" noAdjustHandles="1" noChangeArrowheads="1" noChangeShapeType="1" noTextEdit="1"/>
+              </p:cNvSpPr>
+              <p:nvPr/>
+            </p:nvSpPr>
+            <p:spPr>
+              <a:xfrm>
+                <a:off x="5889855" y="766147"/>
+                <a:ext cx="652358" cy="284630"/>
+              </a:xfrm>
+              <a:prstGeom prst="rect">
+                <a:avLst/>
+              </a:prstGeom>
+              <a:blipFill>
+                <a:blip r:embed="rId12"/>
+                <a:stretch>
+                  <a:fillRect b="-6522"/>
+                </a:stretch>
+              </a:blipFill>
+            </p:spPr>
+            <p:txBody>
+              <a:bodyPr/>
+              <a:lstStyle/>
+              <a:p>
+                <a:r>
+                  <a:rPr lang="fr-FR">
+                    <a:noFill/>
+                  </a:rPr>
+                  <a:t> </a:t>
+                </a:r>
+              </a:p>
+            </p:txBody>
+          </p:sp>
+        </mc:Fallback>
+      </mc:AlternateContent>
+      <p:sp>
+        <p:nvSpPr>
+          <p:cNvPr id="103" name="Arc 102">
+            <a:extLst>
+              <a:ext uri="{FF2B5EF4-FFF2-40B4-BE49-F238E27FC236}">
+                <a16:creationId xmlns:a16="http://schemas.microsoft.com/office/drawing/2014/main" id="{672BACAC-2ADB-469B-A43A-1A0F84BC3519}"/>
+              </a:ext>
+            </a:extLst>
+          </p:cNvPr>
+          <p:cNvSpPr/>
+          <p:nvPr/>
+        </p:nvSpPr>
+        <p:spPr>
+          <a:xfrm>
+            <a:off x="5927606" y="275905"/>
+            <a:ext cx="1589846" cy="1589846"/>
+          </a:xfrm>
+          <a:prstGeom prst="arc">
+            <a:avLst>
+              <a:gd name="adj1" fmla="val 8329463"/>
+              <a:gd name="adj2" fmla="val 11367161"/>
+            </a:avLst>
+          </a:prstGeom>
+          <a:ln w="28575">
+            <a:solidFill>
+              <a:srgbClr val="00B050"/>
+            </a:solidFill>
+            <a:headEnd type="none" w="sm" len="lg"/>
+            <a:tailEnd type="stealth" w="med" len="med"/>
+          </a:ln>
+        </p:spPr>
+        <p:style>
+          <a:lnRef idx="1">
+            <a:schemeClr val="accent1"/>
+          </a:lnRef>
+          <a:fillRef idx="0">
+            <a:schemeClr val="accent1"/>
+          </a:fillRef>
+          <a:effectRef idx="0">
+            <a:schemeClr val="accent1"/>
+          </a:effectRef>
+          <a:fontRef idx="minor">
+            <a:schemeClr val="tx1"/>
+          </a:fontRef>
+        </p:style>
+        <p:txBody>
+          <a:bodyPr rtlCol="0" anchor="ctr"/>
+          <a:lstStyle/>
+          <a:p>
+            <a:pPr algn="ctr"/>
+            <a:endParaRPr lang="fr-FR"/>
+          </a:p>
+        </p:txBody>
+      </p:sp>
+      <mc:AlternateContent xmlns:mc="http://schemas.openxmlformats.org/markup-compatibility/2006" xmlns:a14="http://schemas.microsoft.com/office/drawing/2010/main">
+        <mc:Choice Requires="a14">
+          <p:sp>
+            <p:nvSpPr>
+              <p:cNvPr id="106" name="ZoneTexte 105">
+                <a:extLst>
+                  <a:ext uri="{FF2B5EF4-FFF2-40B4-BE49-F238E27FC236}">
+                    <a16:creationId xmlns:a16="http://schemas.microsoft.com/office/drawing/2014/main" id="{06A22592-076D-4B4E-9F81-A6C3A953A170}"/>
+                  </a:ext>
+                </a:extLst>
+              </p:cNvPr>
+              <p:cNvSpPr txBox="1"/>
+              <p:nvPr/>
+            </p:nvSpPr>
+            <p:spPr>
+              <a:xfrm>
+                <a:off x="7030581" y="959639"/>
+                <a:ext cx="478016" cy="299441"/>
+              </a:xfrm>
+              <a:prstGeom prst="rect">
+                <a:avLst/>
+              </a:prstGeom>
+              <a:noFill/>
+            </p:spPr>
+            <p:txBody>
+              <a:bodyPr wrap="none" rtlCol="0">
+                <a:spAutoFit/>
+              </a:bodyPr>
+              <a:lstStyle/>
+              <a:p>
+                <a:pPr/>
+                <a14:m>
+                  <m:oMathPara xmlns:m="http://schemas.openxmlformats.org/officeDocument/2006/math">
+                    <m:oMathParaPr>
+                      <m:jc m:val="centerGroup"/>
+                    </m:oMathParaPr>
+                    <m:oMath xmlns:m="http://schemas.openxmlformats.org/officeDocument/2006/math">
+                      <m:acc>
+                        <m:accPr>
+                          <m:chr m:val="⃗"/>
+                          <m:ctrlPr>
+                            <a:rPr lang="fr-FR" sz="1200" b="1" i="1" smtClean="0">
+                              <a:latin typeface="Cambria Math" panose="02040503050406030204" pitchFamily="18" charset="0"/>
+                            </a:rPr>
+                          </m:ctrlPr>
+                        </m:accPr>
+                        <m:e>
+                          <m:sSub>
+                            <m:sSubPr>
+                              <m:ctrlPr>
+                                <a:rPr lang="fr-FR" sz="1200" b="1" i="1" smtClean="0">
+                                  <a:latin typeface="Cambria Math" panose="02040503050406030204" pitchFamily="18" charset="0"/>
+                                </a:rPr>
+                              </m:ctrlPr>
+                            </m:sSubPr>
+                            <m:e>
+                              <m:r>
+                                <a:rPr lang="fr-FR" sz="1200" b="1" i="1" smtClean="0">
+                                  <a:latin typeface="Cambria Math" panose="02040503050406030204" pitchFamily="18" charset="0"/>
+                                </a:rPr>
+                                <m:t>𝑵</m:t>
+                              </m:r>
+                            </m:e>
+                            <m:sub>
+                              <m:r>
+                                <a:rPr lang="fr-FR" sz="1200" b="1" i="1" smtClean="0">
+                                  <a:latin typeface="Cambria Math" panose="02040503050406030204" pitchFamily="18" charset="0"/>
+                                </a:rPr>
+                                <m:t>𝟏𝟐</m:t>
+                              </m:r>
+                            </m:sub>
+                          </m:sSub>
+                        </m:e>
+                      </m:acc>
+                    </m:oMath>
+                  </m:oMathPara>
+                </a14:m>
+                <a:endParaRPr lang="fr-FR" sz="1200" b="1" dirty="0"/>
+              </a:p>
+            </p:txBody>
+          </p:sp>
+        </mc:Choice>
+        <mc:Fallback xmlns="">
+          <p:sp>
+            <p:nvSpPr>
+              <p:cNvPr id="106" name="ZoneTexte 105">
+                <a:extLst>
+                  <a:ext uri="{FF2B5EF4-FFF2-40B4-BE49-F238E27FC236}">
+                    <a16:creationId xmlns:a16="http://schemas.microsoft.com/office/drawing/2014/main" id="{06A22592-076D-4B4E-9F81-A6C3A953A170}"/>
+                  </a:ext>
+                </a:extLst>
+              </p:cNvPr>
+              <p:cNvSpPr txBox="1">
+                <a:spLocks noRot="1" noChangeAspect="1" noMove="1" noResize="1" noEditPoints="1" noAdjustHandles="1" noChangeArrowheads="1" noChangeShapeType="1" noTextEdit="1"/>
+              </p:cNvSpPr>
+              <p:nvPr/>
+            </p:nvSpPr>
+            <p:spPr>
+              <a:xfrm>
+                <a:off x="7030581" y="959639"/>
+                <a:ext cx="478016" cy="299441"/>
+              </a:xfrm>
+              <a:prstGeom prst="rect">
+                <a:avLst/>
+              </a:prstGeom>
+              <a:blipFill>
+                <a:blip r:embed="rId13"/>
+                <a:stretch>
+                  <a:fillRect/>
+                </a:stretch>
+              </a:blipFill>
+            </p:spPr>
+            <p:txBody>
+              <a:bodyPr/>
+              <a:lstStyle/>
+              <a:p>
+                <a:r>
+                  <a:rPr lang="fr-FR">
+                    <a:noFill/>
+                  </a:rPr>
+                  <a:t> </a:t>
+                </a:r>
+              </a:p>
+            </p:txBody>
+          </p:sp>
+        </mc:Fallback>
+      </mc:AlternateContent>
+      <mc:AlternateContent xmlns:mc="http://schemas.openxmlformats.org/markup-compatibility/2006" xmlns:a14="http://schemas.microsoft.com/office/drawing/2010/main">
+        <mc:Choice Requires="a14">
+          <p:sp>
+            <p:nvSpPr>
+              <p:cNvPr id="107" name="ZoneTexte 106">
+                <a:extLst>
+                  <a:ext uri="{FF2B5EF4-FFF2-40B4-BE49-F238E27FC236}">
+                    <a16:creationId xmlns:a16="http://schemas.microsoft.com/office/drawing/2014/main" id="{BD7397DE-E2C7-4AE3-96F6-331326BFB681}"/>
+                  </a:ext>
+                </a:extLst>
+              </p:cNvPr>
+              <p:cNvSpPr txBox="1"/>
+              <p:nvPr/>
+            </p:nvSpPr>
+            <p:spPr>
+              <a:xfrm>
+                <a:off x="7092280" y="1484784"/>
+                <a:ext cx="145553" cy="276999"/>
+              </a:xfrm>
+              <a:prstGeom prst="rect">
+                <a:avLst/>
+              </a:prstGeom>
+              <a:noFill/>
+            </p:spPr>
+            <p:txBody>
+              <a:bodyPr wrap="none" lIns="0" tIns="0" rIns="0" bIns="0" rtlCol="0">
+                <a:spAutoFit/>
+              </a:bodyPr>
+              <a:lstStyle/>
+              <a:p>
+                <a:pPr/>
+                <a14:m>
+                  <m:oMathPara xmlns:m="http://schemas.openxmlformats.org/officeDocument/2006/math">
+                    <m:oMathParaPr>
+                      <m:jc m:val="centerGroup"/>
+                    </m:oMathParaPr>
+                    <m:oMath xmlns:m="http://schemas.openxmlformats.org/officeDocument/2006/math">
+                      <m:r>
+                        <a:rPr lang="fr-FR" b="0" i="1" smtClean="0">
+                          <a:latin typeface="Cambria Math" panose="02040503050406030204" pitchFamily="18" charset="0"/>
+                        </a:rPr>
+                        <m:t>𝐽</m:t>
+                      </m:r>
+                    </m:oMath>
+                  </m:oMathPara>
+                </a14:m>
+                <a:endParaRPr lang="fr-FR" dirty="0"/>
+              </a:p>
+            </p:txBody>
+          </p:sp>
+        </mc:Choice>
+        <mc:Fallback xmlns="">
+          <p:sp>
+            <p:nvSpPr>
+              <p:cNvPr id="107" name="ZoneTexte 106">
+                <a:extLst>
+                  <a:ext uri="{FF2B5EF4-FFF2-40B4-BE49-F238E27FC236}">
+                    <a16:creationId xmlns:a16="http://schemas.microsoft.com/office/drawing/2014/main" id="{BD7397DE-E2C7-4AE3-96F6-331326BFB681}"/>
+                  </a:ext>
+                </a:extLst>
+              </p:cNvPr>
+              <p:cNvSpPr txBox="1">
+                <a:spLocks noRot="1" noChangeAspect="1" noMove="1" noResize="1" noEditPoints="1" noAdjustHandles="1" noChangeArrowheads="1" noChangeShapeType="1" noTextEdit="1"/>
+              </p:cNvSpPr>
+              <p:nvPr/>
+            </p:nvSpPr>
+            <p:spPr>
+              <a:xfrm>
+                <a:off x="7092280" y="1484784"/>
+                <a:ext cx="145553" cy="276999"/>
+              </a:xfrm>
+              <a:prstGeom prst="rect">
+                <a:avLst/>
+              </a:prstGeom>
+              <a:blipFill>
+                <a:blip r:embed="rId14"/>
+                <a:stretch>
+                  <a:fillRect l="-54167" r="-50000" b="-31111"/>
+                </a:stretch>
+              </a:blipFill>
+            </p:spPr>
+            <p:txBody>
+              <a:bodyPr/>
+              <a:lstStyle/>
+              <a:p>
+                <a:r>
+                  <a:rPr lang="fr-FR">
+                    <a:noFill/>
+                  </a:rPr>
+                  <a:t> </a:t>
+                </a:r>
+              </a:p>
+            </p:txBody>
+          </p:sp>
+        </mc:Fallback>
+      </mc:AlternateContent>
+      <p:cxnSp>
+        <p:nvCxnSpPr>
+          <p:cNvPr id="113" name="Connecteur droit 112">
+            <a:extLst>
+              <a:ext uri="{FF2B5EF4-FFF2-40B4-BE49-F238E27FC236}">
+                <a16:creationId xmlns:a16="http://schemas.microsoft.com/office/drawing/2014/main" id="{8E6801AB-C3E0-4A4F-B095-29E2197CC173}"/>
+              </a:ext>
+            </a:extLst>
+          </p:cNvPr>
+          <p:cNvCxnSpPr>
+            <a:cxnSpLocks/>
+          </p:cNvCxnSpPr>
+          <p:nvPr/>
+        </p:nvCxnSpPr>
+        <p:spPr>
+          <a:xfrm flipV="1">
+            <a:off x="6732773" y="1826465"/>
+            <a:ext cx="297808" cy="0"/>
+          </a:xfrm>
+          <a:prstGeom prst="line">
+            <a:avLst/>
+          </a:prstGeom>
+          <a:ln w="38100">
+            <a:solidFill>
+              <a:srgbClr val="FF0000"/>
+            </a:solidFill>
+            <a:headEnd type="stealth" w="sm" len="med"/>
+            <a:tailEnd type="stealth" w="sm" len="med"/>
+          </a:ln>
+        </p:spPr>
+        <p:style>
+          <a:lnRef idx="1">
+            <a:schemeClr val="accent1"/>
+          </a:lnRef>
+          <a:fillRef idx="0">
+            <a:schemeClr val="accent1"/>
+          </a:fillRef>
+          <a:effectRef idx="0">
+            <a:schemeClr val="accent1"/>
+          </a:effectRef>
+          <a:fontRef idx="minor">
+            <a:schemeClr val="tx1"/>
+          </a:fontRef>
+        </p:style>
+      </p:cxnSp>
+      <mc:AlternateContent xmlns:mc="http://schemas.openxmlformats.org/markup-compatibility/2006" xmlns:a14="http://schemas.microsoft.com/office/drawing/2010/main">
+        <mc:Choice Requires="a14">
+          <p:sp>
+            <p:nvSpPr>
+              <p:cNvPr id="114" name="ZoneTexte 113">
+                <a:extLst>
+                  <a:ext uri="{FF2B5EF4-FFF2-40B4-BE49-F238E27FC236}">
+                    <a16:creationId xmlns:a16="http://schemas.microsoft.com/office/drawing/2014/main" id="{A0DA291B-5746-4259-8B71-AE272C5B865C}"/>
+                  </a:ext>
+                </a:extLst>
+              </p:cNvPr>
+              <p:cNvSpPr txBox="1"/>
+              <p:nvPr/>
+            </p:nvSpPr>
+            <p:spPr>
+              <a:xfrm>
+                <a:off x="6804248" y="1484784"/>
+                <a:ext cx="166969" cy="276999"/>
+              </a:xfrm>
+              <a:prstGeom prst="rect">
+                <a:avLst/>
+              </a:prstGeom>
+              <a:noFill/>
+            </p:spPr>
+            <p:txBody>
+              <a:bodyPr wrap="none" lIns="0" tIns="0" rIns="0" bIns="0" rtlCol="0">
+                <a:spAutoFit/>
+              </a:bodyPr>
+              <a:lstStyle/>
+              <a:p>
+                <a:pPr/>
+                <a14:m>
+                  <m:oMathPara xmlns:m="http://schemas.openxmlformats.org/officeDocument/2006/math">
+                    <m:oMathParaPr>
+                      <m:jc m:val="centerGroup"/>
+                    </m:oMathParaPr>
+                    <m:oMath xmlns:m="http://schemas.openxmlformats.org/officeDocument/2006/math">
+                      <m:r>
+                        <a:rPr lang="fr-FR" b="0" i="1" smtClean="0">
+                          <a:latin typeface="Cambria Math" panose="02040503050406030204" pitchFamily="18" charset="0"/>
+                        </a:rPr>
+                        <m:t>𝑟</m:t>
+                      </m:r>
+                    </m:oMath>
+                  </m:oMathPara>
+                </a14:m>
+                <a:endParaRPr lang="fr-FR" dirty="0"/>
+              </a:p>
+            </p:txBody>
+          </p:sp>
+        </mc:Choice>
+        <mc:Fallback xmlns="">
+          <p:sp>
+            <p:nvSpPr>
+              <p:cNvPr id="114" name="ZoneTexte 113">
+                <a:extLst>
+                  <a:ext uri="{FF2B5EF4-FFF2-40B4-BE49-F238E27FC236}">
+                    <a16:creationId xmlns:a16="http://schemas.microsoft.com/office/drawing/2014/main" id="{A0DA291B-5746-4259-8B71-AE272C5B865C}"/>
+                  </a:ext>
+                </a:extLst>
+              </p:cNvPr>
+              <p:cNvSpPr txBox="1">
+                <a:spLocks noRot="1" noChangeAspect="1" noMove="1" noResize="1" noEditPoints="1" noAdjustHandles="1" noChangeArrowheads="1" noChangeShapeType="1" noTextEdit="1"/>
+              </p:cNvSpPr>
+              <p:nvPr/>
+            </p:nvSpPr>
+            <p:spPr>
+              <a:xfrm>
+                <a:off x="6804248" y="1484784"/>
+                <a:ext cx="166969" cy="276999"/>
+              </a:xfrm>
+              <a:prstGeom prst="rect">
+                <a:avLst/>
+              </a:prstGeom>
+              <a:blipFill>
+                <a:blip r:embed="rId15"/>
+                <a:stretch>
+                  <a:fillRect l="-21429" r="-14286"/>
+                </a:stretch>
+              </a:blipFill>
+            </p:spPr>
+            <p:txBody>
+              <a:bodyPr/>
+              <a:lstStyle/>
+              <a:p>
+                <a:r>
+                  <a:rPr lang="fr-FR">
+                    <a:noFill/>
+                  </a:rPr>
+                  <a:t> </a:t>
+                </a:r>
+              </a:p>
+            </p:txBody>
+          </p:sp>
+        </mc:Fallback>
+      </mc:AlternateContent>
+    </p:spTree>
+    <p:extLst>
+      <p:ext uri="{BB962C8B-B14F-4D97-AF65-F5344CB8AC3E}">
+        <p14:creationId xmlns:p14="http://schemas.microsoft.com/office/powerpoint/2010/main" val="3565493404"/>
+      </p:ext>
+    </p:extLst>
+  </p:cSld>
+  <p:clrMapOvr>
+    <a:masterClrMapping/>
+  </p:clrMapOvr>
+</p:sld>
+</file>
+
+<file path=ppt/slides/slide4.xml><?xml version="1.0" encoding="utf-8"?>
+<p:sld xmlns:a="http://schemas.openxmlformats.org/drawingml/2006/main" xmlns:r="http://schemas.openxmlformats.org/officeDocument/2006/relationships" xmlns:p="http://schemas.openxmlformats.org/presentationml/2006/main">
+  <p:cSld>
+    <p:spTree>
+      <p:nvGrpSpPr>
+        <p:cNvPr id="1" name=""/>
+        <p:cNvGrpSpPr/>
+        <p:nvPr/>
+      </p:nvGrpSpPr>
+      <p:grpSpPr>
+        <a:xfrm>
+          <a:off x="0" y="0"/>
+          <a:ext cx="0" cy="0"/>
+          <a:chOff x="0" y="0"/>
+          <a:chExt cx="0" cy="0"/>
+        </a:xfrm>
+      </p:grpSpPr>
+      <p:sp>
+        <p:nvSpPr>
+          <p:cNvPr id="30" name="Rectangle à coins arrondis 29"/>
+          <p:cNvSpPr/>
+          <p:nvPr/>
+        </p:nvSpPr>
+        <p:spPr>
+          <a:xfrm rot="20460000">
+            <a:off x="4543559" y="3338632"/>
+            <a:ext cx="864096" cy="382985"/>
+          </a:xfrm>
+          <a:prstGeom prst="roundRect">
+            <a:avLst/>
+          </a:prstGeom>
+          <a:solidFill>
+            <a:schemeClr val="accent6">
+              <a:lumMod val="20000"/>
+              <a:lumOff val="80000"/>
+            </a:schemeClr>
+          </a:solidFill>
+          <a:ln w="28575">
+            <a:solidFill>
+              <a:schemeClr val="accent6">
+                <a:lumMod val="75000"/>
+              </a:schemeClr>
+            </a:solidFill>
+          </a:ln>
+        </p:spPr>
+        <p:style>
+          <a:lnRef idx="1">
+            <a:schemeClr val="accent1"/>
+          </a:lnRef>
+          <a:fillRef idx="0">
+            <a:schemeClr val="accent1"/>
+          </a:fillRef>
+          <a:effectRef idx="0">
+            <a:schemeClr val="accent1"/>
+          </a:effectRef>
+          <a:fontRef idx="minor">
+            <a:schemeClr val="tx1"/>
+          </a:fontRef>
+        </p:style>
+        <p:txBody>
+          <a:bodyPr rtlCol="0" anchor="ctr"/>
+          <a:lstStyle/>
+          <a:p>
+            <a:pPr algn="ctr"/>
+            <a:endParaRPr lang="fr-FR">
+              <a:solidFill>
+                <a:schemeClr val="tx1"/>
               </a:solidFill>
             </a:endParaRPr>
+          </a:p>
+        </p:txBody>
+      </p:sp>
+      <p:sp>
+        <p:nvSpPr>
+          <p:cNvPr id="16" name="Triangle rectangle 15"/>
+          <p:cNvSpPr/>
+          <p:nvPr/>
+        </p:nvSpPr>
+        <p:spPr>
+          <a:xfrm flipH="1">
+            <a:off x="3851920" y="3409620"/>
+            <a:ext cx="2160240" cy="724461"/>
+          </a:xfrm>
+          <a:prstGeom prst="rtTriangle">
+            <a:avLst/>
+          </a:prstGeom>
+          <a:solidFill>
+            <a:schemeClr val="accent5">
+              <a:lumMod val="20000"/>
+              <a:lumOff val="80000"/>
+            </a:schemeClr>
+          </a:solidFill>
+          <a:ln>
+            <a:noFill/>
+          </a:ln>
+        </p:spPr>
+        <p:style>
+          <a:lnRef idx="2">
+            <a:schemeClr val="accent1">
+              <a:shade val="50000"/>
+            </a:schemeClr>
+          </a:lnRef>
+          <a:fillRef idx="1">
+            <a:schemeClr val="accent1"/>
+          </a:fillRef>
+          <a:effectRef idx="0">
+            <a:schemeClr val="accent1"/>
+          </a:effectRef>
+          <a:fontRef idx="minor">
+            <a:schemeClr val="lt1"/>
+          </a:fontRef>
+        </p:style>
+        <p:txBody>
+          <a:bodyPr rtlCol="0" anchor="ctr"/>
+          <a:lstStyle/>
+          <a:p>
+            <a:pPr algn="ctr"/>
+            <a:endParaRPr lang="fr-FR"/>
+          </a:p>
+        </p:txBody>
+      </p:sp>
+      <p:cxnSp>
+        <p:nvCxnSpPr>
+          <p:cNvPr id="6" name="Connecteur droit 5"/>
+          <p:cNvCxnSpPr>
+            <a:stCxn id="16" idx="4"/>
+            <a:endCxn id="16" idx="2"/>
+          </p:cNvCxnSpPr>
+          <p:nvPr/>
+        </p:nvCxnSpPr>
+        <p:spPr>
+          <a:xfrm>
+            <a:off x="3851920" y="4134081"/>
+            <a:ext cx="2160240" cy="0"/>
+          </a:xfrm>
+          <a:prstGeom prst="line">
+            <a:avLst/>
+          </a:prstGeom>
+          <a:ln w="28575">
+            <a:solidFill>
+              <a:schemeClr val="accent5">
+                <a:lumMod val="50000"/>
+              </a:schemeClr>
+            </a:solidFill>
+          </a:ln>
+        </p:spPr>
+        <p:style>
+          <a:lnRef idx="1">
+            <a:schemeClr val="accent1"/>
+          </a:lnRef>
+          <a:fillRef idx="0">
+            <a:schemeClr val="accent1"/>
+          </a:fillRef>
+          <a:effectRef idx="0">
+            <a:schemeClr val="accent1"/>
+          </a:effectRef>
+          <a:fontRef idx="minor">
+            <a:schemeClr val="tx1"/>
+          </a:fontRef>
+        </p:style>
+      </p:cxnSp>
+      <p:sp>
+        <p:nvSpPr>
+          <p:cNvPr id="9" name="Ellipse 8"/>
+          <p:cNvSpPr/>
+          <p:nvPr/>
+        </p:nvSpPr>
+        <p:spPr>
+          <a:xfrm>
+            <a:off x="3966202" y="3284984"/>
+            <a:ext cx="432048" cy="432048"/>
+          </a:xfrm>
+          <a:prstGeom prst="ellipse">
+            <a:avLst/>
+          </a:prstGeom>
+          <a:solidFill>
+            <a:schemeClr val="accent6">
+              <a:lumMod val="20000"/>
+              <a:lumOff val="80000"/>
+            </a:schemeClr>
+          </a:solidFill>
+          <a:ln w="28575">
+            <a:solidFill>
+              <a:schemeClr val="accent6">
+                <a:lumMod val="75000"/>
+              </a:schemeClr>
+            </a:solidFill>
+          </a:ln>
+        </p:spPr>
+        <p:style>
+          <a:lnRef idx="2">
+            <a:schemeClr val="accent1">
+              <a:shade val="50000"/>
+            </a:schemeClr>
+          </a:lnRef>
+          <a:fillRef idx="1">
+            <a:schemeClr val="accent1"/>
+          </a:fillRef>
+          <a:effectRef idx="0">
+            <a:schemeClr val="accent1"/>
+          </a:effectRef>
+          <a:fontRef idx="minor">
+            <a:schemeClr val="lt1"/>
+          </a:fontRef>
+        </p:style>
+        <p:txBody>
+          <a:bodyPr lIns="0" tIns="0" rIns="0" bIns="0" rtlCol="0" anchor="ctr"/>
+          <a:lstStyle/>
+          <a:p>
+            <a:pPr algn="ctr"/>
+            <a:r>
+              <a:rPr lang="fr-FR" b="1" dirty="0">
+                <a:solidFill>
+                  <a:schemeClr val="accent6">
+                    <a:lumMod val="50000"/>
+                  </a:schemeClr>
+                </a:solidFill>
+              </a:rPr>
+              <a:t>2</a:t>
+            </a:r>
+          </a:p>
+        </p:txBody>
+      </p:sp>
+      <p:sp>
+        <p:nvSpPr>
+          <p:cNvPr id="10" name="Ellipse 9"/>
+          <p:cNvSpPr/>
+          <p:nvPr/>
+        </p:nvSpPr>
+        <p:spPr>
+          <a:xfrm>
+            <a:off x="5580112" y="3635822"/>
+            <a:ext cx="432048" cy="432048"/>
+          </a:xfrm>
+          <a:prstGeom prst="ellipse">
+            <a:avLst/>
+          </a:prstGeom>
+          <a:solidFill>
+            <a:schemeClr val="accent5">
+              <a:lumMod val="20000"/>
+              <a:lumOff val="80000"/>
+            </a:schemeClr>
+          </a:solidFill>
+          <a:ln w="28575">
+            <a:solidFill>
+              <a:schemeClr val="accent5">
+                <a:lumMod val="50000"/>
+              </a:schemeClr>
+            </a:solidFill>
+          </a:ln>
+        </p:spPr>
+        <p:style>
+          <a:lnRef idx="2">
+            <a:schemeClr val="accent1">
+              <a:shade val="50000"/>
+            </a:schemeClr>
+          </a:lnRef>
+          <a:fillRef idx="1">
+            <a:schemeClr val="accent1"/>
+          </a:fillRef>
+          <a:effectRef idx="0">
+            <a:schemeClr val="accent1"/>
+          </a:effectRef>
+          <a:fontRef idx="minor">
+            <a:schemeClr val="lt1"/>
+          </a:fontRef>
+        </p:style>
+        <p:txBody>
+          <a:bodyPr lIns="0" tIns="0" rIns="0" bIns="0" rtlCol="0" anchor="ctr"/>
+          <a:lstStyle/>
+          <a:p>
+            <a:pPr algn="ctr"/>
+            <a:r>
+              <a:rPr lang="fr-FR" b="1" dirty="0">
+                <a:solidFill>
+                  <a:schemeClr val="tx2"/>
+                </a:solidFill>
+              </a:rPr>
+              <a:t>1</a:t>
+            </a:r>
+          </a:p>
+        </p:txBody>
+      </p:sp>
+      <p:cxnSp>
+        <p:nvCxnSpPr>
+          <p:cNvPr id="15" name="Connecteur droit 14"/>
+          <p:cNvCxnSpPr>
+            <a:stCxn id="16" idx="4"/>
+            <a:endCxn id="16" idx="0"/>
+          </p:cNvCxnSpPr>
+          <p:nvPr/>
+        </p:nvCxnSpPr>
+        <p:spPr>
+          <a:xfrm flipV="1">
+            <a:off x="3851920" y="3409620"/>
+            <a:ext cx="2160240" cy="724461"/>
+          </a:xfrm>
+          <a:prstGeom prst="line">
+            <a:avLst/>
+          </a:prstGeom>
+          <a:ln w="28575">
+            <a:solidFill>
+              <a:schemeClr val="accent5">
+                <a:lumMod val="50000"/>
+              </a:schemeClr>
+            </a:solidFill>
+          </a:ln>
+        </p:spPr>
+        <p:style>
+          <a:lnRef idx="1">
+            <a:schemeClr val="accent1"/>
+          </a:lnRef>
+          <a:fillRef idx="0">
+            <a:schemeClr val="accent1"/>
+          </a:fillRef>
+          <a:effectRef idx="0">
+            <a:schemeClr val="accent1"/>
+          </a:effectRef>
+          <a:fontRef idx="minor">
+            <a:schemeClr val="tx1"/>
+          </a:fontRef>
+        </p:style>
+      </p:cxnSp>
+      <p:sp>
+        <p:nvSpPr>
+          <p:cNvPr id="18" name="Arc 17"/>
+          <p:cNvSpPr/>
+          <p:nvPr/>
+        </p:nvSpPr>
+        <p:spPr>
+          <a:xfrm>
+            <a:off x="3131840" y="3425461"/>
+            <a:ext cx="1440160" cy="1440160"/>
+          </a:xfrm>
+          <a:prstGeom prst="arc">
+            <a:avLst>
+              <a:gd name="adj1" fmla="val 20411115"/>
+              <a:gd name="adj2" fmla="val 0"/>
+            </a:avLst>
+          </a:prstGeom>
+          <a:ln w="12700">
+            <a:solidFill>
+              <a:schemeClr val="tx1"/>
+            </a:solidFill>
+            <a:headEnd type="stealth" w="sm" len="med"/>
+          </a:ln>
+        </p:spPr>
+        <p:style>
+          <a:lnRef idx="1">
+            <a:schemeClr val="accent1"/>
+          </a:lnRef>
+          <a:fillRef idx="0">
+            <a:schemeClr val="accent1"/>
+          </a:fillRef>
+          <a:effectRef idx="0">
+            <a:schemeClr val="accent1"/>
+          </a:effectRef>
+          <a:fontRef idx="minor">
+            <a:schemeClr val="tx1"/>
+          </a:fontRef>
+        </p:style>
+        <p:txBody>
+          <a:bodyPr rtlCol="0" anchor="ctr"/>
+          <a:lstStyle/>
+          <a:p>
+            <a:pPr algn="ctr"/>
+            <a:endParaRPr lang="fr-FR"/>
+          </a:p>
+        </p:txBody>
+      </p:sp>
+      <mc:AlternateContent xmlns:mc="http://schemas.openxmlformats.org/markup-compatibility/2006" xmlns:a14="http://schemas.microsoft.com/office/drawing/2010/main">
+        <mc:Choice Requires="a14">
+          <p:sp>
+            <p:nvSpPr>
+              <p:cNvPr id="19" name="ZoneTexte 18"/>
+              <p:cNvSpPr txBox="1"/>
+              <p:nvPr/>
+            </p:nvSpPr>
+            <p:spPr>
+              <a:xfrm>
+                <a:off x="4562946" y="3862158"/>
+                <a:ext cx="309379" cy="253916"/>
+              </a:xfrm>
+              <a:prstGeom prst="rect">
+                <a:avLst/>
+              </a:prstGeom>
+              <a:noFill/>
+            </p:spPr>
+            <p:txBody>
+              <a:bodyPr wrap="none" rtlCol="0">
+                <a:spAutoFit/>
+              </a:bodyPr>
+              <a:lstStyle/>
+              <a:p>
+                <a:pPr/>
+                <a14:m>
+                  <m:oMathPara xmlns:m="http://schemas.openxmlformats.org/officeDocument/2006/math">
+                    <m:oMathParaPr>
+                      <m:jc m:val="centerGroup"/>
+                    </m:oMathParaPr>
+                    <m:oMath xmlns:m="http://schemas.openxmlformats.org/officeDocument/2006/math">
+                      <m:r>
+                        <a:rPr lang="fr-FR" sz="1050" b="0" i="1" smtClean="0">
+                          <a:latin typeface="Cambria Math" panose="02040503050406030204" pitchFamily="18" charset="0"/>
+                        </a:rPr>
+                        <m:t>𝜑</m:t>
+                      </m:r>
+                    </m:oMath>
+                  </m:oMathPara>
+                </a14:m>
+                <a:endParaRPr lang="fr-FR" sz="1050" dirty="0"/>
+              </a:p>
+            </p:txBody>
+          </p:sp>
+        </mc:Choice>
+        <mc:Fallback xmlns="">
+          <p:sp>
+            <p:nvSpPr>
+              <p:cNvPr id="19" name="ZoneTexte 18"/>
+              <p:cNvSpPr txBox="1">
+                <a:spLocks noRot="1" noChangeAspect="1" noMove="1" noResize="1" noEditPoints="1" noAdjustHandles="1" noChangeArrowheads="1" noChangeShapeType="1" noTextEdit="1"/>
+              </p:cNvSpPr>
+              <p:nvPr/>
+            </p:nvSpPr>
+            <p:spPr>
+              <a:xfrm>
+                <a:off x="4562946" y="3862158"/>
+                <a:ext cx="309379" cy="253916"/>
+              </a:xfrm>
+              <a:prstGeom prst="rect">
+                <a:avLst/>
+              </a:prstGeom>
+              <a:blipFill>
+                <a:blip r:embed="rId2"/>
+                <a:stretch>
+                  <a:fillRect/>
+                </a:stretch>
+              </a:blipFill>
+            </p:spPr>
+            <p:txBody>
+              <a:bodyPr/>
+              <a:lstStyle/>
+              <a:p>
+                <a:r>
+                  <a:rPr lang="fr-FR">
+                    <a:noFill/>
+                  </a:rPr>
+                  <a:t> </a:t>
+                </a:r>
+              </a:p>
+            </p:txBody>
+          </p:sp>
+        </mc:Fallback>
+      </mc:AlternateContent>
+    </p:spTree>
+    <p:extLst>
+      <p:ext uri="{BB962C8B-B14F-4D97-AF65-F5344CB8AC3E}">
+        <p14:creationId xmlns:p14="http://schemas.microsoft.com/office/powerpoint/2010/main" val="1212346111"/>
+      </p:ext>
+    </p:extLst>
+  </p:cSld>
+  <p:clrMapOvr>
+    <a:masterClrMapping/>
+  </p:clrMapOvr>
+</p:sld>
+</file>
+
+<file path=ppt/slides/slide5.xml><?xml version="1.0" encoding="utf-8"?>
+<p:sld xmlns:a="http://schemas.openxmlformats.org/drawingml/2006/main" xmlns:r="http://schemas.openxmlformats.org/officeDocument/2006/relationships" xmlns:p="http://schemas.openxmlformats.org/presentationml/2006/main">
+  <p:cSld>
+    <p:spTree>
+      <p:nvGrpSpPr>
+        <p:cNvPr id="1" name=""/>
+        <p:cNvGrpSpPr/>
+        <p:nvPr/>
+      </p:nvGrpSpPr>
+      <p:grpSpPr>
+        <a:xfrm>
+          <a:off x="0" y="0"/>
+          <a:ext cx="0" cy="0"/>
+          <a:chOff x="0" y="0"/>
+          <a:chExt cx="0" cy="0"/>
+        </a:xfrm>
+      </p:grpSpPr>
+      <p:cxnSp>
+        <p:nvCxnSpPr>
+          <p:cNvPr id="6" name="Connecteur droit 5"/>
+          <p:cNvCxnSpPr/>
+          <p:nvPr/>
+        </p:nvCxnSpPr>
+        <p:spPr>
+          <a:xfrm>
+            <a:off x="3131840" y="1988840"/>
+            <a:ext cx="1440160" cy="0"/>
+          </a:xfrm>
+          <a:prstGeom prst="line">
+            <a:avLst/>
+          </a:prstGeom>
+          <a:ln w="28575">
+            <a:solidFill>
+              <a:schemeClr val="accent5">
+                <a:lumMod val="50000"/>
+              </a:schemeClr>
+            </a:solidFill>
+          </a:ln>
+        </p:spPr>
+        <p:style>
+          <a:lnRef idx="1">
+            <a:schemeClr val="accent1"/>
+          </a:lnRef>
+          <a:fillRef idx="0">
+            <a:schemeClr val="accent1"/>
+          </a:fillRef>
+          <a:effectRef idx="0">
+            <a:schemeClr val="accent1"/>
+          </a:effectRef>
+          <a:fontRef idx="minor">
+            <a:schemeClr val="tx1"/>
+          </a:fontRef>
+        </p:style>
+      </p:cxnSp>
+      <p:sp>
+        <p:nvSpPr>
+          <p:cNvPr id="7" name="Arc 6"/>
+          <p:cNvSpPr/>
+          <p:nvPr/>
+        </p:nvSpPr>
+        <p:spPr>
+          <a:xfrm>
+            <a:off x="2987824" y="248673"/>
+            <a:ext cx="1728192" cy="1728192"/>
+          </a:xfrm>
+          <a:prstGeom prst="arc">
+            <a:avLst>
+              <a:gd name="adj1" fmla="val 1306542"/>
+              <a:gd name="adj2" fmla="val 9695546"/>
+            </a:avLst>
+          </a:prstGeom>
+          <a:solidFill>
+            <a:schemeClr val="accent6">
+              <a:lumMod val="20000"/>
+              <a:lumOff val="80000"/>
+            </a:schemeClr>
+          </a:solidFill>
+          <a:ln w="28575">
+            <a:solidFill>
+              <a:schemeClr val="accent6">
+                <a:lumMod val="75000"/>
+              </a:schemeClr>
+            </a:solidFill>
+          </a:ln>
+        </p:spPr>
+        <p:style>
+          <a:lnRef idx="1">
+            <a:schemeClr val="accent1"/>
+          </a:lnRef>
+          <a:fillRef idx="0">
+            <a:schemeClr val="accent1"/>
+          </a:fillRef>
+          <a:effectRef idx="0">
+            <a:schemeClr val="accent1"/>
+          </a:effectRef>
+          <a:fontRef idx="minor">
+            <a:schemeClr val="tx1"/>
+          </a:fontRef>
+        </p:style>
+        <p:txBody>
+          <a:bodyPr rtlCol="0" anchor="ctr"/>
+          <a:lstStyle/>
+          <a:p>
+            <a:pPr algn="ctr"/>
+            <a:endParaRPr lang="fr-FR"/>
+          </a:p>
+        </p:txBody>
+      </p:sp>
+      <p:sp>
+        <p:nvSpPr>
+          <p:cNvPr id="8" name="Forme libre 7"/>
+          <p:cNvSpPr/>
+          <p:nvPr/>
+        </p:nvSpPr>
+        <p:spPr>
+          <a:xfrm>
+            <a:off x="3141551" y="2000816"/>
+            <a:ext cx="1421395" cy="193812"/>
+          </a:xfrm>
+          <a:custGeom>
+            <a:avLst/>
+            <a:gdLst>
+              <a:gd name="connsiteX0" fmla="*/ 0 w 1435502"/>
+              <a:gd name="connsiteY0" fmla="*/ 0 h 213325"/>
+              <a:gd name="connsiteX1" fmla="*/ 289711 w 1435502"/>
+              <a:gd name="connsiteY1" fmla="*/ 190123 h 213325"/>
+              <a:gd name="connsiteX2" fmla="*/ 1276539 w 1435502"/>
+              <a:gd name="connsiteY2" fmla="*/ 190123 h 213325"/>
+              <a:gd name="connsiteX3" fmla="*/ 1421395 w 1435502"/>
+              <a:gd name="connsiteY3" fmla="*/ 9053 h 213325"/>
+              <a:gd name="connsiteX0" fmla="*/ 0 w 1421395"/>
+              <a:gd name="connsiteY0" fmla="*/ 0 h 190134"/>
+              <a:gd name="connsiteX1" fmla="*/ 289711 w 1421395"/>
+              <a:gd name="connsiteY1" fmla="*/ 190123 h 190134"/>
+              <a:gd name="connsiteX2" fmla="*/ 1421395 w 1421395"/>
+              <a:gd name="connsiteY2" fmla="*/ 9053 h 190134"/>
+              <a:gd name="connsiteX0" fmla="*/ 0 w 1421395"/>
+              <a:gd name="connsiteY0" fmla="*/ 0 h 9053"/>
+              <a:gd name="connsiteX1" fmla="*/ 1421395 w 1421395"/>
+              <a:gd name="connsiteY1" fmla="*/ 9053 h 9053"/>
+              <a:gd name="connsiteX0" fmla="*/ 0 w 10000"/>
+              <a:gd name="connsiteY0" fmla="*/ 0 h 221139"/>
+              <a:gd name="connsiteX1" fmla="*/ 10000 w 10000"/>
+              <a:gd name="connsiteY1" fmla="*/ 10000 h 221139"/>
+              <a:gd name="connsiteX0" fmla="*/ 0 w 10000"/>
+              <a:gd name="connsiteY0" fmla="*/ 0 h 339383"/>
+              <a:gd name="connsiteX1" fmla="*/ 10000 w 10000"/>
+              <a:gd name="connsiteY1" fmla="*/ 10000 h 339383"/>
+              <a:gd name="connsiteX0" fmla="*/ 0 w 10000"/>
+              <a:gd name="connsiteY0" fmla="*/ 0 h 282505"/>
+              <a:gd name="connsiteX1" fmla="*/ 10000 w 10000"/>
+              <a:gd name="connsiteY1" fmla="*/ 10000 h 282505"/>
+              <a:gd name="connsiteX0" fmla="*/ 0 w 10000"/>
+              <a:gd name="connsiteY0" fmla="*/ 0 h 295242"/>
+              <a:gd name="connsiteX1" fmla="*/ 10000 w 10000"/>
+              <a:gd name="connsiteY1" fmla="*/ 10000 h 295242"/>
+              <a:gd name="connsiteX0" fmla="*/ 0 w 10000"/>
+              <a:gd name="connsiteY0" fmla="*/ 0 h 376767"/>
+              <a:gd name="connsiteX1" fmla="*/ 4968 w 10000"/>
+              <a:gd name="connsiteY1" fmla="*/ 290015 h 376767"/>
+              <a:gd name="connsiteX2" fmla="*/ 10000 w 10000"/>
+              <a:gd name="connsiteY2" fmla="*/ 10000 h 376767"/>
+              <a:gd name="connsiteX0" fmla="*/ 0 w 10000"/>
+              <a:gd name="connsiteY0" fmla="*/ 0 h 319857"/>
+              <a:gd name="connsiteX1" fmla="*/ 4968 w 10000"/>
+              <a:gd name="connsiteY1" fmla="*/ 290015 h 319857"/>
+              <a:gd name="connsiteX2" fmla="*/ 10000 w 10000"/>
+              <a:gd name="connsiteY2" fmla="*/ 10000 h 319857"/>
+              <a:gd name="connsiteX0" fmla="*/ 0 w 10000"/>
+              <a:gd name="connsiteY0" fmla="*/ 0 h 290056"/>
+              <a:gd name="connsiteX1" fmla="*/ 4968 w 10000"/>
+              <a:gd name="connsiteY1" fmla="*/ 290015 h 290056"/>
+              <a:gd name="connsiteX2" fmla="*/ 10000 w 10000"/>
+              <a:gd name="connsiteY2" fmla="*/ 10000 h 290056"/>
+              <a:gd name="connsiteX0" fmla="*/ 0 w 10000"/>
+              <a:gd name="connsiteY0" fmla="*/ 0 h 164894"/>
+              <a:gd name="connsiteX1" fmla="*/ 5159 w 10000"/>
+              <a:gd name="connsiteY1" fmla="*/ 150007 h 164894"/>
+              <a:gd name="connsiteX2" fmla="*/ 10000 w 10000"/>
+              <a:gd name="connsiteY2" fmla="*/ 10000 h 164894"/>
+              <a:gd name="connsiteX0" fmla="*/ 0 w 10000"/>
+              <a:gd name="connsiteY0" fmla="*/ 0 h 183850"/>
+              <a:gd name="connsiteX1" fmla="*/ 5159 w 10000"/>
+              <a:gd name="connsiteY1" fmla="*/ 150007 h 183850"/>
+              <a:gd name="connsiteX2" fmla="*/ 10000 w 10000"/>
+              <a:gd name="connsiteY2" fmla="*/ 10000 h 183850"/>
+              <a:gd name="connsiteX0" fmla="*/ 0 w 10000"/>
+              <a:gd name="connsiteY0" fmla="*/ 0 h 214086"/>
+              <a:gd name="connsiteX1" fmla="*/ 5159 w 10000"/>
+              <a:gd name="connsiteY1" fmla="*/ 150007 h 214086"/>
+              <a:gd name="connsiteX2" fmla="*/ 10000 w 10000"/>
+              <a:gd name="connsiteY2" fmla="*/ 10000 h 214086"/>
+            </a:gdLst>
+            <a:ahLst/>
+            <a:cxnLst>
+              <a:cxn ang="0">
+                <a:pos x="connsiteX0" y="connsiteY0"/>
+              </a:cxn>
+              <a:cxn ang="0">
+                <a:pos x="connsiteX1" y="connsiteY1"/>
+              </a:cxn>
+              <a:cxn ang="0">
+                <a:pos x="connsiteX2" y="connsiteY2"/>
+              </a:cxn>
+            </a:cxnLst>
+            <a:rect l="l" t="t" r="r" b="b"/>
+            <a:pathLst>
+              <a:path w="10000" h="214086">
+                <a:moveTo>
+                  <a:pt x="0" y="0"/>
+                </a:moveTo>
+                <a:cubicBezTo>
+                  <a:pt x="0" y="286683"/>
+                  <a:pt x="3057" y="153340"/>
+                  <a:pt x="5159" y="150007"/>
+                </a:cubicBezTo>
+                <a:cubicBezTo>
+                  <a:pt x="7261" y="146674"/>
+                  <a:pt x="10043" y="366688"/>
+                  <a:pt x="10000" y="10000"/>
+                </a:cubicBezTo>
+              </a:path>
+            </a:pathLst>
+          </a:custGeom>
+          <a:solidFill>
+            <a:schemeClr val="accent5">
+              <a:lumMod val="20000"/>
+              <a:lumOff val="80000"/>
+            </a:schemeClr>
+          </a:solidFill>
+          <a:ln w="12700">
+            <a:solidFill>
+              <a:schemeClr val="accent5">
+                <a:lumMod val="50000"/>
+              </a:schemeClr>
+            </a:solidFill>
+          </a:ln>
+        </p:spPr>
+        <p:style>
+          <a:lnRef idx="2">
+            <a:schemeClr val="accent1">
+              <a:shade val="50000"/>
+            </a:schemeClr>
+          </a:lnRef>
+          <a:fillRef idx="1">
+            <a:schemeClr val="accent1"/>
+          </a:fillRef>
+          <a:effectRef idx="0">
+            <a:schemeClr val="accent1"/>
+          </a:effectRef>
+          <a:fontRef idx="minor">
+            <a:schemeClr val="lt1"/>
+          </a:fontRef>
+        </p:style>
+        <p:txBody>
+          <a:bodyPr rtlCol="0" anchor="ctr"/>
+          <a:lstStyle/>
+          <a:p>
+            <a:pPr algn="ctr"/>
+            <a:endParaRPr lang="fr-FR">
+              <a:ln>
+                <a:solidFill>
+                  <a:schemeClr val="accent5">
+                    <a:lumMod val="50000"/>
+                  </a:schemeClr>
+                </a:solidFill>
+              </a:ln>
+            </a:endParaRPr>
+          </a:p>
+        </p:txBody>
+      </p:sp>
+      <p:sp>
+        <p:nvSpPr>
+          <p:cNvPr id="9" name="Ellipse 8"/>
+          <p:cNvSpPr/>
+          <p:nvPr/>
+        </p:nvSpPr>
+        <p:spPr>
+          <a:xfrm>
+            <a:off x="4716016" y="836712"/>
+            <a:ext cx="432048" cy="432048"/>
+          </a:xfrm>
+          <a:prstGeom prst="ellipse">
+            <a:avLst/>
+          </a:prstGeom>
+          <a:solidFill>
+            <a:schemeClr val="accent6">
+              <a:lumMod val="20000"/>
+              <a:lumOff val="80000"/>
+            </a:schemeClr>
+          </a:solidFill>
+          <a:ln w="28575">
+            <a:solidFill>
+              <a:schemeClr val="accent6">
+                <a:lumMod val="75000"/>
+              </a:schemeClr>
+            </a:solidFill>
+          </a:ln>
+        </p:spPr>
+        <p:style>
+          <a:lnRef idx="2">
+            <a:schemeClr val="accent1">
+              <a:shade val="50000"/>
+            </a:schemeClr>
+          </a:lnRef>
+          <a:fillRef idx="1">
+            <a:schemeClr val="accent1"/>
+          </a:fillRef>
+          <a:effectRef idx="0">
+            <a:schemeClr val="accent1"/>
+          </a:effectRef>
+          <a:fontRef idx="minor">
+            <a:schemeClr val="lt1"/>
+          </a:fontRef>
+        </p:style>
+        <p:txBody>
+          <a:bodyPr lIns="0" tIns="0" rIns="0" bIns="0" rtlCol="0" anchor="ctr"/>
+          <a:lstStyle/>
+          <a:p>
+            <a:pPr algn="ctr"/>
+            <a:r>
+              <a:rPr lang="fr-FR" b="1" dirty="0">
+                <a:solidFill>
+                  <a:schemeClr val="accent6">
+                    <a:lumMod val="50000"/>
+                  </a:schemeClr>
+                </a:solidFill>
+              </a:rPr>
+              <a:t>2</a:t>
+            </a:r>
           </a:p>
         </p:txBody>
       </p:sp>
@@ -5425,7 +12728,7 @@
             </p:nvSpPr>
             <p:spPr>
               <a:xfrm>
-                <a:off x="2352860" y="1813092"/>
+                <a:off x="2627434" y="1649230"/>
                 <a:ext cx="746743" cy="284630"/>
               </a:xfrm>
               <a:prstGeom prst="rect">
@@ -5532,7 +12835,7 @@
             </p:nvSpPr>
             <p:spPr>
               <a:xfrm>
-                <a:off x="2352860" y="1813092"/>
+                <a:off x="2627434" y="1649230"/>
                 <a:ext cx="746743" cy="284630"/>
               </a:xfrm>
               <a:prstGeom prst="rect">
@@ -5541,7 +12844,7 @@
               <a:blipFill>
                 <a:blip r:embed="rId5"/>
                 <a:stretch>
-                  <a:fillRect t="-72340" r="-30328" b="-127660"/>
+                  <a:fillRect t="-73913" r="-30081" b="-132609"/>
                 </a:stretch>
               </a:blipFill>
             </p:spPr>
@@ -5560,42 +12863,6 @@
           </p:sp>
         </mc:Fallback>
       </mc:AlternateContent>
-      <p:cxnSp>
-        <p:nvCxnSpPr>
-          <p:cNvPr id="17" name="Connecteur droit 16"/>
-          <p:cNvCxnSpPr/>
-          <p:nvPr/>
-        </p:nvCxnSpPr>
-        <p:spPr>
-          <a:xfrm rot="16200000" flipH="1" flipV="1">
-            <a:off x="3447243" y="1581912"/>
-            <a:ext cx="0" cy="792088"/>
-          </a:xfrm>
-          <a:prstGeom prst="line">
-            <a:avLst/>
-          </a:prstGeom>
-          <a:ln w="19050">
-            <a:solidFill>
-              <a:srgbClr val="FF0000"/>
-            </a:solidFill>
-            <a:tailEnd type="stealth" w="med" len="lg"/>
-          </a:ln>
-        </p:spPr>
-        <p:style>
-          <a:lnRef idx="1">
-            <a:schemeClr val="accent1"/>
-          </a:lnRef>
-          <a:fillRef idx="0">
-            <a:schemeClr val="accent1"/>
-          </a:fillRef>
-          <a:effectRef idx="0">
-            <a:schemeClr val="accent1"/>
-          </a:effectRef>
-          <a:fontRef idx="minor">
-            <a:schemeClr val="tx1"/>
-          </a:fontRef>
-        </p:style>
-      </p:cxnSp>
       <p:sp>
         <p:nvSpPr>
           <p:cNvPr id="2" name="Triangle isocèle 1"/>
@@ -6244,6 +13511,42 @@
           </p:sp>
         </mc:Fallback>
       </mc:AlternateContent>
+      <p:cxnSp>
+        <p:nvCxnSpPr>
+          <p:cNvPr id="17" name="Connecteur droit 16"/>
+          <p:cNvCxnSpPr/>
+          <p:nvPr/>
+        </p:nvCxnSpPr>
+        <p:spPr>
+          <a:xfrm rot="16200000" flipH="1" flipV="1">
+            <a:off x="3447243" y="1581912"/>
+            <a:ext cx="0" cy="792088"/>
+          </a:xfrm>
+          <a:prstGeom prst="line">
+            <a:avLst/>
+          </a:prstGeom>
+          <a:ln w="19050">
+            <a:solidFill>
+              <a:srgbClr val="00B050"/>
+            </a:solidFill>
+            <a:tailEnd type="stealth" w="med" len="lg"/>
+          </a:ln>
+        </p:spPr>
+        <p:style>
+          <a:lnRef idx="1">
+            <a:schemeClr val="accent1"/>
+          </a:lnRef>
+          <a:fillRef idx="0">
+            <a:schemeClr val="accent1"/>
+          </a:fillRef>
+          <a:effectRef idx="0">
+            <a:schemeClr val="accent1"/>
+          </a:effectRef>
+          <a:fontRef idx="minor">
+            <a:schemeClr val="tx1"/>
+          </a:fontRef>
+        </p:style>
+      </p:cxnSp>
     </p:spTree>
     <p:extLst>
       <p:ext uri="{BB962C8B-B14F-4D97-AF65-F5344CB8AC3E}">
@@ -6257,7 +13560,7 @@
 </p:sld>
 </file>
 
-<file path=ppt/slides/slide4.xml><?xml version="1.0" encoding="utf-8"?>
+<file path=ppt/slides/slide6.xml><?xml version="1.0" encoding="utf-8"?>
 <p:sld xmlns:a="http://schemas.openxmlformats.org/drawingml/2006/main" xmlns:r="http://schemas.openxmlformats.org/officeDocument/2006/relationships" xmlns:p="http://schemas.openxmlformats.org/presentationml/2006/main">
   <p:cSld>
     <p:spTree>
@@ -8214,7 +15517,7 @@
 </p:sld>
 </file>
 
-<file path=ppt/slides/slide5.xml><?xml version="1.0" encoding="utf-8"?>
+<file path=ppt/slides/slide7.xml><?xml version="1.0" encoding="utf-8"?>
 <p:sld xmlns:a="http://schemas.openxmlformats.org/drawingml/2006/main" xmlns:r="http://schemas.openxmlformats.org/officeDocument/2006/relationships" xmlns:p="http://schemas.openxmlformats.org/presentationml/2006/main">
   <p:cSld>
     <p:spTree>
@@ -10448,7 +17751,7 @@
 </p:sld>
 </file>
 
-<file path=ppt/slides/slide6.xml><?xml version="1.0" encoding="utf-8"?>
+<file path=ppt/slides/slide8.xml><?xml version="1.0" encoding="utf-8"?>
 <p:sld xmlns:a="http://schemas.openxmlformats.org/drawingml/2006/main" xmlns:r="http://schemas.openxmlformats.org/officeDocument/2006/relationships" xmlns:p="http://schemas.openxmlformats.org/presentationml/2006/main">
   <p:cSld>
     <p:spTree>
